--- a/draft-gandhi-spring-sr-enhanced-plm-02.pptx
+++ b/draft-gandhi-spring-sr-enhanced-plm-02.pptx
@@ -7428,7 +7428,7 @@
                 <a:ea typeface="Calibri" panose="020F0502020204030204" pitchFamily="34" charset="0"/>
                 <a:cs typeface="Times New Roman" panose="02020603050405020304" pitchFamily="18" charset="0"/>
               </a:rPr>
-              <a:t>         t1</a:t>
+              <a:t>          t1</a:t>
             </a:r>
           </a:p>
           <a:p>

--- a/draft-gandhi-spring-sr-enhanced-plm-02.pptx
+++ b/draft-gandhi-spring-sr-enhanced-plm-02.pptx
@@ -256,7 +256,7 @@
           <a:p>
             <a:fld id="{E8FA3DB5-7722-3F4F-947D-12B203669AD7}" type="datetimeFigureOut">
               <a:rPr lang="en-US" smtClean="0"/>
-              <a:t>6/19/20</a:t>
+              <a:t>7/8/20</a:t>
             </a:fld>
             <a:endParaRPr lang="en-US"/>
           </a:p>
@@ -5375,7 +5375,7 @@
             </a:r>
             <a:r>
               <a:rPr lang="en-CA" dirty="0"/>
-              <a:t> IETF @ Madrid</a:t>
+              <a:t> IETF Online</a:t>
             </a:r>
           </a:p>
         </p:txBody>
@@ -5511,7 +5511,7 @@
             </a:pPr>
             <a:r>
               <a:rPr lang="en-US" sz="1600" dirty="0"/>
-              <a:t>Sending PM probe queries that can take advantage of the hashing function in forwarding plane.</a:t>
+              <a:t>PM probe messages can take advantage of the hashing function in forwarding plane.</a:t>
             </a:r>
           </a:p>
           <a:p>
@@ -5624,7 +5624,7 @@
             </a:r>
             <a:r>
               <a:rPr lang="en-CA" dirty="0"/>
-              <a:t> IETF @ Madrid</a:t>
+              <a:t> IETF Online</a:t>
             </a:r>
           </a:p>
         </p:txBody>
@@ -5745,7 +5745,7 @@
         </p:nvSpPr>
         <p:spPr>
           <a:xfrm>
-            <a:off x="3124200" y="4775368"/>
+            <a:off x="3124200" y="4841881"/>
             <a:ext cx="2895600" cy="357188"/>
           </a:xfrm>
         </p:spPr>
@@ -5763,7 +5763,7 @@
             </a:r>
             <a:r>
               <a:rPr lang="en-CA" dirty="0"/>
-              <a:t> IETF @ Madrid</a:t>
+              <a:t> IETF Online</a:t>
             </a:r>
           </a:p>
         </p:txBody>
@@ -5962,7 +5962,7 @@
               <a:rPr lang="en-CA" sz="1100" dirty="0">
                 <a:latin typeface="Courier" pitchFamily="2" charset="0"/>
               </a:rPr>
-              <a:t>                             /                \</a:t>
+              <a:t>     Delay threshold/Count   /                \</a:t>
             </a:r>
           </a:p>
           <a:p>
@@ -6229,7 +6229,7 @@
             </a:r>
             <a:r>
               <a:rPr lang="en-CA" dirty="0"/>
-              <a:t> IETF @ Madrid</a:t>
+              <a:t> IETF Online</a:t>
             </a:r>
           </a:p>
         </p:txBody>
@@ -6323,7 +6323,7 @@
             </a:r>
             <a:r>
               <a:rPr lang="en-CA" dirty="0"/>
-              <a:t> IETF @ Madrid</a:t>
+              <a:t> IETF Online</a:t>
             </a:r>
           </a:p>
         </p:txBody>
@@ -6678,7 +6678,7 @@
             </a:r>
             <a:r>
               <a:rPr lang="en-CA" dirty="0"/>
-              <a:t> IETF @ Madrid</a:t>
+              <a:t> IETF Online</a:t>
             </a:r>
           </a:p>
         </p:txBody>
@@ -6810,7 +6810,7 @@
             </a:pPr>
             <a:r>
               <a:rPr lang="en-US" sz="1400" dirty="0"/>
-              <a:t>Performance Delay &amp; Liveness Monitoring in SR networks</a:t>
+              <a:t>Performance Delay Monitoring &amp; Liveness Monitoring in SR networks</a:t>
             </a:r>
           </a:p>
           <a:p>
@@ -6834,23 +6834,13 @@
             </a:r>
           </a:p>
           <a:p>
-            <a:pPr lvl="2">
-              <a:buFont typeface="Wingdings" charset="2"/>
-              <a:buChar char="ü"/>
-            </a:pPr>
-            <a:r>
-              <a:rPr lang="en-US" sz="1400" dirty="0"/>
-              <a:t>Support ECMP SR paths</a:t>
-            </a:r>
-          </a:p>
-          <a:p>
             <a:pPr lvl="1">
               <a:buFont typeface="Wingdings" pitchFamily="2" charset="2"/>
               <a:buChar char="§"/>
             </a:pPr>
             <a:r>
               <a:rPr lang="en-US" sz="1400" dirty="0"/>
-              <a:t>Running single protocol for liveness detection and performance measurement in SR networks</a:t>
+              <a:t>Running single protocol in SR networks</a:t>
             </a:r>
           </a:p>
           <a:p>
@@ -6860,7 +6850,17 @@
             </a:pPr>
             <a:r>
               <a:rPr lang="en-US" sz="1400" dirty="0"/>
-              <a:t> Simplify deployment and reduce operational complexity</a:t>
+              <a:t>Simplify hardware implementations and reduce development cost</a:t>
+            </a:r>
+          </a:p>
+          <a:p>
+            <a:pPr lvl="2">
+              <a:buFont typeface="Wingdings" pitchFamily="2" charset="2"/>
+              <a:buChar char="ü"/>
+            </a:pPr>
+            <a:r>
+              <a:rPr lang="en-US" sz="1400" dirty="0"/>
+              <a:t>Simplify deployment and reduce operational complexity</a:t>
             </a:r>
           </a:p>
           <a:p>
@@ -6880,7 +6880,7 @@
             </a:pPr>
             <a:r>
               <a:rPr lang="en-US" sz="1400" dirty="0"/>
-              <a:t>Stateless on endpoint (e.g. endpoint unaware of the probe protocol)</a:t>
+              <a:t>Stateless on endpoint (e.g. endpoint unaware of the protocol)</a:t>
             </a:r>
           </a:p>
           <a:p>
@@ -6890,7 +6890,7 @@
             </a:pPr>
             <a:r>
               <a:rPr lang="en-US" sz="1400" dirty="0"/>
-              <a:t>Higher scale and faster detection interval (e.g. packets not punted from fast-path in forwarding)</a:t>
+              <a:t>Higher scale and faster detection interval</a:t>
             </a:r>
           </a:p>
           <a:p>
@@ -6960,7 +6960,7 @@
             </a:r>
             <a:r>
               <a:rPr lang="en-CA" dirty="0"/>
-              <a:t> IETF @ Madrid</a:t>
+              <a:t> IETF Online</a:t>
             </a:r>
           </a:p>
         </p:txBody>
@@ -7145,7 +7145,7 @@
             </a:r>
             <a:r>
               <a:rPr lang="en-CA" dirty="0"/>
-              <a:t> IETF @ Madrid</a:t>
+              <a:t> IETF Online</a:t>
             </a:r>
           </a:p>
         </p:txBody>
@@ -7272,7 +7272,7 @@
             </a:r>
             <a:r>
               <a:rPr lang="en-CA" dirty="0"/>
-              <a:t> IETF @ Madrid</a:t>
+              <a:t> IETF Online</a:t>
             </a:r>
           </a:p>
         </p:txBody>
@@ -7349,7 +7349,7 @@
             </a:pPr>
             <a:r>
               <a:rPr lang="en-US" sz="1400" dirty="0"/>
-              <a:t>Liveness failure is notified when consecutive N number of return probe messages are not received at the sender</a:t>
+              <a:t>Round-trip delay (t4 - t1) metrics are notified when consecutive M number of probe messages have delay values exceed the configured thresholds</a:t>
             </a:r>
           </a:p>
           <a:p>
@@ -7363,7 +7363,7 @@
             </a:pPr>
             <a:r>
               <a:rPr lang="en-US" sz="1400" dirty="0"/>
-              <a:t>Round-trip delay (t4 - t1) metrics are notified when consecutive M number of probe messages have delay values exceed the configured thresholds</a:t>
+              <a:t>Liveness failure is notified when consecutive N number of return probe messages are not received at the sender</a:t>
             </a:r>
           </a:p>
           <a:p>
@@ -7759,7 +7759,7 @@
             </a:r>
             <a:r>
               <a:rPr lang="en-CA" dirty="0"/>
-              <a:t> IETF @ Madrid</a:t>
+              <a:t> IETF Online</a:t>
             </a:r>
           </a:p>
         </p:txBody>
@@ -7776,8 +7776,8 @@
         </p:nvSpPr>
         <p:spPr>
           <a:xfrm>
-            <a:off x="374374" y="2775680"/>
-            <a:ext cx="8395252" cy="2138362"/>
+            <a:off x="339587" y="2775680"/>
+            <a:ext cx="8464826" cy="1749049"/>
           </a:xfrm>
         </p:spPr>
         <p:txBody>
@@ -7850,7 +7850,7 @@
             </a:pPr>
             <a:r>
               <a:rPr lang="en-US" sz="1200" dirty="0"/>
-              <a:t>Liveness failure is notified when consecutive N number of return probe messages are not received at the sender</a:t>
+              <a:t>One-way delay (t2 – t1) metrics are notified when consecutive M number of probe messages have delay values exceed the configured thresholds</a:t>
             </a:r>
           </a:p>
           <a:p>
@@ -7864,7 +7864,7 @@
             </a:pPr>
             <a:r>
               <a:rPr lang="en-US" sz="1200" dirty="0"/>
-              <a:t>One-way delay (t2 – t1) metrics are notified when consecutive M number of probe messages have delay values exceed the configured thresholds</a:t>
+              <a:t>Liveness failure is notified when consecutive N number of return probe messages are not received at the sender</a:t>
             </a:r>
           </a:p>
         </p:txBody>
@@ -8683,7 +8683,7 @@
             </a:r>
             <a:r>
               <a:rPr lang="en-CA" dirty="0"/>
-              <a:t> IETF @ Madrid</a:t>
+              <a:t> IETF Online</a:t>
             </a:r>
           </a:p>
         </p:txBody>
@@ -9185,7 +9185,7 @@
             </a:r>
             <a:r>
               <a:rPr lang="en-CA" dirty="0"/>
-              <a:t> IETF @ Madrid</a:t>
+              <a:t> IETF Online</a:t>
             </a:r>
           </a:p>
         </p:txBody>
@@ -9457,7 +9457,7 @@
             </a:r>
             <a:r>
               <a:rPr lang="en-CA" dirty="0"/>
-              <a:t> IETF @ Madrid</a:t>
+              <a:t> IETF Online</a:t>
             </a:r>
           </a:p>
         </p:txBody>

--- a/draft-gandhi-spring-sr-enhanced-plm-02.pptx
+++ b/draft-gandhi-spring-sr-enhanced-plm-02.pptx
@@ -7221,8 +7221,8 @@
         </p:nvSpPr>
         <p:spPr>
           <a:xfrm>
-            <a:off x="304800" y="0"/>
-            <a:ext cx="8382000" cy="716757"/>
+            <a:off x="367748" y="0"/>
+            <a:ext cx="8319052" cy="686133"/>
           </a:xfrm>
         </p:spPr>
         <p:txBody>
@@ -7237,7 +7237,7 @@
                 <a:latin typeface="Calibri Light" panose="020F0302020204030204" pitchFamily="34" charset="0"/>
                 <a:cs typeface="Calibri Light" panose="020F0302020204030204" pitchFamily="34" charset="0"/>
               </a:rPr>
-              <a:t>Performance Delay and Liveness Monitoring of SR Policy</a:t>
+              <a:t>PM Probes in Loopback Mode for SR Policy</a:t>
             </a:r>
           </a:p>
         </p:txBody>
@@ -7290,7 +7290,7 @@
         <p:spPr>
           <a:xfrm>
             <a:off x="393768" y="2864597"/>
-            <a:ext cx="8319052" cy="1971394"/>
+            <a:ext cx="8319052" cy="1921715"/>
           </a:xfrm>
         </p:spPr>
         <p:txBody>
@@ -7393,7 +7393,7 @@
         </p:nvSpPr>
         <p:spPr>
           <a:xfrm>
-            <a:off x="2209800" y="686133"/>
+            <a:off x="2686394" y="686133"/>
             <a:ext cx="3733800" cy="2092881"/>
           </a:xfrm>
           <a:prstGeom prst="rect">
@@ -7605,7 +7605,7 @@
                 <a:ea typeface="Calibri" panose="020F0502020204030204" pitchFamily="34" charset="0"/>
                 <a:cs typeface="Times New Roman" panose="02020603050405020304" pitchFamily="18" charset="0"/>
               </a:rPr>
-              <a:t>           Figure: Loopback Mode</a:t>
+              <a:t>           Figure: PM Loopback Mode</a:t>
             </a:r>
             <a:endParaRPr lang="en-CA" sz="1000" dirty="0">
               <a:effectLst/>

--- a/draft-gandhi-spring-sr-enhanced-plm-02.pptx
+++ b/draft-gandhi-spring-sr-enhanced-plm-02.pptx
@@ -256,7 +256,7 @@
           <a:p>
             <a:fld id="{E8FA3DB5-7722-3F4F-947D-12B203669AD7}" type="datetimeFigureOut">
               <a:rPr lang="en-US" smtClean="0"/>
-              <a:t>7/8/20</a:t>
+              <a:t>7/9/20</a:t>
             </a:fld>
             <a:endParaRPr lang="en-US"/>
           </a:p>
@@ -8221,7 +8221,23 @@
                 <a:ea typeface="Courier" charset="0"/>
                 <a:cs typeface="Courier" charset="0"/>
               </a:rPr>
-              <a:t>  |         Transmit Timestamp                                    |</a:t>
+              <a:t>  </a:t>
+            </a:r>
+            <a:r>
+              <a:rPr lang="en-US" sz="750" b="1" dirty="0">
+                <a:latin typeface="Courier" pitchFamily="2" charset="0"/>
+                <a:ea typeface="Courier" charset="0"/>
+                <a:cs typeface="Courier" charset="0"/>
+              </a:rPr>
+              <a:t>|         Transmit Timestamp (t1)                               </a:t>
+            </a:r>
+            <a:r>
+              <a:rPr lang="en-US" sz="750" dirty="0">
+                <a:latin typeface="Courier" pitchFamily="2" charset="0"/>
+                <a:ea typeface="Courier" charset="0"/>
+                <a:cs typeface="Courier" charset="0"/>
+              </a:rPr>
+              <a:t>|</a:t>
             </a:r>
           </a:p>
           <a:p>
@@ -8296,7 +8312,23 @@
                 <a:ea typeface="Courier" charset="0"/>
                 <a:cs typeface="Courier" charset="0"/>
               </a:rPr>
-              <a:t>  |         Receive Timestamp                                     |</a:t>
+              <a:t>  </a:t>
+            </a:r>
+            <a:r>
+              <a:rPr lang="en-US" sz="750" b="1" dirty="0">
+                <a:latin typeface="Courier" pitchFamily="2" charset="0"/>
+                <a:ea typeface="Courier" charset="0"/>
+                <a:cs typeface="Courier" charset="0"/>
+              </a:rPr>
+              <a:t>|         Receive Timestamp (t2)                                </a:t>
+            </a:r>
+            <a:r>
+              <a:rPr lang="en-US" sz="750" dirty="0">
+                <a:latin typeface="Courier" pitchFamily="2" charset="0"/>
+                <a:ea typeface="Courier" charset="0"/>
+                <a:cs typeface="Courier" charset="0"/>
+              </a:rPr>
+              <a:t>|</a:t>
             </a:r>
           </a:p>
           <a:p>
@@ -8765,12 +8797,12 @@
               </a:spcAft>
             </a:pPr>
             <a:r>
-              <a:rPr lang="en-US" sz="750" dirty="0">
+              <a:rPr lang="en-US" sz="750" b="1" dirty="0">
                 <a:latin typeface="Courier" pitchFamily="2" charset="0"/>
                 <a:ea typeface="Courier" charset="0"/>
                 <a:cs typeface="Courier" charset="0"/>
               </a:rPr>
-              <a:t>  |         Transmit Timestamp                                    |</a:t>
+              <a:t>  |         Transmit Timestamp (t1)                               |</a:t>
             </a:r>
           </a:p>
           <a:p>
@@ -8856,12 +8888,12 @@
               </a:spcAft>
             </a:pPr>
             <a:r>
-              <a:rPr lang="en-US" sz="750" dirty="0">
+              <a:rPr lang="en-US" sz="750" b="1" dirty="0">
                 <a:latin typeface="Courier" pitchFamily="2" charset="0"/>
                 <a:ea typeface="Courier" charset="0"/>
                 <a:cs typeface="Courier" charset="0"/>
               </a:rPr>
-              <a:t>  |         Receive Timestamp                                     |</a:t>
+              <a:t>  |         Receive Timestamp (t2)                                |</a:t>
             </a:r>
           </a:p>
           <a:p>

--- a/draft-gandhi-spring-sr-enhanced-plm-02.pptx
+++ b/draft-gandhi-spring-sr-enhanced-plm-02.pptx
@@ -6850,7 +6850,7 @@
             </a:pPr>
             <a:r>
               <a:rPr lang="en-US" sz="1400" dirty="0"/>
-              <a:t>Simplify hardware implementations and reduce development cost</a:t>
+              <a:t>Simplify implementations and reduce development cost</a:t>
             </a:r>
           </a:p>
           <a:p>

--- a/draft-gandhi-spring-sr-enhanced-plm-02.pptx
+++ b/draft-gandhi-spring-sr-enhanced-plm-02.pptx
@@ -5,10 +5,10 @@
     <p:sldMasterId id="2147483648" r:id="rId1"/>
   </p:sldMasterIdLst>
   <p:notesMasterIdLst>
-    <p:notesMasterId r:id="rId15"/>
+    <p:notesMasterId r:id="rId16"/>
   </p:notesMasterIdLst>
   <p:handoutMasterIdLst>
-    <p:handoutMasterId r:id="rId16"/>
+    <p:handoutMasterId r:id="rId17"/>
   </p:handoutMasterIdLst>
   <p:sldIdLst>
     <p:sldId id="256" r:id="rId2"/>
@@ -24,6 +24,7 @@
     <p:sldId id="1663" r:id="rId12"/>
     <p:sldId id="318" r:id="rId13"/>
     <p:sldId id="303" r:id="rId14"/>
+    <p:sldId id="1664" r:id="rId15"/>
   </p:sldIdLst>
   <p:sldSz cx="9144000" cy="5143500" type="screen16x9"/>
   <p:notesSz cx="6858000" cy="9144000"/>
@@ -1134,6 +1135,157 @@
     <p:extLst>
       <p:ext uri="{BB962C8B-B14F-4D97-AF65-F5344CB8AC3E}">
         <p14:creationId xmlns:p14="http://schemas.microsoft.com/office/powerpoint/2010/main" val="383772479"/>
+      </p:ext>
+    </p:extLst>
+  </p:cSld>
+  <p:clrMapOvr>
+    <a:masterClrMapping/>
+  </p:clrMapOvr>
+</p:notes>
+</file>
+
+<file path=ppt/notesSlides/notesSlide13.xml><?xml version="1.0" encoding="utf-8"?>
+<p:notes xmlns:a="http://schemas.openxmlformats.org/drawingml/2006/main" xmlns:r="http://schemas.openxmlformats.org/officeDocument/2006/relationships" xmlns:p="http://schemas.openxmlformats.org/presentationml/2006/main">
+  <p:cSld>
+    <p:spTree>
+      <p:nvGrpSpPr>
+        <p:cNvPr id="1" name=""/>
+        <p:cNvGrpSpPr/>
+        <p:nvPr/>
+      </p:nvGrpSpPr>
+      <p:grpSpPr>
+        <a:xfrm>
+          <a:off x="0" y="0"/>
+          <a:ext cx="0" cy="0"/>
+          <a:chOff x="0" y="0"/>
+          <a:chExt cx="0" cy="0"/>
+        </a:xfrm>
+      </p:grpSpPr>
+      <p:sp>
+        <p:nvSpPr>
+          <p:cNvPr id="2" name="Slide Image Placeholder 1"/>
+          <p:cNvSpPr>
+            <a:spLocks noGrp="1" noRot="1" noChangeAspect="1"/>
+          </p:cNvSpPr>
+          <p:nvPr>
+            <p:ph type="sldImg"/>
+          </p:nvPr>
+        </p:nvSpPr>
+        <p:spPr/>
+      </p:sp>
+      <p:sp>
+        <p:nvSpPr>
+          <p:cNvPr id="3" name="Notes Placeholder 2"/>
+          <p:cNvSpPr>
+            <a:spLocks noGrp="1"/>
+          </p:cNvSpPr>
+          <p:nvPr>
+            <p:ph type="body" idx="1"/>
+          </p:nvPr>
+        </p:nvSpPr>
+        <p:spPr/>
+        <p:txBody>
+          <a:bodyPr/>
+          <a:lstStyle/>
+          <a:p>
+            <a:pPr marL="171450" marR="0" lvl="0" indent="-171450" algn="l" defTabSz="457200" rtl="0" eaLnBrk="0" fontAlgn="base" latinLnBrk="0" hangingPunct="0">
+              <a:lnSpc>
+                <a:spcPct val="100000"/>
+              </a:lnSpc>
+              <a:spcBef>
+                <a:spcPct val="30000"/>
+              </a:spcBef>
+              <a:spcAft>
+                <a:spcPct val="0"/>
+              </a:spcAft>
+              <a:buClrTx/>
+              <a:buSzTx/>
+              <a:buFont typeface="Arial" charset="0"/>
+              <a:buNone/>
+              <a:tabLst/>
+              <a:defRPr/>
+            </a:pPr>
+            <a:endParaRPr lang="en-US" dirty="0"/>
+          </a:p>
+        </p:txBody>
+      </p:sp>
+      <p:sp>
+        <p:nvSpPr>
+          <p:cNvPr id="4" name="Header Placeholder 3"/>
+          <p:cNvSpPr>
+            <a:spLocks noGrp="1"/>
+          </p:cNvSpPr>
+          <p:nvPr>
+            <p:ph type="hdr" sz="quarter" idx="10"/>
+          </p:nvPr>
+        </p:nvSpPr>
+        <p:spPr/>
+        <p:txBody>
+          <a:bodyPr/>
+          <a:lstStyle/>
+          <a:p>
+            <a:pPr>
+              <a:defRPr/>
+            </a:pPr>
+            <a:endParaRPr lang="en-US"/>
+          </a:p>
+        </p:txBody>
+      </p:sp>
+      <p:sp>
+        <p:nvSpPr>
+          <p:cNvPr id="5" name="Footer Placeholder 4"/>
+          <p:cNvSpPr>
+            <a:spLocks noGrp="1"/>
+          </p:cNvSpPr>
+          <p:nvPr>
+            <p:ph type="ftr" sz="quarter" idx="11"/>
+          </p:nvPr>
+        </p:nvSpPr>
+        <p:spPr/>
+        <p:txBody>
+          <a:bodyPr/>
+          <a:lstStyle/>
+          <a:p>
+            <a:pPr>
+              <a:defRPr/>
+            </a:pPr>
+            <a:endParaRPr lang="en-US"/>
+          </a:p>
+        </p:txBody>
+      </p:sp>
+      <p:sp>
+        <p:nvSpPr>
+          <p:cNvPr id="6" name="Slide Number Placeholder 5"/>
+          <p:cNvSpPr>
+            <a:spLocks noGrp="1"/>
+          </p:cNvSpPr>
+          <p:nvPr>
+            <p:ph type="sldNum" sz="quarter" idx="12"/>
+          </p:nvPr>
+        </p:nvSpPr>
+        <p:spPr/>
+        <p:txBody>
+          <a:bodyPr/>
+          <a:lstStyle/>
+          <a:p>
+            <a:pPr>
+              <a:defRPr/>
+            </a:pPr>
+            <a:fld id="{F97A1FA6-25DE-9E4E-A34D-CF67DE7DBDC7}" type="slidenum">
+              <a:rPr lang="en-US" smtClean="0"/>
+              <a:pPr>
+                <a:defRPr/>
+              </a:pPr>
+              <a:t>14</a:t>
+            </a:fld>
+            <a:endParaRPr lang="en-US"/>
+          </a:p>
+        </p:txBody>
+      </p:sp>
+    </p:spTree>
+    <p:extLst>
+      <p:ext uri="{BB962C8B-B14F-4D97-AF65-F5344CB8AC3E}">
+        <p14:creationId xmlns:p14="http://schemas.microsoft.com/office/powerpoint/2010/main" val="890828642"/>
       </p:ext>
     </p:extLst>
   </p:cSld>
@@ -6542,7 +6694,7 @@
               </a:pPr>
               <a:t>13</a:t>
             </a:fld>
-            <a:endParaRPr lang="en-US" altLang="zh-CN"/>
+            <a:endParaRPr lang="en-US" altLang="zh-CN" dirty="0"/>
           </a:p>
         </p:txBody>
       </p:sp>
@@ -6550,6 +6702,1311 @@
     <p:extLst>
       <p:ext uri="{BB962C8B-B14F-4D97-AF65-F5344CB8AC3E}">
         <p14:creationId xmlns:p14="http://schemas.microsoft.com/office/powerpoint/2010/main" val="15840811"/>
+      </p:ext>
+    </p:extLst>
+  </p:cSld>
+  <p:clrMapOvr>
+    <a:masterClrMapping/>
+  </p:clrMapOvr>
+</p:sld>
+</file>
+
+<file path=ppt/slides/slide14.xml><?xml version="1.0" encoding="utf-8"?>
+<p:sld xmlns:a="http://schemas.openxmlformats.org/drawingml/2006/main" xmlns:r="http://schemas.openxmlformats.org/officeDocument/2006/relationships" xmlns:p="http://schemas.openxmlformats.org/presentationml/2006/main">
+  <p:cSld>
+    <p:spTree>
+      <p:nvGrpSpPr>
+        <p:cNvPr id="1" name=""/>
+        <p:cNvGrpSpPr/>
+        <p:nvPr/>
+      </p:nvGrpSpPr>
+      <p:grpSpPr>
+        <a:xfrm>
+          <a:off x="0" y="0"/>
+          <a:ext cx="0" cy="0"/>
+          <a:chOff x="0" y="0"/>
+          <a:chExt cx="0" cy="0"/>
+        </a:xfrm>
+      </p:grpSpPr>
+      <p:sp>
+        <p:nvSpPr>
+          <p:cNvPr id="2" name="Title 1"/>
+          <p:cNvSpPr>
+            <a:spLocks noGrp="1"/>
+          </p:cNvSpPr>
+          <p:nvPr>
+            <p:ph type="title"/>
+          </p:nvPr>
+        </p:nvSpPr>
+        <p:spPr>
+          <a:xfrm>
+            <a:off x="99888" y="0"/>
+            <a:ext cx="8001000" cy="764281"/>
+          </a:xfrm>
+        </p:spPr>
+        <p:txBody>
+          <a:bodyPr/>
+          <a:lstStyle/>
+          <a:p>
+            <a:r>
+              <a:rPr lang="en-US" sz="2600" dirty="0">
+                <a:solidFill>
+                  <a:srgbClr val="0070C0"/>
+                </a:solidFill>
+                <a:latin typeface="Calibri Light" panose="020F0302020204030204" pitchFamily="34" charset="0"/>
+                <a:cs typeface="Calibri Light" panose="020F0302020204030204" pitchFamily="34" charset="0"/>
+              </a:rPr>
+              <a:t>Enhanced Loopback Mode for SR-MPLS Policy</a:t>
+            </a:r>
+            <a:endParaRPr lang="en-US" sz="2600" b="0" dirty="0">
+              <a:solidFill>
+                <a:srgbClr val="0070C0"/>
+              </a:solidFill>
+              <a:latin typeface="Calibri Light" panose="020F0302020204030204" pitchFamily="34" charset="0"/>
+              <a:cs typeface="Calibri Light" panose="020F0302020204030204" pitchFamily="34" charset="0"/>
+            </a:endParaRPr>
+          </a:p>
+        </p:txBody>
+      </p:sp>
+      <p:sp>
+        <p:nvSpPr>
+          <p:cNvPr id="50" name="Right Arrow 49"/>
+          <p:cNvSpPr/>
+          <p:nvPr/>
+        </p:nvSpPr>
+        <p:spPr>
+          <a:xfrm>
+            <a:off x="2988460" y="1352550"/>
+            <a:ext cx="466385" cy="127022"/>
+          </a:xfrm>
+          <a:prstGeom prst="rightArrow">
+            <a:avLst/>
+          </a:prstGeom>
+          <a:solidFill>
+            <a:srgbClr val="FA661C"/>
+          </a:solidFill>
+          <a:ln w="9525">
+            <a:solidFill>
+              <a:srgbClr val="FA661C"/>
+            </a:solidFill>
+            <a:headEnd type="none" w="med" len="med"/>
+            <a:tailEnd type="triangle" w="med" len="med"/>
+          </a:ln>
+          <a:effectLst/>
+        </p:spPr>
+        <p:style>
+          <a:lnRef idx="2">
+            <a:schemeClr val="accent1">
+              <a:shade val="50000"/>
+            </a:schemeClr>
+          </a:lnRef>
+          <a:fillRef idx="1">
+            <a:schemeClr val="accent1"/>
+          </a:fillRef>
+          <a:effectRef idx="0">
+            <a:schemeClr val="accent1"/>
+          </a:effectRef>
+          <a:fontRef idx="minor">
+            <a:schemeClr val="lt1"/>
+          </a:fontRef>
+        </p:style>
+        <p:txBody>
+          <a:bodyPr rtlCol="0" anchor="ctr"/>
+          <a:lstStyle/>
+          <a:p>
+            <a:pPr algn="ctr"/>
+            <a:endParaRPr lang="en-US" sz="900"/>
+          </a:p>
+        </p:txBody>
+      </p:sp>
+      <p:cxnSp>
+        <p:nvCxnSpPr>
+          <p:cNvPr id="23" name="Conector recto de flecha 27"/>
+          <p:cNvCxnSpPr>
+            <a:cxnSpLocks/>
+            <a:stCxn id="41" idx="3"/>
+            <a:endCxn id="58" idx="1"/>
+          </p:cNvCxnSpPr>
+          <p:nvPr/>
+        </p:nvCxnSpPr>
+        <p:spPr>
+          <a:xfrm>
+            <a:off x="1675031" y="2700140"/>
+            <a:ext cx="5546322" cy="17153"/>
+          </a:xfrm>
+          <a:prstGeom prst="straightConnector1">
+            <a:avLst/>
+          </a:prstGeom>
+          <a:ln w="31750">
+            <a:solidFill>
+              <a:srgbClr val="00B0F0"/>
+            </a:solidFill>
+            <a:prstDash val="solid"/>
+            <a:headEnd type="none"/>
+            <a:tailEnd type="none"/>
+          </a:ln>
+        </p:spPr>
+        <p:style>
+          <a:lnRef idx="1">
+            <a:schemeClr val="accent1"/>
+          </a:lnRef>
+          <a:fillRef idx="0">
+            <a:schemeClr val="accent1"/>
+          </a:fillRef>
+          <a:effectRef idx="0">
+            <a:schemeClr val="accent1"/>
+          </a:effectRef>
+          <a:fontRef idx="minor">
+            <a:schemeClr val="tx1"/>
+          </a:fontRef>
+        </p:style>
+      </p:cxnSp>
+      <p:sp>
+        <p:nvSpPr>
+          <p:cNvPr id="3" name="TextBox 2"/>
+          <p:cNvSpPr txBox="1"/>
+          <p:nvPr/>
+        </p:nvSpPr>
+        <p:spPr>
+          <a:xfrm>
+            <a:off x="2962402" y="1142690"/>
+            <a:ext cx="492443" cy="230832"/>
+          </a:xfrm>
+          <a:prstGeom prst="rect">
+            <a:avLst/>
+          </a:prstGeom>
+          <a:noFill/>
+        </p:spPr>
+        <p:txBody>
+          <a:bodyPr wrap="none" rtlCol="0">
+            <a:spAutoFit/>
+          </a:bodyPr>
+          <a:lstStyle/>
+          <a:p>
+            <a:r>
+              <a:rPr lang="en-US" sz="900" dirty="0"/>
+              <a:t>Probe</a:t>
+            </a:r>
+          </a:p>
+        </p:txBody>
+      </p:sp>
+      <p:sp>
+        <p:nvSpPr>
+          <p:cNvPr id="38" name="Right Arrow 37"/>
+          <p:cNvSpPr/>
+          <p:nvPr/>
+        </p:nvSpPr>
+        <p:spPr>
+          <a:xfrm rot="10800000">
+            <a:off x="5401347" y="3257550"/>
+            <a:ext cx="466385" cy="127022"/>
+          </a:xfrm>
+          <a:prstGeom prst="rightArrow">
+            <a:avLst/>
+          </a:prstGeom>
+          <a:solidFill>
+            <a:srgbClr val="FA661C"/>
+          </a:solidFill>
+          <a:ln w="9525">
+            <a:solidFill>
+              <a:srgbClr val="FA661C"/>
+            </a:solidFill>
+            <a:headEnd type="none" w="med" len="med"/>
+            <a:tailEnd type="triangle" w="med" len="med"/>
+          </a:ln>
+          <a:effectLst/>
+        </p:spPr>
+        <p:style>
+          <a:lnRef idx="2">
+            <a:schemeClr val="accent1">
+              <a:shade val="50000"/>
+            </a:schemeClr>
+          </a:lnRef>
+          <a:fillRef idx="1">
+            <a:schemeClr val="accent1"/>
+          </a:fillRef>
+          <a:effectRef idx="0">
+            <a:schemeClr val="accent1"/>
+          </a:effectRef>
+          <a:fontRef idx="minor">
+            <a:schemeClr val="lt1"/>
+          </a:fontRef>
+        </p:style>
+        <p:txBody>
+          <a:bodyPr rtlCol="0" anchor="ctr"/>
+          <a:lstStyle/>
+          <a:p>
+            <a:pPr algn="ctr"/>
+            <a:endParaRPr lang="en-US" sz="900"/>
+          </a:p>
+        </p:txBody>
+      </p:sp>
+      <p:sp>
+        <p:nvSpPr>
+          <p:cNvPr id="53" name="TextBox 52"/>
+          <p:cNvSpPr txBox="1"/>
+          <p:nvPr/>
+        </p:nvSpPr>
+        <p:spPr>
+          <a:xfrm>
+            <a:off x="5126761" y="3030439"/>
+            <a:ext cx="870751" cy="230832"/>
+          </a:xfrm>
+          <a:prstGeom prst="rect">
+            <a:avLst/>
+          </a:prstGeom>
+          <a:noFill/>
+        </p:spPr>
+        <p:txBody>
+          <a:bodyPr wrap="none" rtlCol="0">
+            <a:spAutoFit/>
+          </a:bodyPr>
+          <a:lstStyle/>
+          <a:p>
+            <a:r>
+              <a:rPr lang="en-US" sz="900" dirty="0"/>
+              <a:t>Return Probe</a:t>
+            </a:r>
+          </a:p>
+        </p:txBody>
+      </p:sp>
+      <p:grpSp>
+        <p:nvGrpSpPr>
+          <p:cNvPr id="32" name="Group 31">
+            <a:extLst>
+              <a:ext uri="{FF2B5EF4-FFF2-40B4-BE49-F238E27FC236}">
+                <a16:creationId xmlns:a16="http://schemas.microsoft.com/office/drawing/2014/main" id="{02562B6D-39F1-3B44-8CE3-8A7F5BB9258F}"/>
+              </a:ext>
+            </a:extLst>
+          </p:cNvPr>
+          <p:cNvGrpSpPr/>
+          <p:nvPr/>
+        </p:nvGrpSpPr>
+        <p:grpSpPr>
+          <a:xfrm>
+            <a:off x="1153474" y="2441874"/>
+            <a:ext cx="521557" cy="516532"/>
+            <a:chOff x="1965275" y="975597"/>
+            <a:chExt cx="822419" cy="654514"/>
+          </a:xfrm>
+        </p:grpSpPr>
+        <p:pic>
+          <p:nvPicPr>
+            <p:cNvPr id="41" name="Picture 6" descr="C:\Users\ecoffey\AppData\Local\Temp\Rar$DRa0.583\Cisco Icons November\30067_Device_router_3057\Png_256\30067_Device_router_3057_unknown_256.png">
+              <a:extLst>
+                <a:ext uri="{FF2B5EF4-FFF2-40B4-BE49-F238E27FC236}">
+                  <a16:creationId xmlns:a16="http://schemas.microsoft.com/office/drawing/2014/main" id="{5AAE98F9-A069-C048-B3D5-55E7B9B5FEF4}"/>
+                </a:ext>
+              </a:extLst>
+            </p:cNvPr>
+            <p:cNvPicPr>
+              <a:picLocks noChangeAspect="1" noChangeArrowheads="1"/>
+            </p:cNvPicPr>
+            <p:nvPr/>
+          </p:nvPicPr>
+          <p:blipFill>
+            <a:blip r:embed="rId3">
+              <a:extLst>
+                <a:ext uri="{28A0092B-C50C-407E-A947-70E740481C1C}">
+                  <a14:useLocalDpi xmlns:a14="http://schemas.microsoft.com/office/drawing/2010/main" val="0"/>
+                </a:ext>
+              </a:extLst>
+            </a:blip>
+            <a:srcRect/>
+            <a:stretch>
+              <a:fillRect/>
+            </a:stretch>
+          </p:blipFill>
+          <p:spPr bwMode="auto">
+            <a:xfrm>
+              <a:off x="1965275" y="975597"/>
+              <a:ext cx="822419" cy="654514"/>
+            </a:xfrm>
+            <a:prstGeom prst="rect">
+              <a:avLst/>
+            </a:prstGeom>
+            <a:noFill/>
+            <a:extLst>
+              <a:ext uri="{909E8E84-426E-40DD-AFC4-6F175D3DCCD1}">
+                <a14:hiddenFill xmlns:a14="http://schemas.microsoft.com/office/drawing/2010/main">
+                  <a:solidFill>
+                    <a:srgbClr val="FFFFFF"/>
+                  </a:solidFill>
+                </a14:hiddenFill>
+              </a:ext>
+            </a:extLst>
+          </p:spPr>
+        </p:pic>
+        <p:sp>
+          <p:nvSpPr>
+            <p:cNvPr id="48" name="TextBox 47">
+              <a:extLst>
+                <a:ext uri="{FF2B5EF4-FFF2-40B4-BE49-F238E27FC236}">
+                  <a16:creationId xmlns:a16="http://schemas.microsoft.com/office/drawing/2014/main" id="{7A6D59F3-F912-FC42-98BF-A6B45ADF4A01}"/>
+                </a:ext>
+              </a:extLst>
+            </p:cNvPr>
+            <p:cNvSpPr txBox="1"/>
+            <p:nvPr/>
+          </p:nvSpPr>
+          <p:spPr>
+            <a:xfrm>
+              <a:off x="2004893" y="1273811"/>
+              <a:ext cx="655157" cy="331494"/>
+            </a:xfrm>
+            <a:prstGeom prst="rect">
+              <a:avLst/>
+            </a:prstGeom>
+            <a:noFill/>
+          </p:spPr>
+          <p:txBody>
+            <a:bodyPr wrap="none" rtlCol="0">
+              <a:spAutoFit/>
+            </a:bodyPr>
+            <a:lstStyle/>
+            <a:p>
+              <a:r>
+                <a:rPr lang="en-US" sz="1100" b="1" dirty="0">
+                  <a:solidFill>
+                    <a:schemeClr val="bg2">
+                      <a:lumMod val="95000"/>
+                    </a:schemeClr>
+                  </a:solidFill>
+                </a:rPr>
+                <a:t>2 PE</a:t>
+              </a:r>
+            </a:p>
+          </p:txBody>
+        </p:sp>
+      </p:grpSp>
+      <p:grpSp>
+        <p:nvGrpSpPr>
+          <p:cNvPr id="49" name="Group 48">
+            <a:extLst>
+              <a:ext uri="{FF2B5EF4-FFF2-40B4-BE49-F238E27FC236}">
+                <a16:creationId xmlns:a16="http://schemas.microsoft.com/office/drawing/2014/main" id="{AB14E505-92DC-4849-830C-BAD0107D61A9}"/>
+              </a:ext>
+            </a:extLst>
+          </p:cNvPr>
+          <p:cNvGrpSpPr/>
+          <p:nvPr/>
+        </p:nvGrpSpPr>
+        <p:grpSpPr>
+          <a:xfrm>
+            <a:off x="4100388" y="2465909"/>
+            <a:ext cx="521557" cy="516532"/>
+            <a:chOff x="1965275" y="975597"/>
+            <a:chExt cx="822419" cy="654514"/>
+          </a:xfrm>
+        </p:grpSpPr>
+        <p:pic>
+          <p:nvPicPr>
+            <p:cNvPr id="51" name="Picture 6" descr="C:\Users\ecoffey\AppData\Local\Temp\Rar$DRa0.583\Cisco Icons November\30067_Device_router_3057\Png_256\30067_Device_router_3057_unknown_256.png">
+              <a:extLst>
+                <a:ext uri="{FF2B5EF4-FFF2-40B4-BE49-F238E27FC236}">
+                  <a16:creationId xmlns:a16="http://schemas.microsoft.com/office/drawing/2014/main" id="{41967DC3-7451-394C-B6F3-F196CDB911A1}"/>
+                </a:ext>
+              </a:extLst>
+            </p:cNvPr>
+            <p:cNvPicPr>
+              <a:picLocks noChangeAspect="1" noChangeArrowheads="1"/>
+            </p:cNvPicPr>
+            <p:nvPr/>
+          </p:nvPicPr>
+          <p:blipFill>
+            <a:blip r:embed="rId3">
+              <a:extLst>
+                <a:ext uri="{28A0092B-C50C-407E-A947-70E740481C1C}">
+                  <a14:useLocalDpi xmlns:a14="http://schemas.microsoft.com/office/drawing/2010/main" val="0"/>
+                </a:ext>
+              </a:extLst>
+            </a:blip>
+            <a:srcRect/>
+            <a:stretch>
+              <a:fillRect/>
+            </a:stretch>
+          </p:blipFill>
+          <p:spPr bwMode="auto">
+            <a:xfrm>
+              <a:off x="1965275" y="975597"/>
+              <a:ext cx="822419" cy="654514"/>
+            </a:xfrm>
+            <a:prstGeom prst="rect">
+              <a:avLst/>
+            </a:prstGeom>
+            <a:noFill/>
+            <a:extLst>
+              <a:ext uri="{909E8E84-426E-40DD-AFC4-6F175D3DCCD1}">
+                <a14:hiddenFill xmlns:a14="http://schemas.microsoft.com/office/drawing/2010/main">
+                  <a:solidFill>
+                    <a:srgbClr val="FFFFFF"/>
+                  </a:solidFill>
+                </a14:hiddenFill>
+              </a:ext>
+            </a:extLst>
+          </p:spPr>
+        </p:pic>
+        <p:sp>
+          <p:nvSpPr>
+            <p:cNvPr id="56" name="TextBox 55">
+              <a:extLst>
+                <a:ext uri="{FF2B5EF4-FFF2-40B4-BE49-F238E27FC236}">
+                  <a16:creationId xmlns:a16="http://schemas.microsoft.com/office/drawing/2014/main" id="{14F7ABC0-DF64-F641-82DF-C3A0E22D71C0}"/>
+                </a:ext>
+              </a:extLst>
+            </p:cNvPr>
+            <p:cNvSpPr txBox="1"/>
+            <p:nvPr/>
+          </p:nvSpPr>
+          <p:spPr>
+            <a:xfrm>
+              <a:off x="2154046" y="1274055"/>
+              <a:ext cx="523757" cy="331251"/>
+            </a:xfrm>
+            <a:prstGeom prst="rect">
+              <a:avLst/>
+            </a:prstGeom>
+            <a:noFill/>
+          </p:spPr>
+          <p:txBody>
+            <a:bodyPr wrap="square" rtlCol="0">
+              <a:spAutoFit/>
+            </a:bodyPr>
+            <a:lstStyle/>
+            <a:p>
+              <a:r>
+                <a:rPr lang="en-US" sz="1100" b="1" dirty="0">
+                  <a:solidFill>
+                    <a:schemeClr val="bg2">
+                      <a:lumMod val="95000"/>
+                    </a:schemeClr>
+                  </a:solidFill>
+                </a:rPr>
+                <a:t>3</a:t>
+              </a:r>
+            </a:p>
+          </p:txBody>
+        </p:sp>
+      </p:grpSp>
+      <p:grpSp>
+        <p:nvGrpSpPr>
+          <p:cNvPr id="57" name="Group 56">
+            <a:extLst>
+              <a:ext uri="{FF2B5EF4-FFF2-40B4-BE49-F238E27FC236}">
+                <a16:creationId xmlns:a16="http://schemas.microsoft.com/office/drawing/2014/main" id="{6216C2B6-4251-E04A-A846-6AAC72235997}"/>
+              </a:ext>
+            </a:extLst>
+          </p:cNvPr>
+          <p:cNvGrpSpPr/>
+          <p:nvPr/>
+        </p:nvGrpSpPr>
+        <p:grpSpPr>
+          <a:xfrm>
+            <a:off x="7221353" y="2459027"/>
+            <a:ext cx="521557" cy="516532"/>
+            <a:chOff x="1965275" y="975597"/>
+            <a:chExt cx="822419" cy="654514"/>
+          </a:xfrm>
+        </p:grpSpPr>
+        <p:pic>
+          <p:nvPicPr>
+            <p:cNvPr id="58" name="Picture 6" descr="C:\Users\ecoffey\AppData\Local\Temp\Rar$DRa0.583\Cisco Icons November\30067_Device_router_3057\Png_256\30067_Device_router_3057_unknown_256.png">
+              <a:extLst>
+                <a:ext uri="{FF2B5EF4-FFF2-40B4-BE49-F238E27FC236}">
+                  <a16:creationId xmlns:a16="http://schemas.microsoft.com/office/drawing/2014/main" id="{F8B08FB9-0FD7-1D43-8EE4-3BF53E09C485}"/>
+                </a:ext>
+              </a:extLst>
+            </p:cNvPr>
+            <p:cNvPicPr>
+              <a:picLocks noChangeAspect="1" noChangeArrowheads="1"/>
+            </p:cNvPicPr>
+            <p:nvPr/>
+          </p:nvPicPr>
+          <p:blipFill>
+            <a:blip r:embed="rId3">
+              <a:extLst>
+                <a:ext uri="{28A0092B-C50C-407E-A947-70E740481C1C}">
+                  <a14:useLocalDpi xmlns:a14="http://schemas.microsoft.com/office/drawing/2010/main" val="0"/>
+                </a:ext>
+              </a:extLst>
+            </a:blip>
+            <a:srcRect/>
+            <a:stretch>
+              <a:fillRect/>
+            </a:stretch>
+          </p:blipFill>
+          <p:spPr bwMode="auto">
+            <a:xfrm>
+              <a:off x="1965275" y="975597"/>
+              <a:ext cx="822419" cy="654514"/>
+            </a:xfrm>
+            <a:prstGeom prst="rect">
+              <a:avLst/>
+            </a:prstGeom>
+            <a:noFill/>
+            <a:extLst>
+              <a:ext uri="{909E8E84-426E-40DD-AFC4-6F175D3DCCD1}">
+                <a14:hiddenFill xmlns:a14="http://schemas.microsoft.com/office/drawing/2010/main">
+                  <a:solidFill>
+                    <a:srgbClr val="FFFFFF"/>
+                  </a:solidFill>
+                </a14:hiddenFill>
+              </a:ext>
+            </a:extLst>
+          </p:spPr>
+        </p:pic>
+        <p:sp>
+          <p:nvSpPr>
+            <p:cNvPr id="59" name="TextBox 58">
+              <a:extLst>
+                <a:ext uri="{FF2B5EF4-FFF2-40B4-BE49-F238E27FC236}">
+                  <a16:creationId xmlns:a16="http://schemas.microsoft.com/office/drawing/2014/main" id="{8E2EC502-CCB7-FD44-B00D-EC26B6B49B65}"/>
+                </a:ext>
+              </a:extLst>
+            </p:cNvPr>
+            <p:cNvSpPr txBox="1"/>
+            <p:nvPr/>
+          </p:nvSpPr>
+          <p:spPr>
+            <a:xfrm>
+              <a:off x="2004893" y="1273811"/>
+              <a:ext cx="773983" cy="331494"/>
+            </a:xfrm>
+            <a:prstGeom prst="rect">
+              <a:avLst/>
+            </a:prstGeom>
+            <a:noFill/>
+          </p:spPr>
+          <p:txBody>
+            <a:bodyPr wrap="none" rtlCol="0">
+              <a:spAutoFit/>
+            </a:bodyPr>
+            <a:lstStyle/>
+            <a:p>
+              <a:r>
+                <a:rPr lang="en-US" sz="1100" b="1" dirty="0">
+                  <a:solidFill>
+                    <a:schemeClr val="bg2">
+                      <a:lumMod val="95000"/>
+                    </a:schemeClr>
+                  </a:solidFill>
+                </a:rPr>
+                <a:t>4 PE</a:t>
+              </a:r>
+            </a:p>
+          </p:txBody>
+        </p:sp>
+      </p:grpSp>
+      <p:graphicFrame>
+        <p:nvGraphicFramePr>
+          <p:cNvPr id="42" name="Table 41">
+            <a:extLst>
+              <a:ext uri="{FF2B5EF4-FFF2-40B4-BE49-F238E27FC236}">
+                <a16:creationId xmlns:a16="http://schemas.microsoft.com/office/drawing/2014/main" id="{86720AE7-7765-2040-B90F-D28641A5BEFA}"/>
+              </a:ext>
+            </a:extLst>
+          </p:cNvPr>
+          <p:cNvGraphicFramePr>
+            <a:graphicFrameLocks noGrp="1"/>
+          </p:cNvGraphicFramePr>
+          <p:nvPr>
+            <p:extLst>
+              <p:ext uri="{D42A27DB-BD31-4B8C-83A1-F6EECF244321}">
+                <p14:modId xmlns:p14="http://schemas.microsoft.com/office/powerpoint/2010/main" val="4084558095"/>
+              </p:ext>
+            </p:extLst>
+          </p:nvPr>
+        </p:nvGraphicFramePr>
+        <p:xfrm>
+          <a:off x="1799430" y="1134134"/>
+          <a:ext cx="1099698" cy="1325880"/>
+        </p:xfrm>
+        <a:graphic>
+          <a:graphicData uri="http://schemas.openxmlformats.org/drawingml/2006/table">
+            <a:tbl>
+              <a:tblPr firstRow="1" bandRow="1">
+                <a:tableStyleId>{BDBED569-4797-4DF1-A0F4-6AAB3CD982D8}</a:tableStyleId>
+              </a:tblPr>
+              <a:tblGrid>
+                <a:gridCol w="1099698">
+                  <a:extLst>
+                    <a:ext uri="{9D8B030D-6E8A-4147-A177-3AD203B41FA5}">
+                      <a16:colId xmlns:a16="http://schemas.microsoft.com/office/drawing/2014/main" val="3785564758"/>
+                    </a:ext>
+                  </a:extLst>
+                </a:gridCol>
+              </a:tblGrid>
+              <a:tr h="210207">
+                <a:tc>
+                  <a:txBody>
+                    <a:bodyPr/>
+                    <a:lstStyle/>
+                    <a:p>
+                      <a:pPr algn="ctr"/>
+                      <a:r>
+                        <a:rPr lang="en-US" sz="900" b="0" dirty="0">
+                          <a:latin typeface="Calibri" panose="020F0502020204030204" pitchFamily="34" charset="0"/>
+                          <a:cs typeface="Calibri" panose="020F0502020204030204" pitchFamily="34" charset="0"/>
+                        </a:rPr>
+                        <a:t>24134</a:t>
+                      </a:r>
+                    </a:p>
+                  </a:txBody>
+                  <a:tcPr/>
+                </a:tc>
+                <a:extLst>
+                  <a:ext uri="{0D108BD9-81ED-4DB2-BD59-A6C34878D82A}">
+                    <a16:rowId xmlns:a16="http://schemas.microsoft.com/office/drawing/2014/main" val="4242948545"/>
+                  </a:ext>
+                </a:extLst>
+              </a:tr>
+              <a:tr h="210207">
+                <a:tc>
+                  <a:txBody>
+                    <a:bodyPr/>
+                    <a:lstStyle/>
+                    <a:p>
+                      <a:pPr algn="ctr"/>
+                      <a:r>
+                        <a:rPr lang="en-US" sz="900" dirty="0">
+                          <a:latin typeface="Calibri" panose="020F0502020204030204" pitchFamily="34" charset="0"/>
+                          <a:cs typeface="Calibri" panose="020F0502020204030204" pitchFamily="34" charset="0"/>
+                        </a:rPr>
+                        <a:t>TS LABEL TBA1</a:t>
+                      </a:r>
+                    </a:p>
+                  </a:txBody>
+                  <a:tcPr/>
+                </a:tc>
+                <a:extLst>
+                  <a:ext uri="{0D108BD9-81ED-4DB2-BD59-A6C34878D82A}">
+                    <a16:rowId xmlns:a16="http://schemas.microsoft.com/office/drawing/2014/main" val="939696830"/>
+                  </a:ext>
+                </a:extLst>
+              </a:tr>
+              <a:tr h="336332">
+                <a:tc>
+                  <a:txBody>
+                    <a:bodyPr/>
+                    <a:lstStyle/>
+                    <a:p>
+                      <a:pPr algn="ctr"/>
+                      <a:r>
+                        <a:rPr lang="en-US" sz="900" dirty="0">
+                          <a:latin typeface="Calibri" panose="020F0502020204030204" pitchFamily="34" charset="0"/>
+                          <a:cs typeface="Calibri" panose="020F0502020204030204" pitchFamily="34" charset="0"/>
+                        </a:rPr>
+                        <a:t>IPv4/UDP</a:t>
+                      </a:r>
+                    </a:p>
+                    <a:p>
+                      <a:pPr algn="ctr"/>
+                      <a:r>
+                        <a:rPr lang="en-US" sz="900" dirty="0">
+                          <a:latin typeface="Calibri" panose="020F0502020204030204" pitchFamily="34" charset="0"/>
+                          <a:cs typeface="Calibri" panose="020F0502020204030204" pitchFamily="34" charset="0"/>
+                        </a:rPr>
+                        <a:t>Source: PE4</a:t>
+                      </a:r>
+                    </a:p>
+                    <a:p>
+                      <a:pPr algn="ctr"/>
+                      <a:r>
+                        <a:rPr lang="en-US" sz="900" dirty="0">
+                          <a:latin typeface="Calibri" panose="020F0502020204030204" pitchFamily="34" charset="0"/>
+                          <a:cs typeface="Calibri" panose="020F0502020204030204" pitchFamily="34" charset="0"/>
+                        </a:rPr>
+                        <a:t>Destination: PE2</a:t>
+                      </a:r>
+                    </a:p>
+                  </a:txBody>
+                  <a:tcPr/>
+                </a:tc>
+                <a:extLst>
+                  <a:ext uri="{0D108BD9-81ED-4DB2-BD59-A6C34878D82A}">
+                    <a16:rowId xmlns:a16="http://schemas.microsoft.com/office/drawing/2014/main" val="1552332999"/>
+                  </a:ext>
+                </a:extLst>
+              </a:tr>
+              <a:tr h="336332">
+                <a:tc>
+                  <a:txBody>
+                    <a:bodyPr/>
+                    <a:lstStyle/>
+                    <a:p>
+                      <a:pPr algn="ctr"/>
+                      <a:r>
+                        <a:rPr lang="en-US" sz="900" dirty="0">
+                          <a:latin typeface="Calibri" panose="020F0502020204030204" pitchFamily="34" charset="0"/>
+                          <a:cs typeface="Calibri" panose="020F0502020204030204" pitchFamily="34" charset="0"/>
+                        </a:rPr>
+                        <a:t>Payload Timestamp1</a:t>
+                      </a:r>
+                    </a:p>
+                  </a:txBody>
+                  <a:tcPr>
+                    <a:solidFill>
+                      <a:schemeClr val="bg1">
+                        <a:lumMod val="50000"/>
+                        <a:alpha val="20000"/>
+                      </a:schemeClr>
+                    </a:solidFill>
+                  </a:tcPr>
+                </a:tc>
+                <a:extLst>
+                  <a:ext uri="{0D108BD9-81ED-4DB2-BD59-A6C34878D82A}">
+                    <a16:rowId xmlns:a16="http://schemas.microsoft.com/office/drawing/2014/main" val="578274851"/>
+                  </a:ext>
+                </a:extLst>
+              </a:tr>
+            </a:tbl>
+          </a:graphicData>
+        </a:graphic>
+      </p:graphicFrame>
+      <p:graphicFrame>
+        <p:nvGraphicFramePr>
+          <p:cNvPr id="43" name="Table 42">
+            <a:extLst>
+              <a:ext uri="{FF2B5EF4-FFF2-40B4-BE49-F238E27FC236}">
+                <a16:creationId xmlns:a16="http://schemas.microsoft.com/office/drawing/2014/main" id="{EC40E417-0B1E-D34F-BEB3-C4C040CD8F1E}"/>
+              </a:ext>
+            </a:extLst>
+          </p:cNvPr>
+          <p:cNvGraphicFramePr>
+            <a:graphicFrameLocks noGrp="1"/>
+          </p:cNvGraphicFramePr>
+          <p:nvPr>
+            <p:extLst>
+              <p:ext uri="{D42A27DB-BD31-4B8C-83A1-F6EECF244321}">
+                <p14:modId xmlns:p14="http://schemas.microsoft.com/office/powerpoint/2010/main" val="2849786711"/>
+              </p:ext>
+            </p:extLst>
+          </p:nvPr>
+        </p:nvGraphicFramePr>
+        <p:xfrm>
+          <a:off x="4874982" y="1364497"/>
+          <a:ext cx="1046667" cy="1097280"/>
+        </p:xfrm>
+        <a:graphic>
+          <a:graphicData uri="http://schemas.openxmlformats.org/drawingml/2006/table">
+            <a:tbl>
+              <a:tblPr firstRow="1" bandRow="1">
+                <a:tableStyleId>{BDBED569-4797-4DF1-A0F4-6AAB3CD982D8}</a:tableStyleId>
+              </a:tblPr>
+              <a:tblGrid>
+                <a:gridCol w="1046667">
+                  <a:extLst>
+                    <a:ext uri="{9D8B030D-6E8A-4147-A177-3AD203B41FA5}">
+                      <a16:colId xmlns:a16="http://schemas.microsoft.com/office/drawing/2014/main" val="3785564758"/>
+                    </a:ext>
+                  </a:extLst>
+                </a:gridCol>
+              </a:tblGrid>
+              <a:tr h="224854">
+                <a:tc>
+                  <a:txBody>
+                    <a:bodyPr/>
+                    <a:lstStyle/>
+                    <a:p>
+                      <a:pPr algn="ctr"/>
+                      <a:r>
+                        <a:rPr lang="en-US" sz="900" b="0" dirty="0">
+                          <a:latin typeface="Calibri" panose="020F0502020204030204" pitchFamily="34" charset="0"/>
+                          <a:cs typeface="Calibri" panose="020F0502020204030204" pitchFamily="34" charset="0"/>
+                        </a:rPr>
+                        <a:t>TS LABEL TBA1</a:t>
+                      </a:r>
+                    </a:p>
+                  </a:txBody>
+                  <a:tcPr/>
+                </a:tc>
+                <a:extLst>
+                  <a:ext uri="{0D108BD9-81ED-4DB2-BD59-A6C34878D82A}">
+                    <a16:rowId xmlns:a16="http://schemas.microsoft.com/office/drawing/2014/main" val="939696830"/>
+                  </a:ext>
+                </a:extLst>
+              </a:tr>
+              <a:tr h="359766">
+                <a:tc>
+                  <a:txBody>
+                    <a:bodyPr/>
+                    <a:lstStyle/>
+                    <a:p>
+                      <a:pPr algn="ctr"/>
+                      <a:r>
+                        <a:rPr lang="en-US" sz="900" dirty="0">
+                          <a:latin typeface="Calibri" panose="020F0502020204030204" pitchFamily="34" charset="0"/>
+                          <a:cs typeface="Calibri" panose="020F0502020204030204" pitchFamily="34" charset="0"/>
+                        </a:rPr>
+                        <a:t>IPv4/UDP</a:t>
+                      </a:r>
+                    </a:p>
+                    <a:p>
+                      <a:pPr algn="ctr"/>
+                      <a:r>
+                        <a:rPr lang="en-US" sz="900" dirty="0">
+                          <a:latin typeface="Calibri" panose="020F0502020204030204" pitchFamily="34" charset="0"/>
+                          <a:cs typeface="Calibri" panose="020F0502020204030204" pitchFamily="34" charset="0"/>
+                        </a:rPr>
+                        <a:t>Source: PE4</a:t>
+                      </a:r>
+                    </a:p>
+                    <a:p>
+                      <a:pPr algn="ctr"/>
+                      <a:r>
+                        <a:rPr lang="en-US" sz="900" dirty="0">
+                          <a:latin typeface="Calibri" panose="020F0502020204030204" pitchFamily="34" charset="0"/>
+                          <a:cs typeface="Calibri" panose="020F0502020204030204" pitchFamily="34" charset="0"/>
+                        </a:rPr>
+                        <a:t>Destination: PE2</a:t>
+                      </a:r>
+                    </a:p>
+                  </a:txBody>
+                  <a:tcPr/>
+                </a:tc>
+                <a:extLst>
+                  <a:ext uri="{0D108BD9-81ED-4DB2-BD59-A6C34878D82A}">
+                    <a16:rowId xmlns:a16="http://schemas.microsoft.com/office/drawing/2014/main" val="1552332999"/>
+                  </a:ext>
+                </a:extLst>
+              </a:tr>
+              <a:tr h="359766">
+                <a:tc>
+                  <a:txBody>
+                    <a:bodyPr/>
+                    <a:lstStyle/>
+                    <a:p>
+                      <a:pPr algn="ctr"/>
+                      <a:r>
+                        <a:rPr lang="en-US" sz="900" dirty="0">
+                          <a:latin typeface="Calibri" panose="020F0502020204030204" pitchFamily="34" charset="0"/>
+                          <a:cs typeface="Calibri" panose="020F0502020204030204" pitchFamily="34" charset="0"/>
+                        </a:rPr>
+                        <a:t>Payload Timestamp1</a:t>
+                      </a:r>
+                    </a:p>
+                  </a:txBody>
+                  <a:tcPr>
+                    <a:solidFill>
+                      <a:schemeClr val="bg1">
+                        <a:lumMod val="50000"/>
+                        <a:alpha val="20000"/>
+                      </a:schemeClr>
+                    </a:solidFill>
+                  </a:tcPr>
+                </a:tc>
+                <a:extLst>
+                  <a:ext uri="{0D108BD9-81ED-4DB2-BD59-A6C34878D82A}">
+                    <a16:rowId xmlns:a16="http://schemas.microsoft.com/office/drawing/2014/main" val="578274851"/>
+                  </a:ext>
+                </a:extLst>
+              </a:tr>
+            </a:tbl>
+          </a:graphicData>
+        </a:graphic>
+      </p:graphicFrame>
+      <p:graphicFrame>
+        <p:nvGraphicFramePr>
+          <p:cNvPr id="44" name="Table 43">
+            <a:extLst>
+              <a:ext uri="{FF2B5EF4-FFF2-40B4-BE49-F238E27FC236}">
+                <a16:creationId xmlns:a16="http://schemas.microsoft.com/office/drawing/2014/main" id="{9EF299B1-A382-B840-9CAB-B5081910AEF4}"/>
+              </a:ext>
+            </a:extLst>
+          </p:cNvPr>
+          <p:cNvGraphicFramePr>
+            <a:graphicFrameLocks noGrp="1"/>
+          </p:cNvGraphicFramePr>
+          <p:nvPr>
+            <p:extLst>
+              <p:ext uri="{D42A27DB-BD31-4B8C-83A1-F6EECF244321}">
+                <p14:modId xmlns:p14="http://schemas.microsoft.com/office/powerpoint/2010/main" val="243063226"/>
+              </p:ext>
+            </p:extLst>
+          </p:nvPr>
+        </p:nvGraphicFramePr>
+        <p:xfrm>
+          <a:off x="2808699" y="3033640"/>
+          <a:ext cx="1099698" cy="1005840"/>
+        </p:xfrm>
+        <a:graphic>
+          <a:graphicData uri="http://schemas.openxmlformats.org/drawingml/2006/table">
+            <a:tbl>
+              <a:tblPr firstRow="1" bandRow="1">
+                <a:tableStyleId>{BDBED569-4797-4DF1-A0F4-6AAB3CD982D8}</a:tableStyleId>
+              </a:tblPr>
+              <a:tblGrid>
+                <a:gridCol w="1099698">
+                  <a:extLst>
+                    <a:ext uri="{9D8B030D-6E8A-4147-A177-3AD203B41FA5}">
+                      <a16:colId xmlns:a16="http://schemas.microsoft.com/office/drawing/2014/main" val="3785564758"/>
+                    </a:ext>
+                  </a:extLst>
+                </a:gridCol>
+              </a:tblGrid>
+              <a:tr h="312891">
+                <a:tc>
+                  <a:txBody>
+                    <a:bodyPr/>
+                    <a:lstStyle/>
+                    <a:p>
+                      <a:pPr algn="ctr"/>
+                      <a:r>
+                        <a:rPr lang="en-US" sz="900" b="0" dirty="0">
+                          <a:latin typeface="Calibri" panose="020F0502020204030204" pitchFamily="34" charset="0"/>
+                          <a:cs typeface="Calibri" panose="020F0502020204030204" pitchFamily="34" charset="0"/>
+                        </a:rPr>
+                        <a:t>IPv4/UDP</a:t>
+                      </a:r>
+                    </a:p>
+                    <a:p>
+                      <a:pPr algn="ctr"/>
+                      <a:r>
+                        <a:rPr lang="en-US" sz="900" b="0" dirty="0">
+                          <a:latin typeface="Calibri" panose="020F0502020204030204" pitchFamily="34" charset="0"/>
+                          <a:cs typeface="Calibri" panose="020F0502020204030204" pitchFamily="34" charset="0"/>
+                        </a:rPr>
+                        <a:t>Source: PE4</a:t>
+                      </a:r>
+                    </a:p>
+                    <a:p>
+                      <a:pPr algn="ctr"/>
+                      <a:r>
+                        <a:rPr lang="en-US" sz="900" b="0" dirty="0">
+                          <a:latin typeface="Calibri" panose="020F0502020204030204" pitchFamily="34" charset="0"/>
+                          <a:cs typeface="Calibri" panose="020F0502020204030204" pitchFamily="34" charset="0"/>
+                        </a:rPr>
+                        <a:t>Destination: PE2</a:t>
+                      </a:r>
+                    </a:p>
+                  </a:txBody>
+                  <a:tcPr/>
+                </a:tc>
+                <a:extLst>
+                  <a:ext uri="{0D108BD9-81ED-4DB2-BD59-A6C34878D82A}">
+                    <a16:rowId xmlns:a16="http://schemas.microsoft.com/office/drawing/2014/main" val="1552332999"/>
+                  </a:ext>
+                </a:extLst>
+              </a:tr>
+              <a:tr h="430225">
+                <a:tc>
+                  <a:txBody>
+                    <a:bodyPr/>
+                    <a:lstStyle/>
+                    <a:p>
+                      <a:pPr algn="ctr"/>
+                      <a:r>
+                        <a:rPr lang="en-US" sz="900" dirty="0">
+                          <a:latin typeface="Calibri" panose="020F0502020204030204" pitchFamily="34" charset="0"/>
+                          <a:cs typeface="Calibri" panose="020F0502020204030204" pitchFamily="34" charset="0"/>
+                        </a:rPr>
+                        <a:t>Payload Timestamp1, </a:t>
+                      </a:r>
+                      <a:r>
+                        <a:rPr lang="en-US" sz="900" b="1" dirty="0">
+                          <a:solidFill>
+                            <a:srgbClr val="7030A0"/>
+                          </a:solidFill>
+                          <a:latin typeface="Calibri" panose="020F0502020204030204" pitchFamily="34" charset="0"/>
+                          <a:cs typeface="Calibri" panose="020F0502020204030204" pitchFamily="34" charset="0"/>
+                        </a:rPr>
+                        <a:t>Timestamp2</a:t>
+                      </a:r>
+                    </a:p>
+                  </a:txBody>
+                  <a:tcPr>
+                    <a:solidFill>
+                      <a:schemeClr val="bg1">
+                        <a:lumMod val="50000"/>
+                        <a:alpha val="20000"/>
+                      </a:schemeClr>
+                    </a:solidFill>
+                  </a:tcPr>
+                </a:tc>
+                <a:extLst>
+                  <a:ext uri="{0D108BD9-81ED-4DB2-BD59-A6C34878D82A}">
+                    <a16:rowId xmlns:a16="http://schemas.microsoft.com/office/drawing/2014/main" val="578274851"/>
+                  </a:ext>
+                </a:extLst>
+              </a:tr>
+            </a:tbl>
+          </a:graphicData>
+        </a:graphic>
+      </p:graphicFrame>
+      <p:graphicFrame>
+        <p:nvGraphicFramePr>
+          <p:cNvPr id="60" name="Table 59">
+            <a:extLst>
+              <a:ext uri="{FF2B5EF4-FFF2-40B4-BE49-F238E27FC236}">
+                <a16:creationId xmlns:a16="http://schemas.microsoft.com/office/drawing/2014/main" id="{CE696EDB-9F02-EA4B-81B6-8814BB81186B}"/>
+              </a:ext>
+            </a:extLst>
+          </p:cNvPr>
+          <p:cNvGraphicFramePr>
+            <a:graphicFrameLocks noGrp="1"/>
+          </p:cNvGraphicFramePr>
+          <p:nvPr>
+            <p:extLst>
+              <p:ext uri="{D42A27DB-BD31-4B8C-83A1-F6EECF244321}">
+                <p14:modId xmlns:p14="http://schemas.microsoft.com/office/powerpoint/2010/main" val="736690056"/>
+              </p:ext>
+            </p:extLst>
+          </p:nvPr>
+        </p:nvGraphicFramePr>
+        <p:xfrm>
+          <a:off x="5944592" y="3033640"/>
+          <a:ext cx="1155603" cy="1005840"/>
+        </p:xfrm>
+        <a:graphic>
+          <a:graphicData uri="http://schemas.openxmlformats.org/drawingml/2006/table">
+            <a:tbl>
+              <a:tblPr firstRow="1" bandRow="1">
+                <a:tableStyleId>{BDBED569-4797-4DF1-A0F4-6AAB3CD982D8}</a:tableStyleId>
+              </a:tblPr>
+              <a:tblGrid>
+                <a:gridCol w="1155603">
+                  <a:extLst>
+                    <a:ext uri="{9D8B030D-6E8A-4147-A177-3AD203B41FA5}">
+                      <a16:colId xmlns:a16="http://schemas.microsoft.com/office/drawing/2014/main" val="3785564758"/>
+                    </a:ext>
+                  </a:extLst>
+                </a:gridCol>
+              </a:tblGrid>
+              <a:tr h="348539">
+                <a:tc>
+                  <a:txBody>
+                    <a:bodyPr/>
+                    <a:lstStyle/>
+                    <a:p>
+                      <a:pPr algn="ctr"/>
+                      <a:r>
+                        <a:rPr lang="en-US" sz="900" b="0" dirty="0">
+                          <a:latin typeface="Calibri" panose="020F0502020204030204" pitchFamily="34" charset="0"/>
+                          <a:cs typeface="Calibri" panose="020F0502020204030204" pitchFamily="34" charset="0"/>
+                        </a:rPr>
+                        <a:t>IPv4/UDP</a:t>
+                      </a:r>
+                    </a:p>
+                    <a:p>
+                      <a:pPr algn="ctr"/>
+                      <a:r>
+                        <a:rPr lang="en-US" sz="900" b="0" dirty="0">
+                          <a:latin typeface="Calibri" panose="020F0502020204030204" pitchFamily="34" charset="0"/>
+                          <a:cs typeface="Calibri" panose="020F0502020204030204" pitchFamily="34" charset="0"/>
+                        </a:rPr>
+                        <a:t>Source: PE4</a:t>
+                      </a:r>
+                    </a:p>
+                    <a:p>
+                      <a:pPr algn="ctr"/>
+                      <a:r>
+                        <a:rPr lang="en-US" sz="900" b="0" dirty="0">
+                          <a:latin typeface="Calibri" panose="020F0502020204030204" pitchFamily="34" charset="0"/>
+                          <a:cs typeface="Calibri" panose="020F0502020204030204" pitchFamily="34" charset="0"/>
+                        </a:rPr>
+                        <a:t>Destination: PE2</a:t>
+                      </a:r>
+                    </a:p>
+                  </a:txBody>
+                  <a:tcPr/>
+                </a:tc>
+                <a:extLst>
+                  <a:ext uri="{0D108BD9-81ED-4DB2-BD59-A6C34878D82A}">
+                    <a16:rowId xmlns:a16="http://schemas.microsoft.com/office/drawing/2014/main" val="1552332999"/>
+                  </a:ext>
+                </a:extLst>
+              </a:tr>
+              <a:tr h="479242">
+                <a:tc>
+                  <a:txBody>
+                    <a:bodyPr/>
+                    <a:lstStyle/>
+                    <a:p>
+                      <a:pPr algn="ctr"/>
+                      <a:r>
+                        <a:rPr lang="en-US" sz="900" dirty="0">
+                          <a:latin typeface="Calibri" panose="020F0502020204030204" pitchFamily="34" charset="0"/>
+                          <a:cs typeface="Calibri" panose="020F0502020204030204" pitchFamily="34" charset="0"/>
+                        </a:rPr>
+                        <a:t>Payload Timestamp1, </a:t>
+                      </a:r>
+                      <a:r>
+                        <a:rPr lang="en-US" sz="900" b="1" dirty="0">
+                          <a:solidFill>
+                            <a:srgbClr val="7030A0"/>
+                          </a:solidFill>
+                          <a:latin typeface="Calibri" panose="020F0502020204030204" pitchFamily="34" charset="0"/>
+                          <a:cs typeface="Calibri" panose="020F0502020204030204" pitchFamily="34" charset="0"/>
+                        </a:rPr>
+                        <a:t>Timestamp2</a:t>
+                      </a:r>
+                    </a:p>
+                  </a:txBody>
+                  <a:tcPr>
+                    <a:solidFill>
+                      <a:schemeClr val="bg1">
+                        <a:lumMod val="50000"/>
+                        <a:alpha val="20000"/>
+                      </a:schemeClr>
+                    </a:solidFill>
+                  </a:tcPr>
+                </a:tc>
+                <a:extLst>
+                  <a:ext uri="{0D108BD9-81ED-4DB2-BD59-A6C34878D82A}">
+                    <a16:rowId xmlns:a16="http://schemas.microsoft.com/office/drawing/2014/main" val="578274851"/>
+                  </a:ext>
+                </a:extLst>
+              </a:tr>
+            </a:tbl>
+          </a:graphicData>
+        </a:graphic>
+      </p:graphicFrame>
+      <p:sp>
+        <p:nvSpPr>
+          <p:cNvPr id="35" name="Curved Left Arrow 34">
+            <a:extLst>
+              <a:ext uri="{FF2B5EF4-FFF2-40B4-BE49-F238E27FC236}">
+                <a16:creationId xmlns:a16="http://schemas.microsoft.com/office/drawing/2014/main" id="{7F473AA6-C228-2A4D-8CF1-3689FFFB1B2C}"/>
+              </a:ext>
+            </a:extLst>
+          </p:cNvPr>
+          <p:cNvSpPr/>
+          <p:nvPr/>
+        </p:nvSpPr>
+        <p:spPr>
+          <a:xfrm>
+            <a:off x="7442766" y="1967743"/>
+            <a:ext cx="527467" cy="1676400"/>
+          </a:xfrm>
+          <a:prstGeom prst="curvedLeftArrow">
+            <a:avLst>
+              <a:gd name="adj1" fmla="val 25000"/>
+              <a:gd name="adj2" fmla="val 50000"/>
+              <a:gd name="adj3" fmla="val 30488"/>
+            </a:avLst>
+          </a:prstGeom>
+          <a:solidFill>
+            <a:srgbClr val="7030A0"/>
+          </a:solidFill>
+          <a:ln>
+            <a:noFill/>
+          </a:ln>
+          <a:effectLst/>
+        </p:spPr>
+        <p:style>
+          <a:lnRef idx="2">
+            <a:schemeClr val="accent1">
+              <a:shade val="50000"/>
+            </a:schemeClr>
+          </a:lnRef>
+          <a:fillRef idx="1">
+            <a:schemeClr val="accent1"/>
+          </a:fillRef>
+          <a:effectRef idx="0">
+            <a:schemeClr val="accent1"/>
+          </a:effectRef>
+          <a:fontRef idx="minor">
+            <a:schemeClr val="lt1"/>
+          </a:fontRef>
+        </p:style>
+        <p:txBody>
+          <a:bodyPr rtlCol="0" anchor="ctr"/>
+          <a:lstStyle/>
+          <a:p>
+            <a:pPr algn="ctr"/>
+            <a:endParaRPr lang="en-US" dirty="0">
+              <a:solidFill>
+                <a:schemeClr val="tx1"/>
+              </a:solidFill>
+            </a:endParaRPr>
+          </a:p>
+        </p:txBody>
+      </p:sp>
+      <p:sp>
+        <p:nvSpPr>
+          <p:cNvPr id="22" name="Footer Placeholder 3">
+            <a:extLst>
+              <a:ext uri="{FF2B5EF4-FFF2-40B4-BE49-F238E27FC236}">
+                <a16:creationId xmlns:a16="http://schemas.microsoft.com/office/drawing/2014/main" id="{2ADAD4B5-AD36-964A-A4C4-2323190D1807}"/>
+              </a:ext>
+            </a:extLst>
+          </p:cNvPr>
+          <p:cNvSpPr>
+            <a:spLocks noGrp="1"/>
+          </p:cNvSpPr>
+          <p:nvPr>
+            <p:ph type="ftr" sz="quarter" idx="11"/>
+          </p:nvPr>
+        </p:nvSpPr>
+        <p:spPr>
+          <a:xfrm>
+            <a:off x="3124200" y="4814279"/>
+            <a:ext cx="2895600" cy="357188"/>
+          </a:xfrm>
+        </p:spPr>
+        <p:txBody>
+          <a:bodyPr/>
+          <a:lstStyle/>
+          <a:p>
+            <a:r>
+              <a:rPr lang="en-CA" dirty="0"/>
+              <a:t>108</a:t>
+            </a:r>
+            <a:r>
+              <a:rPr lang="en-CA" baseline="30000" dirty="0"/>
+              <a:t>th</a:t>
+            </a:r>
+            <a:r>
+              <a:rPr lang="en-CA" dirty="0"/>
+              <a:t> IETF Online</a:t>
+            </a:r>
+          </a:p>
+        </p:txBody>
+      </p:sp>
+      <p:sp>
+        <p:nvSpPr>
+          <p:cNvPr id="24" name="Slide Number Placeholder 1">
+            <a:extLst>
+              <a:ext uri="{FF2B5EF4-FFF2-40B4-BE49-F238E27FC236}">
+                <a16:creationId xmlns:a16="http://schemas.microsoft.com/office/drawing/2014/main" id="{341759B9-1F01-1540-9B5C-5FADFEE3839F}"/>
+              </a:ext>
+            </a:extLst>
+          </p:cNvPr>
+          <p:cNvSpPr>
+            <a:spLocks noGrp="1"/>
+          </p:cNvSpPr>
+          <p:nvPr>
+            <p:ph type="sldNum" sz="quarter" idx="12"/>
+          </p:nvPr>
+        </p:nvSpPr>
+        <p:spPr>
+          <a:xfrm>
+            <a:off x="6639699" y="4746087"/>
+            <a:ext cx="2133600" cy="357188"/>
+          </a:xfrm>
+        </p:spPr>
+        <p:txBody>
+          <a:bodyPr/>
+          <a:lstStyle/>
+          <a:p>
+            <a:pPr>
+              <a:defRPr/>
+            </a:pPr>
+            <a:fld id="{BD6E0F59-1DD8-40FC-9C92-B6295CBA6CCA}" type="slidenum">
+              <a:rPr lang="en-US" altLang="zh-CN" smtClean="0"/>
+              <a:pPr>
+                <a:defRPr/>
+              </a:pPr>
+              <a:t>14</a:t>
+            </a:fld>
+            <a:endParaRPr lang="en-US" altLang="zh-CN" dirty="0"/>
+          </a:p>
+        </p:txBody>
+      </p:sp>
+    </p:spTree>
+    <p:extLst>
+      <p:ext uri="{BB962C8B-B14F-4D97-AF65-F5344CB8AC3E}">
+        <p14:creationId xmlns:p14="http://schemas.microsoft.com/office/powerpoint/2010/main" val="3776922927"/>
       </p:ext>
     </p:extLst>
   </p:cSld>

--- a/draft-gandhi-spring-sr-enhanced-plm-02.pptx
+++ b/draft-gandhi-spring-sr-enhanced-plm-02.pptx
@@ -8366,7 +8366,7 @@
             </a:pPr>
             <a:r>
               <a:rPr lang="en-US" sz="1400" dirty="0"/>
-              <a:t>RFC 5357 (TWAMP Light) defined probe messages</a:t>
+              <a:t>Example - RFC 5357 (TWAMP Light) defined probe messages</a:t>
             </a:r>
           </a:p>
           <a:p>
@@ -8376,8 +8376,15 @@
             </a:pPr>
             <a:r>
               <a:rPr lang="en-US" sz="1400" dirty="0"/>
-              <a:t>RFC 8762 (STAMP) defined probe messages</a:t>
-            </a:r>
+              <a:t>Example - RFC 8762 (STAMP) defined probe messages</a:t>
+            </a:r>
+          </a:p>
+          <a:p>
+            <a:pPr lvl="1">
+              <a:buFont typeface="Wingdings" charset="2"/>
+              <a:buChar char="§"/>
+            </a:pPr>
+            <a:endParaRPr lang="en-US" sz="1400" dirty="0"/>
           </a:p>
           <a:p>
             <a:pPr marL="457200" lvl="1" indent="0">
@@ -8851,7 +8858,7 @@
         <p:spPr>
           <a:xfrm>
             <a:off x="2686394" y="686133"/>
-            <a:ext cx="3733800" cy="2092881"/>
+            <a:ext cx="4019206" cy="2092881"/>
           </a:xfrm>
           <a:prstGeom prst="rect">
             <a:avLst/>
@@ -9035,7 +9042,7 @@
                 <a:ea typeface="Calibri" panose="020F0502020204030204" pitchFamily="34" charset="0"/>
                 <a:cs typeface="Times New Roman" panose="02020603050405020304" pitchFamily="18" charset="0"/>
               </a:rPr>
-              <a:t>                              (Simply Forward)</a:t>
+              <a:t>                              (Forward, Not Punt)</a:t>
             </a:r>
           </a:p>
           <a:p>
@@ -9198,7 +9205,7 @@
         </p:nvSpPr>
         <p:spPr>
           <a:xfrm>
-            <a:off x="3124200" y="4786312"/>
+            <a:off x="3124200" y="4964906"/>
             <a:ext cx="2895600" cy="357188"/>
           </a:xfrm>
         </p:spPr>
@@ -9555,14 +9562,14 @@
           <a:lstStyle/>
           <a:p>
             <a:r>
-              <a:rPr lang="en-US" sz="3000" dirty="0">
+              <a:rPr lang="en-US" sz="2600" dirty="0">
                 <a:solidFill>
                   <a:srgbClr val="0070C0"/>
                 </a:solidFill>
                 <a:latin typeface="Calibri Light" panose="020F0302020204030204" pitchFamily="34" charset="0"/>
                 <a:cs typeface="Calibri Light" panose="020F0302020204030204" pitchFamily="34" charset="0"/>
               </a:rPr>
-              <a:t>Probe Message for Timestamp and Forward Function</a:t>
+              <a:t>Example Probe Messages for Timestamp and Forward Function</a:t>
             </a:r>
           </a:p>
         </p:txBody>
@@ -9610,7 +9617,7 @@
         </p:nvSpPr>
         <p:spPr>
           <a:xfrm>
-            <a:off x="316648" y="1764596"/>
+            <a:off x="316648" y="1693158"/>
             <a:ext cx="4089826" cy="3093154"/>
           </a:xfrm>
           <a:prstGeom prst="rect">
@@ -10114,7 +10121,7 @@
         </p:nvSpPr>
         <p:spPr>
           <a:xfrm>
-            <a:off x="381002" y="669114"/>
+            <a:off x="329775" y="634676"/>
             <a:ext cx="8433225" cy="988236"/>
           </a:xfrm>
         </p:spPr>
@@ -10191,7 +10198,7 @@
         </p:nvSpPr>
         <p:spPr>
           <a:xfrm>
-            <a:off x="4673174" y="1769060"/>
+            <a:off x="4673174" y="1693158"/>
             <a:ext cx="4089826" cy="2631490"/>
           </a:xfrm>
           <a:prstGeom prst="rect">
@@ -10723,7 +10730,7 @@
         <p:spPr>
           <a:xfrm>
             <a:off x="332214" y="615197"/>
-            <a:ext cx="4696986" cy="4108817"/>
+            <a:ext cx="4696986" cy="3970318"/>
           </a:xfrm>
           <a:prstGeom prst="rect">
             <a:avLst/>
@@ -10781,7 +10788,15 @@
               <a:rPr lang="en-CA" sz="900" dirty="0">
                 <a:latin typeface="Courier" pitchFamily="2" charset="0"/>
               </a:rPr>
-              <a:t> IPv4 or IPv6 Address         . .  Protocol = UDP                                               . .                                                               . +---------------------------------------------------------------+ | UDP Header                                                    | .  Source Port = As chosen by Sender                            . .  Destination Port = As chosen by Sender                       . .                                                               . +---------------------------------------------------------------+ |  Payload as defined in Section 4.2.1 of RFC 5357 Or           | |  Payload as defined in Section 4.2 of RFC 8762                | .                                                               . +---------------------------------------------------------------+</a:t>
+              <a:t> IPv4 or IPv6 Address         . .  Protocol = UDP                                               . .                                                               . +---------------------------------------------------------------+ | UDP Header                                                    | .  Source Port = As chosen by Sender                            . .  Destination Port = As chosen by Sender                       . .                                                               . +---------------------------------------------------------------+ | Payload                                                       | </a:t>
+            </a:r>
+          </a:p>
+          <a:p>
+            <a:r>
+              <a:rPr lang="en-CA" sz="900" dirty="0">
+                <a:latin typeface="Courier" pitchFamily="2" charset="0"/>
+              </a:rPr>
+              <a:t>.                                                               . +---------------------------------------------------------------+</a:t>
             </a:r>
           </a:p>
           <a:p>
@@ -10994,8 +11009,8 @@
         </p:nvSpPr>
         <p:spPr>
           <a:xfrm>
-            <a:off x="309966" y="742950"/>
-            <a:ext cx="4936919" cy="3970318"/>
+            <a:off x="381000" y="725090"/>
+            <a:ext cx="4643034" cy="3693319"/>
           </a:xfrm>
           <a:prstGeom prst="rect">
             <a:avLst/>
@@ -11017,7 +11032,7 @@
               <a:rPr lang="en-CA" sz="900" dirty="0">
                 <a:latin typeface="Courier" pitchFamily="2" charset="0"/>
               </a:rPr>
-              <a:t>  +---------------------------------------------------------------+</a:t>
+              <a:t>+---------------------------------------------------------------+</a:t>
             </a:r>
           </a:p>
           <a:p>
@@ -11025,7 +11040,7 @@
               <a:rPr lang="en-CA" sz="900" dirty="0">
                 <a:latin typeface="Courier" pitchFamily="2" charset="0"/>
               </a:rPr>
-              <a:t>  | IP Header                                                     |</a:t>
+              <a:t>| IP Header                                                     |</a:t>
             </a:r>
           </a:p>
           <a:p>
@@ -11033,7 +11048,7 @@
               <a:rPr lang="en-CA" sz="900" dirty="0">
                 <a:latin typeface="Courier" pitchFamily="2" charset="0"/>
               </a:rPr>
-              <a:t>  .  Source IP Address = Sender IPv6 Address                      .</a:t>
+              <a:t>.  Source IP Address = Sender IPv6 Address                      .</a:t>
             </a:r>
           </a:p>
           <a:p>
@@ -11041,7 +11056,7 @@
               <a:rPr lang="en-CA" sz="900" dirty="0">
                 <a:latin typeface="Courier" pitchFamily="2" charset="0"/>
               </a:rPr>
-              <a:t>  .  Destination IP Address = Destination IPv6 Address            .</a:t>
+              <a:t>.  Destination IP Address = Destination IPv6 Address            .</a:t>
             </a:r>
           </a:p>
           <a:p>
@@ -11049,7 +11064,7 @@
               <a:rPr lang="en-CA" sz="900" dirty="0">
                 <a:latin typeface="Courier" pitchFamily="2" charset="0"/>
               </a:rPr>
-              <a:t>  .                                                               .</a:t>
+              <a:t>.                                                               .</a:t>
             </a:r>
           </a:p>
           <a:p>
@@ -11057,7 +11072,7 @@
               <a:rPr lang="en-CA" sz="900" dirty="0">
                 <a:latin typeface="Courier" pitchFamily="2" charset="0"/>
               </a:rPr>
-              <a:t>  +---------------------------------------------------------------+</a:t>
+              <a:t>+---------------------------------------------------------------+</a:t>
             </a:r>
           </a:p>
           <a:p>
@@ -11065,7 +11080,7 @@
               <a:rPr lang="en-CA" sz="900" dirty="0">
                 <a:latin typeface="Courier" pitchFamily="2" charset="0"/>
               </a:rPr>
-              <a:t>  | SRH as specified in RFC 8754                                  |</a:t>
+              <a:t>| SRH as specified in RFC 8754                                  |</a:t>
             </a:r>
           </a:p>
           <a:p>
@@ -11073,7 +11088,7 @@
               <a:rPr lang="en-CA" sz="900" dirty="0">
                 <a:latin typeface="Courier" pitchFamily="2" charset="0"/>
               </a:rPr>
-              <a:t>  .  &lt;Segment List&gt;                                               .</a:t>
+              <a:t>.  &lt;Segment List&gt;                                               .</a:t>
             </a:r>
           </a:p>
           <a:p>
@@ -11081,7 +11096,7 @@
               <a:rPr lang="en-CA" sz="900" dirty="0">
                 <a:latin typeface="Courier" pitchFamily="2" charset="0"/>
               </a:rPr>
-              <a:t>  .  END.TSF with Target SID                                      .</a:t>
+              <a:t>.  END.TSF with Target SID                                      .</a:t>
             </a:r>
           </a:p>
           <a:p>
@@ -11089,7 +11104,7 @@
               <a:rPr lang="en-CA" sz="900" dirty="0">
                 <a:latin typeface="Courier" pitchFamily="2" charset="0"/>
               </a:rPr>
-              <a:t>  .                                                               .</a:t>
+              <a:t>.                                                               .</a:t>
             </a:r>
           </a:p>
           <a:p>
@@ -11097,7 +11112,7 @@
               <a:rPr lang="en-CA" sz="900" dirty="0">
                 <a:latin typeface="Courier" pitchFamily="2" charset="0"/>
               </a:rPr>
-              <a:t>  +---------------------------------------------------------------+</a:t>
+              <a:t>+---------------------------------------------------------------+</a:t>
             </a:r>
           </a:p>
           <a:p>
@@ -11105,7 +11120,7 @@
               <a:rPr lang="en-CA" sz="900" dirty="0">
                 <a:latin typeface="Courier" pitchFamily="2" charset="0"/>
               </a:rPr>
-              <a:t>  | IP Header                                                     |</a:t>
+              <a:t>| IP Header                                                     |</a:t>
             </a:r>
           </a:p>
           <a:p>
@@ -11113,7 +11128,7 @@
               <a:rPr lang="en-CA" sz="900" dirty="0">
                 <a:latin typeface="Courier" pitchFamily="2" charset="0"/>
               </a:rPr>
-              <a:t>  .  Source IP Address = </a:t>
+              <a:t>.  Source IP Address = </a:t>
             </a:r>
             <a:r>
               <a:rPr lang="en-CA" sz="900" b="1" dirty="0">
@@ -11133,7 +11148,7 @@
               <a:rPr lang="en-CA" sz="900" dirty="0">
                 <a:latin typeface="Courier" pitchFamily="2" charset="0"/>
               </a:rPr>
-              <a:t>  .  Destination IP Address = </a:t>
+              <a:t>.  Destination IP Address = </a:t>
             </a:r>
             <a:r>
               <a:rPr lang="en-CA" sz="900" b="1" dirty="0">
@@ -11153,7 +11168,7 @@
               <a:rPr lang="en-CA" sz="900" dirty="0">
                 <a:latin typeface="Courier" pitchFamily="2" charset="0"/>
               </a:rPr>
-              <a:t>  .                                                               .</a:t>
+              <a:t>.                                                               .</a:t>
             </a:r>
           </a:p>
           <a:p>
@@ -11161,7 +11176,7 @@
               <a:rPr lang="en-CA" sz="900" dirty="0">
                 <a:latin typeface="Courier" pitchFamily="2" charset="0"/>
               </a:rPr>
-              <a:t>  +---------------------------------------------------------------+</a:t>
+              <a:t>+---------------------------------------------------------------+</a:t>
             </a:r>
           </a:p>
           <a:p>
@@ -11169,7 +11184,7 @@
               <a:rPr lang="en-CA" sz="900" dirty="0">
                 <a:latin typeface="Courier" pitchFamily="2" charset="0"/>
               </a:rPr>
-              <a:t>  | UDP Header                                                    |</a:t>
+              <a:t>| UDP Header                                                    |</a:t>
             </a:r>
           </a:p>
           <a:p>
@@ -11177,7 +11192,7 @@
               <a:rPr lang="en-CA" sz="900" dirty="0">
                 <a:latin typeface="Courier" pitchFamily="2" charset="0"/>
               </a:rPr>
-              <a:t>  .  Source Port = As chosen by Sender                            . </a:t>
+              <a:t>.  Source Port = As chosen by Sender                            . </a:t>
             </a:r>
           </a:p>
           <a:p>
@@ -11185,7 +11200,7 @@
               <a:rPr lang="en-CA" sz="900" dirty="0">
                 <a:latin typeface="Courier" pitchFamily="2" charset="0"/>
               </a:rPr>
-              <a:t>  .  Destination Port = As chosen by Sender                       .</a:t>
+              <a:t>.  Destination Port = As chosen by Sender                       .</a:t>
             </a:r>
           </a:p>
           <a:p>
@@ -11193,7 +11208,7 @@
               <a:rPr lang="en-CA" sz="900" dirty="0">
                 <a:latin typeface="Courier" pitchFamily="2" charset="0"/>
               </a:rPr>
-              <a:t>  .                                                               .</a:t>
+              <a:t>.                                                               .</a:t>
             </a:r>
           </a:p>
           <a:p>
@@ -11201,7 +11216,7 @@
               <a:rPr lang="en-CA" sz="900" dirty="0">
                 <a:latin typeface="Courier" pitchFamily="2" charset="0"/>
               </a:rPr>
-              <a:t>  +---------------------------------------------------------------+</a:t>
+              <a:t>+---------------------------------------------------------------+</a:t>
             </a:r>
           </a:p>
           <a:p>
@@ -11209,7 +11224,7 @@
               <a:rPr lang="en-CA" sz="900" dirty="0">
                 <a:latin typeface="Courier" pitchFamily="2" charset="0"/>
               </a:rPr>
-              <a:t>  |  Payload as defined in Section 4.2.1 of RFC 5357 Or           |</a:t>
+              <a:t>| Payload                                                       |</a:t>
             </a:r>
           </a:p>
           <a:p>
@@ -11217,7 +11232,7 @@
               <a:rPr lang="en-CA" sz="900" dirty="0">
                 <a:latin typeface="Courier" pitchFamily="2" charset="0"/>
               </a:rPr>
-              <a:t>  |  Payload as defined in Section 4.2 of RFC 8762                |</a:t>
+              <a:t>.                                                               .</a:t>
             </a:r>
           </a:p>
           <a:p>
@@ -11225,15 +11240,7 @@
               <a:rPr lang="en-CA" sz="900" dirty="0">
                 <a:latin typeface="Courier" pitchFamily="2" charset="0"/>
               </a:rPr>
-              <a:t>  .                                                               .</a:t>
-            </a:r>
-          </a:p>
-          <a:p>
-            <a:r>
-              <a:rPr lang="en-CA" sz="900" dirty="0">
-                <a:latin typeface="Courier" pitchFamily="2" charset="0"/>
-              </a:rPr>
-              <a:t>  +---------------------------------------------------------------+</a:t>
+              <a:t>+---------------------------------------------------------------+</a:t>
             </a:r>
           </a:p>
           <a:p>

--- a/draft-gandhi-spring-sr-enhanced-plm-02.pptx
+++ b/draft-gandhi-spring-sr-enhanced-plm-02.pptx
@@ -8771,7 +8771,7 @@
             </a:pPr>
             <a:r>
               <a:rPr lang="en-US" sz="1400" dirty="0"/>
-              <a:t>Using PM probes (TWAMP Light/STAMP delay measurement messages) in Loopback Mode</a:t>
+              <a:t>Using PM probes (for example, TWAMP Light/STAMP delay measurement messages) in Loopback Mode</a:t>
             </a:r>
           </a:p>
           <a:p>

--- a/draft-gandhi-spring-sr-enhanced-plm-02.pptx
+++ b/draft-gandhi-spring-sr-enhanced-plm-02.pptx
@@ -257,7 +257,7 @@
           <a:p>
             <a:fld id="{E8FA3DB5-7722-3F4F-947D-12B203669AD7}" type="datetimeFigureOut">
               <a:rPr lang="en-US" smtClean="0"/>
-              <a:t>7/9/20</a:t>
+              <a:t>7/10/20</a:t>
             </a:fld>
             <a:endParaRPr lang="en-US"/>
           </a:p>
@@ -8857,7 +8857,7 @@
         </p:nvSpPr>
         <p:spPr>
           <a:xfrm>
-            <a:off x="2686394" y="686133"/>
+            <a:off x="2362200" y="686133"/>
             <a:ext cx="4019206" cy="2092881"/>
           </a:xfrm>
           <a:prstGeom prst="rect">

--- a/draft-gandhi-spring-sr-enhanced-plm-02.pptx
+++ b/draft-gandhi-spring-sr-enhanced-plm-02.pptx
@@ -6127,7 +6127,19 @@
               <a:rPr lang="en-CA" sz="1100" dirty="0">
                 <a:latin typeface="Courier" pitchFamily="2" charset="0"/>
               </a:rPr>
-              <a:t>                            /                  \</a:t>
+              <a:t>     Source/</a:t>
+            </a:r>
+            <a:r>
+              <a:rPr lang="en-CA" sz="1100" dirty="0" err="1">
+                <a:latin typeface="Courier" pitchFamily="2" charset="0"/>
+              </a:rPr>
+              <a:t>Dest</a:t>
+            </a:r>
+            <a:r>
+              <a:rPr lang="en-CA" sz="1100" dirty="0">
+                <a:latin typeface="Courier" pitchFamily="2" charset="0"/>
+              </a:rPr>
+              <a:t> UDP Ports  /                  \</a:t>
             </a:r>
           </a:p>
           <a:p>
@@ -6241,7 +6253,7 @@
               <a:rPr lang="en-CA" sz="1100" dirty="0">
                 <a:latin typeface="Courier" pitchFamily="2" charset="0"/>
               </a:rPr>
-              <a:t>                   Figure 2: Example Provisioning Model</a:t>
+              <a:t>                     Figure 2: Example Provisioning Model</a:t>
             </a:r>
           </a:p>
         </p:txBody>
@@ -8366,7 +8378,7 @@
             </a:pPr>
             <a:r>
               <a:rPr lang="en-US" sz="1400" dirty="0"/>
-              <a:t>Example - RFC 5357 (TWAMP Light) defined probe messages</a:t>
+              <a:t>RFC 5357 (TWAMP Light) defined probe messages</a:t>
             </a:r>
           </a:p>
           <a:p>
@@ -8376,7 +8388,7 @@
             </a:pPr>
             <a:r>
               <a:rPr lang="en-US" sz="1400" dirty="0"/>
-              <a:t>Example - RFC 8762 (STAMP) defined probe messages</a:t>
+              <a:t>RFC 8762 (STAMP) defined probe messages</a:t>
             </a:r>
           </a:p>
           <a:p>

--- a/draft-gandhi-spring-sr-enhanced-plm-02.pptx
+++ b/draft-gandhi-spring-sr-enhanced-plm-02.pptx
@@ -257,7 +257,7 @@
           <a:p>
             <a:fld id="{E8FA3DB5-7722-3F4F-947D-12B203669AD7}" type="datetimeFigureOut">
               <a:rPr lang="en-US" smtClean="0"/>
-              <a:t>7/10/20</a:t>
+              <a:t>7/11/20</a:t>
             </a:fld>
             <a:endParaRPr lang="en-US"/>
           </a:p>
@@ -5314,8 +5314,8 @@
         </p:nvSpPr>
         <p:spPr bwMode="auto">
           <a:xfrm>
-            <a:off x="1600200" y="2730977"/>
-            <a:ext cx="6248400" cy="1212374"/>
+            <a:off x="1600200" y="2730976"/>
+            <a:ext cx="6248400" cy="1539663"/>
           </a:xfrm>
           <a:prstGeom prst="rect">
             <a:avLst/>
@@ -5494,6 +5494,42 @@
               </a:rPr>
               <a:t>)</a:t>
             </a:r>
+          </a:p>
+          <a:p>
+            <a:r>
+              <a:rPr lang="en-CA" i="1" dirty="0">
+                <a:latin typeface="Calibri" panose="020F0502020204030204" pitchFamily="34" charset="0"/>
+                <a:cs typeface="Calibri" panose="020F0502020204030204" pitchFamily="34" charset="0"/>
+              </a:rPr>
+              <a:t>Richard Foote - Nokia (</a:t>
+            </a:r>
+            <a:r>
+              <a:rPr lang="en-CA" i="1" dirty="0">
+                <a:latin typeface="Calibri" panose="020F0502020204030204" pitchFamily="34" charset="0"/>
+                <a:cs typeface="Calibri" panose="020F0502020204030204" pitchFamily="34" charset="0"/>
+                <a:hlinkClick r:id="rId7"/>
+              </a:rPr>
+              <a:t>footer.foote@nokia.com</a:t>
+            </a:r>
+            <a:r>
+              <a:rPr lang="en-CA" i="1" dirty="0">
+                <a:latin typeface="Calibri" panose="020F0502020204030204" pitchFamily="34" charset="0"/>
+                <a:cs typeface="Calibri" panose="020F0502020204030204" pitchFamily="34" charset="0"/>
+              </a:rPr>
+              <a:t>)</a:t>
+            </a:r>
+          </a:p>
+          <a:p>
+            <a:endParaRPr lang="en-CA" i="1" dirty="0">
+              <a:latin typeface="Calibri" panose="020F0502020204030204" pitchFamily="34" charset="0"/>
+              <a:cs typeface="Calibri" panose="020F0502020204030204" pitchFamily="34" charset="0"/>
+            </a:endParaRPr>
+          </a:p>
+          <a:p>
+            <a:endParaRPr lang="en-CA" i="1" dirty="0">
+              <a:latin typeface="Calibri" panose="020F0502020204030204" pitchFamily="34" charset="0"/>
+              <a:cs typeface="Calibri" panose="020F0502020204030204" pitchFamily="34" charset="0"/>
+            </a:endParaRPr>
           </a:p>
         </p:txBody>
       </p:sp>
@@ -6253,7 +6289,7 @@
               <a:rPr lang="en-CA" sz="1100" dirty="0">
                 <a:latin typeface="Courier" pitchFamily="2" charset="0"/>
               </a:rPr>
-              <a:t>                     Figure 2: Example Provisioning Model</a:t>
+              <a:t>                    Figure 2: Example Provisioning Model</a:t>
             </a:r>
           </a:p>
         </p:txBody>

--- a/draft-gandhi-spring-sr-enhanced-plm-02.pptx
+++ b/draft-gandhi-spring-sr-enhanced-plm-02.pptx
@@ -5,10 +5,10 @@
     <p:sldMasterId id="2147483648" r:id="rId1"/>
   </p:sldMasterIdLst>
   <p:notesMasterIdLst>
-    <p:notesMasterId r:id="rId16"/>
+    <p:notesMasterId r:id="rId17"/>
   </p:notesMasterIdLst>
   <p:handoutMasterIdLst>
-    <p:handoutMasterId r:id="rId17"/>
+    <p:handoutMasterId r:id="rId18"/>
   </p:handoutMasterIdLst>
   <p:sldIdLst>
     <p:sldId id="256" r:id="rId2"/>
@@ -17,14 +17,15 @@
     <p:sldId id="1673" r:id="rId5"/>
     <p:sldId id="326" r:id="rId6"/>
     <p:sldId id="1659" r:id="rId7"/>
-    <p:sldId id="1662" r:id="rId8"/>
-    <p:sldId id="1674" r:id="rId9"/>
-    <p:sldId id="1669" r:id="rId10"/>
-    <p:sldId id="1658" r:id="rId11"/>
-    <p:sldId id="1663" r:id="rId12"/>
-    <p:sldId id="318" r:id="rId13"/>
-    <p:sldId id="303" r:id="rId14"/>
-    <p:sldId id="1664" r:id="rId15"/>
+    <p:sldId id="1675" r:id="rId8"/>
+    <p:sldId id="1662" r:id="rId9"/>
+    <p:sldId id="1674" r:id="rId10"/>
+    <p:sldId id="1669" r:id="rId11"/>
+    <p:sldId id="1658" r:id="rId12"/>
+    <p:sldId id="1663" r:id="rId13"/>
+    <p:sldId id="318" r:id="rId14"/>
+    <p:sldId id="303" r:id="rId15"/>
+    <p:sldId id="1664" r:id="rId16"/>
   </p:sldIdLst>
   <p:sldSz cx="9144000" cy="5143500" type="screen16x9"/>
   <p:notesSz cx="6858000" cy="9144000"/>
@@ -257,7 +258,7 @@
           <a:p>
             <a:fld id="{E8FA3DB5-7722-3F4F-947D-12B203669AD7}" type="datetimeFigureOut">
               <a:rPr lang="en-US" smtClean="0"/>
-              <a:t>7/11/20</a:t>
+              <a:t>7/20/20</a:t>
             </a:fld>
             <a:endParaRPr lang="en-US"/>
           </a:p>
@@ -918,7 +919,7 @@
           <a:bodyPr/>
           <a:lstStyle/>
           <a:p>
-            <a:endParaRPr lang="en-US" dirty="0"/>
+            <a:endParaRPr lang="en-CA" dirty="0"/>
           </a:p>
         </p:txBody>
       </p:sp>
@@ -954,7 +955,7 @@
     </p:spTree>
     <p:extLst>
       <p:ext uri="{BB962C8B-B14F-4D97-AF65-F5344CB8AC3E}">
-        <p14:creationId xmlns:p14="http://schemas.microsoft.com/office/powerpoint/2010/main" val="939525286"/>
+        <p14:creationId xmlns:p14="http://schemas.microsoft.com/office/powerpoint/2010/main" val="1667011172"/>
       </p:ext>
     </p:extLst>
   </p:cSld>
@@ -1008,7 +1009,7 @@
           <a:bodyPr/>
           <a:lstStyle/>
           <a:p>
-            <a:endParaRPr lang="en-CA" dirty="0"/>
+            <a:endParaRPr lang="en-US" dirty="0"/>
           </a:p>
         </p:txBody>
       </p:sp>
@@ -1035,7 +1036,7 @@
               <a:pPr>
                 <a:defRPr/>
               </a:pPr>
-              <a:t>12</a:t>
+              <a:t>11</a:t>
             </a:fld>
             <a:endParaRPr lang="en-US" altLang="zh-CN"/>
           </a:p>
@@ -1044,7 +1045,7 @@
     </p:spTree>
     <p:extLst>
       <p:ext uri="{BB962C8B-B14F-4D97-AF65-F5344CB8AC3E}">
-        <p14:creationId xmlns:p14="http://schemas.microsoft.com/office/powerpoint/2010/main" val="1422079827"/>
+        <p14:creationId xmlns:p14="http://schemas.microsoft.com/office/powerpoint/2010/main" val="939525286"/>
       </p:ext>
     </p:extLst>
   </p:cSld>
@@ -1098,7 +1099,7 @@
           <a:bodyPr/>
           <a:lstStyle/>
           <a:p>
-            <a:endParaRPr lang="en-US" dirty="0"/>
+            <a:endParaRPr lang="en-CA" dirty="0"/>
           </a:p>
         </p:txBody>
       </p:sp>
@@ -1134,7 +1135,7 @@
     </p:spTree>
     <p:extLst>
       <p:ext uri="{BB962C8B-B14F-4D97-AF65-F5344CB8AC3E}">
-        <p14:creationId xmlns:p14="http://schemas.microsoft.com/office/powerpoint/2010/main" val="383772479"/>
+        <p14:creationId xmlns:p14="http://schemas.microsoft.com/office/powerpoint/2010/main" val="1422079827"/>
       </p:ext>
     </p:extLst>
   </p:cSld>
@@ -1188,6 +1189,96 @@
           <a:bodyPr/>
           <a:lstStyle/>
           <a:p>
+            <a:endParaRPr lang="en-US" dirty="0"/>
+          </a:p>
+        </p:txBody>
+      </p:sp>
+      <p:sp>
+        <p:nvSpPr>
+          <p:cNvPr id="4" name="Slide Number Placeholder 3"/>
+          <p:cNvSpPr>
+            <a:spLocks noGrp="1"/>
+          </p:cNvSpPr>
+          <p:nvPr>
+            <p:ph type="sldNum" sz="quarter" idx="10"/>
+          </p:nvPr>
+        </p:nvSpPr>
+        <p:spPr/>
+        <p:txBody>
+          <a:bodyPr/>
+          <a:lstStyle/>
+          <a:p>
+            <a:pPr>
+              <a:defRPr/>
+            </a:pPr>
+            <a:fld id="{100938BD-FD70-4535-B0C2-13FC38CDF1BE}" type="slidenum">
+              <a:rPr lang="en-US" altLang="zh-CN" smtClean="0"/>
+              <a:pPr>
+                <a:defRPr/>
+              </a:pPr>
+              <a:t>14</a:t>
+            </a:fld>
+            <a:endParaRPr lang="en-US" altLang="zh-CN"/>
+          </a:p>
+        </p:txBody>
+      </p:sp>
+    </p:spTree>
+    <p:extLst>
+      <p:ext uri="{BB962C8B-B14F-4D97-AF65-F5344CB8AC3E}">
+        <p14:creationId xmlns:p14="http://schemas.microsoft.com/office/powerpoint/2010/main" val="383772479"/>
+      </p:ext>
+    </p:extLst>
+  </p:cSld>
+  <p:clrMapOvr>
+    <a:masterClrMapping/>
+  </p:clrMapOvr>
+</p:notes>
+</file>
+
+<file path=ppt/notesSlides/notesSlide14.xml><?xml version="1.0" encoding="utf-8"?>
+<p:notes xmlns:a="http://schemas.openxmlformats.org/drawingml/2006/main" xmlns:r="http://schemas.openxmlformats.org/officeDocument/2006/relationships" xmlns:p="http://schemas.openxmlformats.org/presentationml/2006/main">
+  <p:cSld>
+    <p:spTree>
+      <p:nvGrpSpPr>
+        <p:cNvPr id="1" name=""/>
+        <p:cNvGrpSpPr/>
+        <p:nvPr/>
+      </p:nvGrpSpPr>
+      <p:grpSpPr>
+        <a:xfrm>
+          <a:off x="0" y="0"/>
+          <a:ext cx="0" cy="0"/>
+          <a:chOff x="0" y="0"/>
+          <a:chExt cx="0" cy="0"/>
+        </a:xfrm>
+      </p:grpSpPr>
+      <p:sp>
+        <p:nvSpPr>
+          <p:cNvPr id="2" name="Slide Image Placeholder 1"/>
+          <p:cNvSpPr>
+            <a:spLocks noGrp="1" noRot="1" noChangeAspect="1"/>
+          </p:cNvSpPr>
+          <p:nvPr>
+            <p:ph type="sldImg"/>
+          </p:nvPr>
+        </p:nvSpPr>
+        <p:spPr/>
+      </p:sp>
+      <p:sp>
+        <p:nvSpPr>
+          <p:cNvPr id="3" name="Notes Placeholder 2"/>
+          <p:cNvSpPr>
+            <a:spLocks noGrp="1"/>
+          </p:cNvSpPr>
+          <p:nvPr>
+            <p:ph type="body" idx="1"/>
+          </p:nvPr>
+        </p:nvSpPr>
+        <p:spPr/>
+        <p:txBody>
+          <a:bodyPr/>
+          <a:lstStyle/>
+          <a:p>
             <a:pPr marL="171450" marR="0" lvl="0" indent="-171450" algn="l" defTabSz="457200" rtl="0" eaLnBrk="0" fontAlgn="base" latinLnBrk="0" hangingPunct="0">
               <a:lnSpc>
                 <a:spcPct val="100000"/>
@@ -1276,7 +1367,7 @@
               <a:pPr>
                 <a:defRPr/>
               </a:pPr>
-              <a:t>14</a:t>
+              <a:t>15</a:t>
             </a:fld>
             <a:endParaRPr lang="en-US"/>
           </a:p>
@@ -1789,7 +1880,7 @@
           <a:bodyPr/>
           <a:lstStyle/>
           <a:p>
-            <a:endParaRPr lang="en-CA" dirty="0"/>
+            <a:endParaRPr lang="en-US" dirty="0"/>
           </a:p>
         </p:txBody>
       </p:sp>
@@ -1825,7 +1916,7 @@
     </p:spTree>
     <p:extLst>
       <p:ext uri="{BB962C8B-B14F-4D97-AF65-F5344CB8AC3E}">
-        <p14:creationId xmlns:p14="http://schemas.microsoft.com/office/powerpoint/2010/main" val="3363797125"/>
+        <p14:creationId xmlns:p14="http://schemas.microsoft.com/office/powerpoint/2010/main" val="2273474938"/>
       </p:ext>
     </p:extLst>
   </p:cSld>
@@ -1915,7 +2006,7 @@
     </p:spTree>
     <p:extLst>
       <p:ext uri="{BB962C8B-B14F-4D97-AF65-F5344CB8AC3E}">
-        <p14:creationId xmlns:p14="http://schemas.microsoft.com/office/powerpoint/2010/main" val="1391146807"/>
+        <p14:creationId xmlns:p14="http://schemas.microsoft.com/office/powerpoint/2010/main" val="3363797125"/>
       </p:ext>
     </p:extLst>
   </p:cSld>
@@ -2005,7 +2096,7 @@
     </p:spTree>
     <p:extLst>
       <p:ext uri="{BB962C8B-B14F-4D97-AF65-F5344CB8AC3E}">
-        <p14:creationId xmlns:p14="http://schemas.microsoft.com/office/powerpoint/2010/main" val="1667011172"/>
+        <p14:creationId xmlns:p14="http://schemas.microsoft.com/office/powerpoint/2010/main" val="1391146807"/>
       </p:ext>
     </p:extLst>
   </p:cSld>
@@ -5634,8 +5725,8 @@
         </p:nvSpPr>
         <p:spPr>
           <a:xfrm>
-            <a:off x="457200" y="0"/>
-            <a:ext cx="8229600" cy="857250"/>
+            <a:off x="0" y="0"/>
+            <a:ext cx="9144000" cy="640642"/>
           </a:xfrm>
         </p:spPr>
         <p:txBody>
@@ -5643,158 +5734,31 @@
           <a:lstStyle/>
           <a:p>
             <a:r>
-              <a:rPr lang="en-US" sz="3600" dirty="0">
+              <a:rPr lang="en-US" sz="3000" dirty="0">
                 <a:solidFill>
                   <a:srgbClr val="0070C0"/>
                 </a:solidFill>
                 <a:latin typeface="Calibri Light" panose="020F0302020204030204" pitchFamily="34" charset="0"/>
                 <a:cs typeface="Calibri Light" panose="020F0302020204030204" pitchFamily="34" charset="0"/>
               </a:rPr>
-              <a:t>ECMP Support for SR Paths</a:t>
-            </a:r>
-          </a:p>
-        </p:txBody>
-      </p:sp>
-      <p:sp>
-        <p:nvSpPr>
-          <p:cNvPr id="3" name="Content Placeholder 2"/>
+              <a:t>SRv6 with Timestamp and Forward Function</a:t>
+            </a:r>
+          </a:p>
+        </p:txBody>
+      </p:sp>
+      <p:sp>
+        <p:nvSpPr>
+          <p:cNvPr id="4" name="Footer Placeholder 3"/>
           <p:cNvSpPr>
             <a:spLocks noGrp="1"/>
           </p:cNvSpPr>
           <p:nvPr>
-            <p:ph idx="1"/>
+            <p:ph type="ftr" sz="quarter" idx="11"/>
           </p:nvPr>
         </p:nvSpPr>
         <p:spPr>
           <a:xfrm>
-            <a:off x="419100" y="912200"/>
-            <a:ext cx="8305800" cy="3564549"/>
-          </a:xfrm>
-        </p:spPr>
-        <p:txBody>
-          <a:bodyPr/>
-          <a:lstStyle/>
-          <a:p>
-            <a:pPr>
-              <a:lnSpc>
-                <a:spcPts val="2280"/>
-              </a:lnSpc>
-              <a:spcBef>
-                <a:spcPts val="0"/>
-              </a:spcBef>
-            </a:pPr>
-            <a:r>
-              <a:rPr lang="en-US" sz="1600" dirty="0"/>
-              <a:t>SR Paths can have ECMP between the ingress and transit nodes, between transit nodes and between transit and egress nodes.</a:t>
-            </a:r>
-          </a:p>
-          <a:p>
-            <a:pPr>
-              <a:lnSpc>
-                <a:spcPts val="2280"/>
-              </a:lnSpc>
-              <a:spcBef>
-                <a:spcPts val="0"/>
-              </a:spcBef>
-            </a:pPr>
-            <a:r>
-              <a:rPr lang="en-US" sz="1600" dirty="0"/>
-              <a:t>PM probe messages can take advantage of the hashing function in forwarding plane.</a:t>
-            </a:r>
-          </a:p>
-          <a:p>
-            <a:pPr>
-              <a:lnSpc>
-                <a:spcPts val="2280"/>
-              </a:lnSpc>
-              <a:spcBef>
-                <a:spcPts val="0"/>
-              </a:spcBef>
-            </a:pPr>
-            <a:r>
-              <a:rPr lang="en-US" sz="1600" dirty="0"/>
-              <a:t>Existing forwarding mechanisms are applicable to PM probe messages. Examples are:</a:t>
-            </a:r>
-          </a:p>
-          <a:p>
-            <a:pPr lvl="1">
-              <a:lnSpc>
-                <a:spcPts val="2280"/>
-              </a:lnSpc>
-              <a:spcBef>
-                <a:spcPts val="0"/>
-              </a:spcBef>
-            </a:pPr>
-            <a:r>
-              <a:rPr lang="en-US" sz="1600" dirty="0"/>
-              <a:t>For IPv4</a:t>
-            </a:r>
-          </a:p>
-          <a:p>
-            <a:pPr lvl="2">
-              <a:lnSpc>
-                <a:spcPts val="2280"/>
-              </a:lnSpc>
-              <a:spcBef>
-                <a:spcPts val="0"/>
-              </a:spcBef>
-            </a:pPr>
-            <a:r>
-              <a:rPr lang="en-US" sz="1600" dirty="0"/>
-              <a:t>Sweeping destination address in IPv4 header (e.g. 127/8) if return path is </a:t>
-            </a:r>
-            <a:r>
-              <a:rPr lang="en-US" sz="1600" b="1" dirty="0"/>
-              <a:t>also</a:t>
-            </a:r>
-            <a:r>
-              <a:rPr lang="en-US" sz="1600" dirty="0"/>
-              <a:t> SR-MPLS</a:t>
-            </a:r>
-          </a:p>
-          <a:p>
-            <a:pPr lvl="1">
-              <a:lnSpc>
-                <a:spcPts val="2280"/>
-              </a:lnSpc>
-              <a:spcBef>
-                <a:spcPts val="0"/>
-              </a:spcBef>
-            </a:pPr>
-            <a:r>
-              <a:rPr lang="en-US" sz="1600" dirty="0"/>
-              <a:t>For IPv6</a:t>
-            </a:r>
-          </a:p>
-          <a:p>
-            <a:pPr lvl="2">
-              <a:lnSpc>
-                <a:spcPts val="2280"/>
-              </a:lnSpc>
-              <a:spcBef>
-                <a:spcPts val="0"/>
-              </a:spcBef>
-            </a:pPr>
-            <a:r>
-              <a:rPr lang="en-US" sz="1600" dirty="0"/>
-              <a:t>Sweeping flow label in IPv6 header</a:t>
-            </a:r>
-          </a:p>
-        </p:txBody>
-      </p:sp>
-      <p:sp>
-        <p:nvSpPr>
-          <p:cNvPr id="4" name="Footer Placeholder 3"/>
-          <p:cNvSpPr>
-            <a:spLocks noGrp="1"/>
-          </p:cNvSpPr>
-          <p:nvPr>
-            <p:ph type="ftr" sz="quarter" idx="11"/>
-          </p:nvPr>
-        </p:nvSpPr>
-        <p:spPr>
-          <a:xfrm>
-            <a:off x="3124200" y="4786312"/>
+            <a:off x="2836126" y="4786312"/>
             <a:ext cx="2895600" cy="357188"/>
           </a:xfrm>
         </p:spPr>
@@ -5846,10 +5810,354 @@
           </a:p>
         </p:txBody>
       </p:sp>
+      <p:sp>
+        <p:nvSpPr>
+          <p:cNvPr id="6" name="Rectangle 5">
+            <a:extLst>
+              <a:ext uri="{FF2B5EF4-FFF2-40B4-BE49-F238E27FC236}">
+                <a16:creationId xmlns:a16="http://schemas.microsoft.com/office/drawing/2014/main" id="{4C15A4CE-6545-5142-97A8-EDA8B07CB60B}"/>
+              </a:ext>
+            </a:extLst>
+          </p:cNvPr>
+          <p:cNvSpPr/>
+          <p:nvPr/>
+        </p:nvSpPr>
+        <p:spPr>
+          <a:xfrm>
+            <a:off x="381000" y="725090"/>
+            <a:ext cx="4643034" cy="3693319"/>
+          </a:xfrm>
+          <a:prstGeom prst="rect">
+            <a:avLst/>
+          </a:prstGeom>
+          <a:solidFill>
+            <a:schemeClr val="accent6">
+              <a:lumMod val="20000"/>
+              <a:lumOff val="80000"/>
+            </a:schemeClr>
+          </a:solidFill>
+        </p:spPr>
+        <p:txBody>
+          <a:bodyPr wrap="square">
+            <a:spAutoFit/>
+          </a:bodyPr>
+          <a:lstStyle/>
+          <a:p>
+            <a:r>
+              <a:rPr lang="en-CA" sz="900" dirty="0">
+                <a:latin typeface="Courier" pitchFamily="2" charset="0"/>
+              </a:rPr>
+              <a:t>+---------------------------------------------------------------+</a:t>
+            </a:r>
+          </a:p>
+          <a:p>
+            <a:r>
+              <a:rPr lang="en-CA" sz="900" dirty="0">
+                <a:latin typeface="Courier" pitchFamily="2" charset="0"/>
+              </a:rPr>
+              <a:t>| IP Header                                                     |</a:t>
+            </a:r>
+          </a:p>
+          <a:p>
+            <a:r>
+              <a:rPr lang="en-CA" sz="900" dirty="0">
+                <a:latin typeface="Courier" pitchFamily="2" charset="0"/>
+              </a:rPr>
+              <a:t>.  Source IP Address = Sender IPv6 Address                      .</a:t>
+            </a:r>
+          </a:p>
+          <a:p>
+            <a:r>
+              <a:rPr lang="en-CA" sz="900" dirty="0">
+                <a:latin typeface="Courier" pitchFamily="2" charset="0"/>
+              </a:rPr>
+              <a:t>.  Destination IP Address = Destination IPv6 Address            .</a:t>
+            </a:r>
+          </a:p>
+          <a:p>
+            <a:r>
+              <a:rPr lang="en-CA" sz="900" dirty="0">
+                <a:latin typeface="Courier" pitchFamily="2" charset="0"/>
+              </a:rPr>
+              <a:t>.                                                               .</a:t>
+            </a:r>
+          </a:p>
+          <a:p>
+            <a:r>
+              <a:rPr lang="en-CA" sz="900" dirty="0">
+                <a:latin typeface="Courier" pitchFamily="2" charset="0"/>
+              </a:rPr>
+              <a:t>+---------------------------------------------------------------+</a:t>
+            </a:r>
+          </a:p>
+          <a:p>
+            <a:r>
+              <a:rPr lang="en-CA" sz="900" dirty="0">
+                <a:latin typeface="Courier" pitchFamily="2" charset="0"/>
+              </a:rPr>
+              <a:t>| SRH as specified in RFC 8754                                  |</a:t>
+            </a:r>
+          </a:p>
+          <a:p>
+            <a:r>
+              <a:rPr lang="en-CA" sz="900" dirty="0">
+                <a:latin typeface="Courier" pitchFamily="2" charset="0"/>
+              </a:rPr>
+              <a:t>.  &lt;Segment List&gt;                                               .</a:t>
+            </a:r>
+          </a:p>
+          <a:p>
+            <a:r>
+              <a:rPr lang="en-CA" sz="900" dirty="0">
+                <a:latin typeface="Courier" pitchFamily="2" charset="0"/>
+              </a:rPr>
+              <a:t>.  END.TSF with Target SID                                      .</a:t>
+            </a:r>
+          </a:p>
+          <a:p>
+            <a:r>
+              <a:rPr lang="en-CA" sz="900" dirty="0">
+                <a:latin typeface="Courier" pitchFamily="2" charset="0"/>
+              </a:rPr>
+              <a:t>.                                                               .</a:t>
+            </a:r>
+          </a:p>
+          <a:p>
+            <a:r>
+              <a:rPr lang="en-CA" sz="900" dirty="0">
+                <a:latin typeface="Courier" pitchFamily="2" charset="0"/>
+              </a:rPr>
+              <a:t>+---------------------------------------------------------------+</a:t>
+            </a:r>
+          </a:p>
+          <a:p>
+            <a:r>
+              <a:rPr lang="en-CA" sz="900" dirty="0">
+                <a:latin typeface="Courier" pitchFamily="2" charset="0"/>
+              </a:rPr>
+              <a:t>| IP Header                                                     |</a:t>
+            </a:r>
+          </a:p>
+          <a:p>
+            <a:r>
+              <a:rPr lang="en-CA" sz="900" dirty="0">
+                <a:latin typeface="Courier" pitchFamily="2" charset="0"/>
+              </a:rPr>
+              <a:t>.  Source IP Address = </a:t>
+            </a:r>
+            <a:r>
+              <a:rPr lang="en-CA" sz="900" b="1" dirty="0">
+                <a:latin typeface="Courier" pitchFamily="2" charset="0"/>
+              </a:rPr>
+              <a:t>Reflector</a:t>
+            </a:r>
+            <a:r>
+              <a:rPr lang="en-CA" sz="900" dirty="0">
+                <a:latin typeface="Courier" pitchFamily="2" charset="0"/>
+              </a:rPr>
+              <a:t> IPv6 Address                   .</a:t>
+            </a:r>
+          </a:p>
+          <a:p>
+            <a:r>
+              <a:rPr lang="en-CA" sz="900" dirty="0">
+                <a:latin typeface="Courier" pitchFamily="2" charset="0"/>
+              </a:rPr>
+              <a:t>.  Destination IP Address = </a:t>
+            </a:r>
+            <a:r>
+              <a:rPr lang="en-CA" sz="900" b="1" dirty="0">
+                <a:latin typeface="Courier" pitchFamily="2" charset="0"/>
+              </a:rPr>
+              <a:t>Sender</a:t>
+            </a:r>
+            <a:r>
+              <a:rPr lang="en-CA" sz="900" dirty="0">
+                <a:latin typeface="Courier" pitchFamily="2" charset="0"/>
+              </a:rPr>
+              <a:t> IPv6 Address                 .</a:t>
+            </a:r>
+          </a:p>
+          <a:p>
+            <a:r>
+              <a:rPr lang="en-CA" sz="900" dirty="0">
+                <a:latin typeface="Courier" pitchFamily="2" charset="0"/>
+              </a:rPr>
+              <a:t>.                                                               .</a:t>
+            </a:r>
+          </a:p>
+          <a:p>
+            <a:r>
+              <a:rPr lang="en-CA" sz="900" dirty="0">
+                <a:latin typeface="Courier" pitchFamily="2" charset="0"/>
+              </a:rPr>
+              <a:t>+---------------------------------------------------------------+</a:t>
+            </a:r>
+          </a:p>
+          <a:p>
+            <a:r>
+              <a:rPr lang="en-CA" sz="900" dirty="0">
+                <a:latin typeface="Courier" pitchFamily="2" charset="0"/>
+              </a:rPr>
+              <a:t>| UDP Header                                                    |</a:t>
+            </a:r>
+          </a:p>
+          <a:p>
+            <a:r>
+              <a:rPr lang="en-CA" sz="900" dirty="0">
+                <a:latin typeface="Courier" pitchFamily="2" charset="0"/>
+              </a:rPr>
+              <a:t>.  Source Port = As chosen by Sender                            . </a:t>
+            </a:r>
+          </a:p>
+          <a:p>
+            <a:r>
+              <a:rPr lang="en-CA" sz="900" dirty="0">
+                <a:latin typeface="Courier" pitchFamily="2" charset="0"/>
+              </a:rPr>
+              <a:t>.  Destination Port = As chosen by Sender                       .</a:t>
+            </a:r>
+          </a:p>
+          <a:p>
+            <a:r>
+              <a:rPr lang="en-CA" sz="900" dirty="0">
+                <a:latin typeface="Courier" pitchFamily="2" charset="0"/>
+              </a:rPr>
+              <a:t>.                                                               .</a:t>
+            </a:r>
+          </a:p>
+          <a:p>
+            <a:r>
+              <a:rPr lang="en-CA" sz="900" dirty="0">
+                <a:latin typeface="Courier" pitchFamily="2" charset="0"/>
+              </a:rPr>
+              <a:t>+---------------------------------------------------------------+</a:t>
+            </a:r>
+          </a:p>
+          <a:p>
+            <a:r>
+              <a:rPr lang="en-CA" sz="900" dirty="0">
+                <a:latin typeface="Courier" pitchFamily="2" charset="0"/>
+              </a:rPr>
+              <a:t>| Payload                                                       |</a:t>
+            </a:r>
+          </a:p>
+          <a:p>
+            <a:r>
+              <a:rPr lang="en-CA" sz="900" dirty="0">
+                <a:latin typeface="Courier" pitchFamily="2" charset="0"/>
+              </a:rPr>
+              <a:t>.                                                               .</a:t>
+            </a:r>
+          </a:p>
+          <a:p>
+            <a:r>
+              <a:rPr lang="en-CA" sz="900" dirty="0">
+                <a:latin typeface="Courier" pitchFamily="2" charset="0"/>
+              </a:rPr>
+              <a:t>+---------------------------------------------------------------+</a:t>
+            </a:r>
+          </a:p>
+          <a:p>
+            <a:r>
+              <a:rPr lang="en-CA" sz="900" dirty="0">
+                <a:latin typeface="Courier" pitchFamily="2" charset="0"/>
+              </a:rPr>
+              <a:t> </a:t>
+            </a:r>
+          </a:p>
+          <a:p>
+            <a:r>
+              <a:rPr lang="en-CA" sz="900" dirty="0">
+                <a:latin typeface="Courier" pitchFamily="2" charset="0"/>
+              </a:rPr>
+              <a:t>        Example Probe Message with Endpoint Function for SRv6</a:t>
+            </a:r>
+            <a:endParaRPr lang="en-US" sz="900" dirty="0">
+              <a:latin typeface="Courier" pitchFamily="2" charset="0"/>
+            </a:endParaRPr>
+          </a:p>
+        </p:txBody>
+      </p:sp>
+      <p:sp>
+        <p:nvSpPr>
+          <p:cNvPr id="8" name="Content Placeholder 7">
+            <a:extLst>
+              <a:ext uri="{FF2B5EF4-FFF2-40B4-BE49-F238E27FC236}">
+                <a16:creationId xmlns:a16="http://schemas.microsoft.com/office/drawing/2014/main" id="{FC6E1890-536D-9D49-8207-C42BBF301FF3}"/>
+              </a:ext>
+            </a:extLst>
+          </p:cNvPr>
+          <p:cNvSpPr>
+            <a:spLocks noGrp="1"/>
+          </p:cNvSpPr>
+          <p:nvPr>
+            <p:ph idx="1"/>
+          </p:nvPr>
+        </p:nvSpPr>
+        <p:spPr>
+          <a:xfrm>
+            <a:off x="5246885" y="989897"/>
+            <a:ext cx="3678973" cy="3276600"/>
+          </a:xfrm>
+        </p:spPr>
+        <p:txBody>
+          <a:bodyPr/>
+          <a:lstStyle/>
+          <a:p>
+            <a:r>
+              <a:rPr lang="en-US" sz="1400" dirty="0"/>
+              <a:t>Endpoint Function END.TSF is defined for Timestamp and Forward network programming and is carried for the Reflector node SID</a:t>
+            </a:r>
+          </a:p>
+          <a:p>
+            <a:r>
+              <a:rPr lang="en-US" sz="1400" dirty="0"/>
+              <a:t>Reverse path can be IP</a:t>
+            </a:r>
+          </a:p>
+          <a:p>
+            <a:pPr lvl="1"/>
+            <a:r>
+              <a:rPr lang="en-US" sz="1400" dirty="0"/>
+              <a:t>Reflector node removes SRH</a:t>
+            </a:r>
+          </a:p>
+          <a:p>
+            <a:r>
+              <a:rPr lang="en-US" sz="1400" dirty="0"/>
+              <a:t>Reverse path can be SR</a:t>
+            </a:r>
+          </a:p>
+          <a:p>
+            <a:pPr lvl="1"/>
+            <a:r>
+              <a:rPr lang="en-US" sz="1400" dirty="0"/>
+              <a:t>Reverse direction SR path carried in SRH</a:t>
+            </a:r>
+          </a:p>
+          <a:p>
+            <a:pPr lvl="1"/>
+            <a:r>
+              <a:rPr lang="en-US" sz="1400" dirty="0"/>
+              <a:t>Reflector node does not remove the SRH</a:t>
+            </a:r>
+          </a:p>
+          <a:p>
+            <a:r>
+              <a:rPr lang="en-US" sz="1400" dirty="0"/>
+              <a:t>Source and Destination Addresses are swapped to represent the Reverse direction path in the inner IPv6 header</a:t>
+            </a:r>
+          </a:p>
+          <a:p>
+            <a:endParaRPr lang="en-US" sz="1400" dirty="0"/>
+          </a:p>
+        </p:txBody>
+      </p:sp>
     </p:spTree>
     <p:extLst>
       <p:ext uri="{BB962C8B-B14F-4D97-AF65-F5344CB8AC3E}">
-        <p14:creationId xmlns:p14="http://schemas.microsoft.com/office/powerpoint/2010/main" val="3637512675"/>
+        <p14:creationId xmlns:p14="http://schemas.microsoft.com/office/powerpoint/2010/main" val="3310436608"/>
       </p:ext>
     </p:extLst>
   </p:cSld>
@@ -5878,13 +6186,7 @@
       </p:grpSpPr>
       <p:sp>
         <p:nvSpPr>
-          <p:cNvPr id="2" name="Title 1">
-            <a:extLst>
-              <a:ext uri="{FF2B5EF4-FFF2-40B4-BE49-F238E27FC236}">
-                <a16:creationId xmlns:a16="http://schemas.microsoft.com/office/drawing/2014/main" id="{9A6F4236-AC14-394A-A36C-F2BD8CED3237}"/>
-              </a:ext>
-            </a:extLst>
-          </p:cNvPr>
+          <p:cNvPr id="2" name="Title 1"/>
           <p:cNvSpPr>
             <a:spLocks noGrp="1"/>
           </p:cNvSpPr>
@@ -5894,8 +6196,8 @@
         </p:nvSpPr>
         <p:spPr>
           <a:xfrm>
-            <a:off x="457200" y="-19050"/>
-            <a:ext cx="8229600" cy="753591"/>
+            <a:off x="457200" y="0"/>
+            <a:ext cx="8229600" cy="857250"/>
           </a:xfrm>
         </p:spPr>
         <p:txBody>
@@ -5910,30 +6212,151 @@
                 <a:latin typeface="Calibri Light" panose="020F0302020204030204" pitchFamily="34" charset="0"/>
                 <a:cs typeface="Calibri Light" panose="020F0302020204030204" pitchFamily="34" charset="0"/>
               </a:rPr>
-              <a:t>Example Provisioning Model</a:t>
-            </a:r>
-          </a:p>
-        </p:txBody>
-      </p:sp>
-      <p:sp>
-        <p:nvSpPr>
-          <p:cNvPr id="4" name="Footer Placeholder 3">
-            <a:extLst>
-              <a:ext uri="{FF2B5EF4-FFF2-40B4-BE49-F238E27FC236}">
-                <a16:creationId xmlns:a16="http://schemas.microsoft.com/office/drawing/2014/main" id="{643D160E-CC3C-EB46-A6F1-43B8E2996F46}"/>
-              </a:ext>
-            </a:extLst>
-          </p:cNvPr>
+              <a:t>ECMP Support for SR Paths</a:t>
+            </a:r>
+          </a:p>
+        </p:txBody>
+      </p:sp>
+      <p:sp>
+        <p:nvSpPr>
+          <p:cNvPr id="3" name="Content Placeholder 2"/>
           <p:cNvSpPr>
             <a:spLocks noGrp="1"/>
           </p:cNvSpPr>
           <p:nvPr>
-            <p:ph type="ftr" sz="quarter" idx="11"/>
+            <p:ph idx="1"/>
           </p:nvPr>
         </p:nvSpPr>
         <p:spPr>
           <a:xfrm>
-            <a:off x="3124200" y="4841881"/>
+            <a:off x="419100" y="912200"/>
+            <a:ext cx="8305800" cy="3564549"/>
+          </a:xfrm>
+        </p:spPr>
+        <p:txBody>
+          <a:bodyPr/>
+          <a:lstStyle/>
+          <a:p>
+            <a:pPr>
+              <a:lnSpc>
+                <a:spcPts val="2280"/>
+              </a:lnSpc>
+              <a:spcBef>
+                <a:spcPts val="0"/>
+              </a:spcBef>
+            </a:pPr>
+            <a:r>
+              <a:rPr lang="en-US" sz="1600" dirty="0"/>
+              <a:t>SR Paths can have ECMP between the ingress and transit nodes, between transit nodes and between transit and egress nodes.</a:t>
+            </a:r>
+          </a:p>
+          <a:p>
+            <a:pPr>
+              <a:lnSpc>
+                <a:spcPts val="2280"/>
+              </a:lnSpc>
+              <a:spcBef>
+                <a:spcPts val="0"/>
+              </a:spcBef>
+            </a:pPr>
+            <a:r>
+              <a:rPr lang="en-US" sz="1600" dirty="0"/>
+              <a:t>PM probe messages can take advantage of the hashing function in forwarding plane.</a:t>
+            </a:r>
+          </a:p>
+          <a:p>
+            <a:pPr>
+              <a:lnSpc>
+                <a:spcPts val="2280"/>
+              </a:lnSpc>
+              <a:spcBef>
+                <a:spcPts val="0"/>
+              </a:spcBef>
+            </a:pPr>
+            <a:r>
+              <a:rPr lang="en-US" sz="1600" dirty="0"/>
+              <a:t>Existing forwarding mechanisms are applicable to PM probe messages. Examples are:</a:t>
+            </a:r>
+          </a:p>
+          <a:p>
+            <a:pPr lvl="1">
+              <a:lnSpc>
+                <a:spcPts val="2280"/>
+              </a:lnSpc>
+              <a:spcBef>
+                <a:spcPts val="0"/>
+              </a:spcBef>
+            </a:pPr>
+            <a:r>
+              <a:rPr lang="en-US" sz="1600" dirty="0"/>
+              <a:t>For IPv4</a:t>
+            </a:r>
+          </a:p>
+          <a:p>
+            <a:pPr lvl="2">
+              <a:lnSpc>
+                <a:spcPts val="2280"/>
+              </a:lnSpc>
+              <a:spcBef>
+                <a:spcPts val="0"/>
+              </a:spcBef>
+            </a:pPr>
+            <a:r>
+              <a:rPr lang="en-US" sz="1600" dirty="0"/>
+              <a:t>Sweeping destination address in IPv4 header (e.g. 127/8) if return path is </a:t>
+            </a:r>
+            <a:r>
+              <a:rPr lang="en-US" sz="1600" b="1" dirty="0"/>
+              <a:t>also</a:t>
+            </a:r>
+            <a:r>
+              <a:rPr lang="en-US" sz="1600" dirty="0"/>
+              <a:t> SR-MPLS</a:t>
+            </a:r>
+          </a:p>
+          <a:p>
+            <a:pPr lvl="1">
+              <a:lnSpc>
+                <a:spcPts val="2280"/>
+              </a:lnSpc>
+              <a:spcBef>
+                <a:spcPts val="0"/>
+              </a:spcBef>
+            </a:pPr>
+            <a:r>
+              <a:rPr lang="en-US" sz="1600" dirty="0"/>
+              <a:t>For IPv6</a:t>
+            </a:r>
+          </a:p>
+          <a:p>
+            <a:pPr lvl="2">
+              <a:lnSpc>
+                <a:spcPts val="2280"/>
+              </a:lnSpc>
+              <a:spcBef>
+                <a:spcPts val="0"/>
+              </a:spcBef>
+            </a:pPr>
+            <a:r>
+              <a:rPr lang="en-US" sz="1600" dirty="0"/>
+              <a:t>Sweeping flow label in IPv6 header</a:t>
+            </a:r>
+          </a:p>
+        </p:txBody>
+      </p:sp>
+      <p:sp>
+        <p:nvSpPr>
+          <p:cNvPr id="4" name="Footer Placeholder 3"/>
+          <p:cNvSpPr>
+            <a:spLocks noGrp="1"/>
+          </p:cNvSpPr>
+          <p:nvPr>
+            <p:ph type="ftr" sz="quarter" idx="11"/>
+          </p:nvPr>
+        </p:nvSpPr>
+        <p:spPr>
+          <a:xfrm>
+            <a:off x="3124200" y="4786312"/>
             <a:ext cx="2895600" cy="357188"/>
           </a:xfrm>
         </p:spPr>
@@ -5958,13 +6381,7 @@
       </p:sp>
       <p:sp>
         <p:nvSpPr>
-          <p:cNvPr id="5" name="Slide Number Placeholder 4">
-            <a:extLst>
-              <a:ext uri="{FF2B5EF4-FFF2-40B4-BE49-F238E27FC236}">
-                <a16:creationId xmlns:a16="http://schemas.microsoft.com/office/drawing/2014/main" id="{A8B868AE-B105-7547-A646-14FCDF91C2DD}"/>
-              </a:ext>
-            </a:extLst>
-          </p:cNvPr>
+          <p:cNvPr id="5" name="Slide Number Placeholder 4"/>
           <p:cNvSpPr>
             <a:spLocks noGrp="1"/>
           </p:cNvSpPr>
@@ -5991,313 +6408,10 @@
           </a:p>
         </p:txBody>
       </p:sp>
-      <p:sp>
-        <p:nvSpPr>
-          <p:cNvPr id="7" name="Rectangle 6">
-            <a:extLst>
-              <a:ext uri="{FF2B5EF4-FFF2-40B4-BE49-F238E27FC236}">
-                <a16:creationId xmlns:a16="http://schemas.microsoft.com/office/drawing/2014/main" id="{AA6E66CA-28BC-2C4A-BC04-4600D8FEBF3B}"/>
-              </a:ext>
-            </a:extLst>
-          </p:cNvPr>
-          <p:cNvSpPr/>
-          <p:nvPr/>
-        </p:nvSpPr>
-        <p:spPr>
-          <a:xfrm>
-            <a:off x="1257300" y="649394"/>
-            <a:ext cx="6629400" cy="4184415"/>
-          </a:xfrm>
-          <a:prstGeom prst="rect">
-            <a:avLst/>
-          </a:prstGeom>
-          <a:solidFill>
-            <a:schemeClr val="accent6">
-              <a:lumMod val="20000"/>
-              <a:lumOff val="80000"/>
-            </a:schemeClr>
-          </a:solidFill>
-        </p:spPr>
-        <p:txBody>
-          <a:bodyPr wrap="square">
-            <a:spAutoFit/>
-          </a:bodyPr>
-          <a:lstStyle/>
-          <a:p>
-            <a:pPr>
-              <a:lnSpc>
-                <a:spcPts val="1640"/>
-              </a:lnSpc>
-            </a:pPr>
-            <a:r>
-              <a:rPr lang="en-CA" sz="1100" dirty="0">
-                <a:latin typeface="Courier" pitchFamily="2" charset="0"/>
-              </a:rPr>
-              <a:t>                               +------------+</a:t>
-            </a:r>
-          </a:p>
-          <a:p>
-            <a:pPr>
-              <a:lnSpc>
-                <a:spcPts val="1640"/>
-              </a:lnSpc>
-            </a:pPr>
-            <a:r>
-              <a:rPr lang="en-CA" sz="1100" dirty="0">
-                <a:latin typeface="Courier" pitchFamily="2" charset="0"/>
-              </a:rPr>
-              <a:t>                               | Controller |</a:t>
-            </a:r>
-          </a:p>
-          <a:p>
-            <a:pPr>
-              <a:lnSpc>
-                <a:spcPts val="1640"/>
-              </a:lnSpc>
-            </a:pPr>
-            <a:r>
-              <a:rPr lang="en-CA" sz="1100" dirty="0">
-                <a:latin typeface="Courier" pitchFamily="2" charset="0"/>
-              </a:rPr>
-              <a:t>                               +------------+</a:t>
-            </a:r>
-          </a:p>
-          <a:p>
-            <a:pPr>
-              <a:lnSpc>
-                <a:spcPts val="1640"/>
-              </a:lnSpc>
-            </a:pPr>
-            <a:r>
-              <a:rPr lang="en-CA" sz="1100" dirty="0">
-                <a:latin typeface="Courier" pitchFamily="2" charset="0"/>
-              </a:rPr>
-              <a:t>     PDLM Mode                     /    \      Network Programming Label</a:t>
-            </a:r>
-          </a:p>
-          <a:p>
-            <a:pPr>
-              <a:lnSpc>
-                <a:spcPts val="1640"/>
-              </a:lnSpc>
-            </a:pPr>
-            <a:r>
-              <a:rPr lang="en-CA" sz="1100" dirty="0">
-                <a:latin typeface="Courier" pitchFamily="2" charset="0"/>
-              </a:rPr>
-              <a:t>       LB or Enhanced Mode        /      \       Timestamp2 Offset</a:t>
-            </a:r>
-          </a:p>
-          <a:p>
-            <a:pPr>
-              <a:lnSpc>
-                <a:spcPts val="1640"/>
-              </a:lnSpc>
-            </a:pPr>
-            <a:r>
-              <a:rPr lang="en-CA" sz="1100" dirty="0">
-                <a:latin typeface="Courier" pitchFamily="2" charset="0"/>
-              </a:rPr>
-              <a:t>     Measurement Protocol        /        \    Timestamp Format</a:t>
-            </a:r>
-          </a:p>
-          <a:p>
-            <a:pPr>
-              <a:lnSpc>
-                <a:spcPts val="1640"/>
-              </a:lnSpc>
-            </a:pPr>
-            <a:r>
-              <a:rPr lang="en-CA" sz="1100" dirty="0">
-                <a:latin typeface="Courier" pitchFamily="2" charset="0"/>
-              </a:rPr>
-              <a:t>     Missed Probe Message Count /          \</a:t>
-            </a:r>
-          </a:p>
-          <a:p>
-            <a:pPr>
-              <a:lnSpc>
-                <a:spcPts val="1640"/>
-              </a:lnSpc>
-            </a:pPr>
-            <a:r>
-              <a:rPr lang="en-CA" sz="1100" dirty="0">
-                <a:latin typeface="Courier" pitchFamily="2" charset="0"/>
-              </a:rPr>
-              <a:t>     Network Programming Label /            \</a:t>
-            </a:r>
-          </a:p>
-          <a:p>
-            <a:pPr>
-              <a:lnSpc>
-                <a:spcPts val="1640"/>
-              </a:lnSpc>
-            </a:pPr>
-            <a:r>
-              <a:rPr lang="en-CA" sz="1100" dirty="0">
-                <a:latin typeface="Courier" pitchFamily="2" charset="0"/>
-              </a:rPr>
-              <a:t>     Timestamp Format         /              \</a:t>
-            </a:r>
-          </a:p>
-          <a:p>
-            <a:pPr>
-              <a:lnSpc>
-                <a:spcPts val="1640"/>
-              </a:lnSpc>
-            </a:pPr>
-            <a:r>
-              <a:rPr lang="en-CA" sz="1100" dirty="0">
-                <a:latin typeface="Courier" pitchFamily="2" charset="0"/>
-              </a:rPr>
-              <a:t>     Delay threshold/Count   /                \</a:t>
-            </a:r>
-          </a:p>
-          <a:p>
-            <a:pPr>
-              <a:lnSpc>
-                <a:spcPts val="1640"/>
-              </a:lnSpc>
-            </a:pPr>
-            <a:r>
-              <a:rPr lang="en-CA" sz="1100" dirty="0">
-                <a:latin typeface="Courier" pitchFamily="2" charset="0"/>
-              </a:rPr>
-              <a:t>     Source/</a:t>
-            </a:r>
-            <a:r>
-              <a:rPr lang="en-CA" sz="1100" dirty="0" err="1">
-                <a:latin typeface="Courier" pitchFamily="2" charset="0"/>
-              </a:rPr>
-              <a:t>Dest</a:t>
-            </a:r>
-            <a:r>
-              <a:rPr lang="en-CA" sz="1100" dirty="0">
-                <a:latin typeface="Courier" pitchFamily="2" charset="0"/>
-              </a:rPr>
-              <a:t> UDP Ports  /                  \</a:t>
-            </a:r>
-          </a:p>
-          <a:p>
-            <a:pPr>
-              <a:lnSpc>
-                <a:spcPts val="1640"/>
-              </a:lnSpc>
-            </a:pPr>
-            <a:r>
-              <a:rPr lang="en-CA" sz="1100" dirty="0">
-                <a:latin typeface="Courier" pitchFamily="2" charset="0"/>
-              </a:rPr>
-              <a:t>                           v                    v</a:t>
-            </a:r>
-          </a:p>
-          <a:p>
-            <a:pPr>
-              <a:lnSpc>
-                <a:spcPts val="1640"/>
-              </a:lnSpc>
-            </a:pPr>
-            <a:r>
-              <a:rPr lang="en-CA" sz="1100" dirty="0">
-                <a:latin typeface="Courier" pitchFamily="2" charset="0"/>
-              </a:rPr>
-              <a:t>                       +-------+            +-------+</a:t>
-            </a:r>
-          </a:p>
-          <a:p>
-            <a:pPr>
-              <a:lnSpc>
-                <a:spcPts val="1640"/>
-              </a:lnSpc>
-            </a:pPr>
-            <a:r>
-              <a:rPr lang="en-CA" sz="1100" dirty="0">
-                <a:latin typeface="Courier" pitchFamily="2" charset="0"/>
-              </a:rPr>
-              <a:t>                       |       |            |       |</a:t>
-            </a:r>
-          </a:p>
-          <a:p>
-            <a:pPr>
-              <a:lnSpc>
-                <a:spcPts val="1640"/>
-              </a:lnSpc>
-            </a:pPr>
-            <a:r>
-              <a:rPr lang="en-CA" sz="1100" dirty="0">
-                <a:latin typeface="Courier" pitchFamily="2" charset="0"/>
-              </a:rPr>
-              <a:t>                       |   R1  |============|   R5  |</a:t>
-            </a:r>
-          </a:p>
-          <a:p>
-            <a:pPr>
-              <a:lnSpc>
-                <a:spcPts val="1640"/>
-              </a:lnSpc>
-            </a:pPr>
-            <a:r>
-              <a:rPr lang="en-CA" sz="1100" dirty="0">
-                <a:latin typeface="Courier" pitchFamily="2" charset="0"/>
-              </a:rPr>
-              <a:t>                       |       |  SR Path   |       |</a:t>
-            </a:r>
-          </a:p>
-          <a:p>
-            <a:pPr>
-              <a:lnSpc>
-                <a:spcPts val="1640"/>
-              </a:lnSpc>
-            </a:pPr>
-            <a:r>
-              <a:rPr lang="en-CA" sz="1100" dirty="0">
-                <a:latin typeface="Courier" pitchFamily="2" charset="0"/>
-              </a:rPr>
-              <a:t>                       +-------+            +-------+</a:t>
-            </a:r>
-          </a:p>
-          <a:p>
-            <a:pPr>
-              <a:lnSpc>
-                <a:spcPts val="1640"/>
-              </a:lnSpc>
-            </a:pPr>
-            <a:r>
-              <a:rPr lang="en-CA" sz="1100" dirty="0">
-                <a:latin typeface="Courier" pitchFamily="2" charset="0"/>
-              </a:rPr>
-              <a:t>                        Sender              Reflector</a:t>
-            </a:r>
-          </a:p>
-          <a:p>
-            <a:pPr>
-              <a:lnSpc>
-                <a:spcPts val="1640"/>
-              </a:lnSpc>
-            </a:pPr>
-            <a:endParaRPr lang="en-CA" sz="1100" dirty="0">
-              <a:latin typeface="Courier" pitchFamily="2" charset="0"/>
-            </a:endParaRPr>
-          </a:p>
-          <a:p>
-            <a:pPr>
-              <a:lnSpc>
-                <a:spcPts val="1640"/>
-              </a:lnSpc>
-            </a:pPr>
-            <a:r>
-              <a:rPr lang="en-CA" sz="1100" dirty="0">
-                <a:latin typeface="Courier" pitchFamily="2" charset="0"/>
-              </a:rPr>
-              <a:t>                    Figure 2: Example Provisioning Model</a:t>
-            </a:r>
-          </a:p>
-        </p:txBody>
-      </p:sp>
     </p:spTree>
     <p:extLst>
       <p:ext uri="{BB962C8B-B14F-4D97-AF65-F5344CB8AC3E}">
-        <p14:creationId xmlns:p14="http://schemas.microsoft.com/office/powerpoint/2010/main" val="21907870"/>
+        <p14:creationId xmlns:p14="http://schemas.microsoft.com/office/powerpoint/2010/main" val="3637512675"/>
       </p:ext>
     </p:extLst>
   </p:cSld>
@@ -6326,6 +6440,454 @@
       </p:grpSpPr>
       <p:sp>
         <p:nvSpPr>
+          <p:cNvPr id="2" name="Title 1">
+            <a:extLst>
+              <a:ext uri="{FF2B5EF4-FFF2-40B4-BE49-F238E27FC236}">
+                <a16:creationId xmlns:a16="http://schemas.microsoft.com/office/drawing/2014/main" id="{9A6F4236-AC14-394A-A36C-F2BD8CED3237}"/>
+              </a:ext>
+            </a:extLst>
+          </p:cNvPr>
+          <p:cNvSpPr>
+            <a:spLocks noGrp="1"/>
+          </p:cNvSpPr>
+          <p:nvPr>
+            <p:ph type="title"/>
+          </p:nvPr>
+        </p:nvSpPr>
+        <p:spPr>
+          <a:xfrm>
+            <a:off x="457200" y="-19050"/>
+            <a:ext cx="8229600" cy="753591"/>
+          </a:xfrm>
+        </p:spPr>
+        <p:txBody>
+          <a:bodyPr/>
+          <a:lstStyle/>
+          <a:p>
+            <a:r>
+              <a:rPr lang="en-US" sz="3600" dirty="0">
+                <a:solidFill>
+                  <a:srgbClr val="0070C0"/>
+                </a:solidFill>
+                <a:latin typeface="Calibri Light" panose="020F0302020204030204" pitchFamily="34" charset="0"/>
+                <a:cs typeface="Calibri Light" panose="020F0302020204030204" pitchFamily="34" charset="0"/>
+              </a:rPr>
+              <a:t>Example Provisioning Model</a:t>
+            </a:r>
+          </a:p>
+        </p:txBody>
+      </p:sp>
+      <p:sp>
+        <p:nvSpPr>
+          <p:cNvPr id="4" name="Footer Placeholder 3">
+            <a:extLst>
+              <a:ext uri="{FF2B5EF4-FFF2-40B4-BE49-F238E27FC236}">
+                <a16:creationId xmlns:a16="http://schemas.microsoft.com/office/drawing/2014/main" id="{643D160E-CC3C-EB46-A6F1-43B8E2996F46}"/>
+              </a:ext>
+            </a:extLst>
+          </p:cNvPr>
+          <p:cNvSpPr>
+            <a:spLocks noGrp="1"/>
+          </p:cNvSpPr>
+          <p:nvPr>
+            <p:ph type="ftr" sz="quarter" idx="11"/>
+          </p:nvPr>
+        </p:nvSpPr>
+        <p:spPr>
+          <a:xfrm>
+            <a:off x="3124200" y="4841881"/>
+            <a:ext cx="2895600" cy="357188"/>
+          </a:xfrm>
+        </p:spPr>
+        <p:txBody>
+          <a:bodyPr/>
+          <a:lstStyle/>
+          <a:p>
+            <a:r>
+              <a:rPr lang="en-CA" dirty="0"/>
+              <a:t>108</a:t>
+            </a:r>
+            <a:r>
+              <a:rPr lang="en-CA" baseline="30000" dirty="0"/>
+              <a:t>th</a:t>
+            </a:r>
+            <a:r>
+              <a:rPr lang="en-CA" dirty="0"/>
+              <a:t> IETF Online</a:t>
+            </a:r>
+          </a:p>
+        </p:txBody>
+      </p:sp>
+      <p:sp>
+        <p:nvSpPr>
+          <p:cNvPr id="5" name="Slide Number Placeholder 4">
+            <a:extLst>
+              <a:ext uri="{FF2B5EF4-FFF2-40B4-BE49-F238E27FC236}">
+                <a16:creationId xmlns:a16="http://schemas.microsoft.com/office/drawing/2014/main" id="{A8B868AE-B105-7547-A646-14FCDF91C2DD}"/>
+              </a:ext>
+            </a:extLst>
+          </p:cNvPr>
+          <p:cNvSpPr>
+            <a:spLocks noGrp="1"/>
+          </p:cNvSpPr>
+          <p:nvPr>
+            <p:ph type="sldNum" sz="quarter" idx="12"/>
+          </p:nvPr>
+        </p:nvSpPr>
+        <p:spPr/>
+        <p:txBody>
+          <a:bodyPr/>
+          <a:lstStyle/>
+          <a:p>
+            <a:pPr>
+              <a:defRPr/>
+            </a:pPr>
+            <a:fld id="{BD6E0F59-1DD8-40FC-9C92-B6295CBA6CCA}" type="slidenum">
+              <a:rPr lang="en-US" altLang="zh-CN" smtClean="0"/>
+              <a:pPr>
+                <a:defRPr/>
+              </a:pPr>
+              <a:t>12</a:t>
+            </a:fld>
+            <a:endParaRPr lang="en-US" altLang="zh-CN"/>
+          </a:p>
+        </p:txBody>
+      </p:sp>
+      <p:sp>
+        <p:nvSpPr>
+          <p:cNvPr id="7" name="Rectangle 6">
+            <a:extLst>
+              <a:ext uri="{FF2B5EF4-FFF2-40B4-BE49-F238E27FC236}">
+                <a16:creationId xmlns:a16="http://schemas.microsoft.com/office/drawing/2014/main" id="{AA6E66CA-28BC-2C4A-BC04-4600D8FEBF3B}"/>
+              </a:ext>
+            </a:extLst>
+          </p:cNvPr>
+          <p:cNvSpPr/>
+          <p:nvPr/>
+        </p:nvSpPr>
+        <p:spPr>
+          <a:xfrm>
+            <a:off x="1257300" y="649394"/>
+            <a:ext cx="6629400" cy="4184415"/>
+          </a:xfrm>
+          <a:prstGeom prst="rect">
+            <a:avLst/>
+          </a:prstGeom>
+          <a:solidFill>
+            <a:schemeClr val="accent6">
+              <a:lumMod val="20000"/>
+              <a:lumOff val="80000"/>
+            </a:schemeClr>
+          </a:solidFill>
+        </p:spPr>
+        <p:txBody>
+          <a:bodyPr wrap="square">
+            <a:spAutoFit/>
+          </a:bodyPr>
+          <a:lstStyle/>
+          <a:p>
+            <a:pPr>
+              <a:lnSpc>
+                <a:spcPts val="1640"/>
+              </a:lnSpc>
+            </a:pPr>
+            <a:r>
+              <a:rPr lang="en-CA" sz="1100" dirty="0">
+                <a:latin typeface="Courier" pitchFamily="2" charset="0"/>
+              </a:rPr>
+              <a:t>                               +------------+</a:t>
+            </a:r>
+          </a:p>
+          <a:p>
+            <a:pPr>
+              <a:lnSpc>
+                <a:spcPts val="1640"/>
+              </a:lnSpc>
+            </a:pPr>
+            <a:r>
+              <a:rPr lang="en-CA" sz="1100" dirty="0">
+                <a:latin typeface="Courier" pitchFamily="2" charset="0"/>
+              </a:rPr>
+              <a:t>                               | Controller |</a:t>
+            </a:r>
+          </a:p>
+          <a:p>
+            <a:pPr>
+              <a:lnSpc>
+                <a:spcPts val="1640"/>
+              </a:lnSpc>
+            </a:pPr>
+            <a:r>
+              <a:rPr lang="en-CA" sz="1100" dirty="0">
+                <a:latin typeface="Courier" pitchFamily="2" charset="0"/>
+              </a:rPr>
+              <a:t>                               +------------+</a:t>
+            </a:r>
+          </a:p>
+          <a:p>
+            <a:pPr>
+              <a:lnSpc>
+                <a:spcPts val="1640"/>
+              </a:lnSpc>
+            </a:pPr>
+            <a:r>
+              <a:rPr lang="en-CA" sz="1100" dirty="0">
+                <a:latin typeface="Courier" pitchFamily="2" charset="0"/>
+              </a:rPr>
+              <a:t>     PDLM Mode                     /    \      Network Programming Label</a:t>
+            </a:r>
+          </a:p>
+          <a:p>
+            <a:pPr>
+              <a:lnSpc>
+                <a:spcPts val="1640"/>
+              </a:lnSpc>
+            </a:pPr>
+            <a:r>
+              <a:rPr lang="en-CA" sz="1100" dirty="0">
+                <a:latin typeface="Courier" pitchFamily="2" charset="0"/>
+              </a:rPr>
+              <a:t>       LB or Enhanced Mode        /      \       Timestamp2 Offset</a:t>
+            </a:r>
+          </a:p>
+          <a:p>
+            <a:pPr>
+              <a:lnSpc>
+                <a:spcPts val="1640"/>
+              </a:lnSpc>
+            </a:pPr>
+            <a:r>
+              <a:rPr lang="en-CA" sz="1100" dirty="0">
+                <a:latin typeface="Courier" pitchFamily="2" charset="0"/>
+              </a:rPr>
+              <a:t>     Measurement Protocol        /        \    Timestamp Format</a:t>
+            </a:r>
+          </a:p>
+          <a:p>
+            <a:pPr>
+              <a:lnSpc>
+                <a:spcPts val="1640"/>
+              </a:lnSpc>
+            </a:pPr>
+            <a:r>
+              <a:rPr lang="en-CA" sz="1100" dirty="0">
+                <a:latin typeface="Courier" pitchFamily="2" charset="0"/>
+              </a:rPr>
+              <a:t>     Missed Probe Message Count /          \</a:t>
+            </a:r>
+          </a:p>
+          <a:p>
+            <a:pPr>
+              <a:lnSpc>
+                <a:spcPts val="1640"/>
+              </a:lnSpc>
+            </a:pPr>
+            <a:r>
+              <a:rPr lang="en-CA" sz="1100" dirty="0">
+                <a:latin typeface="Courier" pitchFamily="2" charset="0"/>
+              </a:rPr>
+              <a:t>     Network Programming Label /            \</a:t>
+            </a:r>
+          </a:p>
+          <a:p>
+            <a:pPr>
+              <a:lnSpc>
+                <a:spcPts val="1640"/>
+              </a:lnSpc>
+            </a:pPr>
+            <a:r>
+              <a:rPr lang="en-CA" sz="1100" dirty="0">
+                <a:latin typeface="Courier" pitchFamily="2" charset="0"/>
+              </a:rPr>
+              <a:t>     Timestamp Format         /              \</a:t>
+            </a:r>
+          </a:p>
+          <a:p>
+            <a:pPr>
+              <a:lnSpc>
+                <a:spcPts val="1640"/>
+              </a:lnSpc>
+            </a:pPr>
+            <a:r>
+              <a:rPr lang="en-CA" sz="1100" dirty="0">
+                <a:latin typeface="Courier" pitchFamily="2" charset="0"/>
+              </a:rPr>
+              <a:t>     Delay threshold/Count   /                \</a:t>
+            </a:r>
+          </a:p>
+          <a:p>
+            <a:pPr>
+              <a:lnSpc>
+                <a:spcPts val="1640"/>
+              </a:lnSpc>
+            </a:pPr>
+            <a:r>
+              <a:rPr lang="en-CA" sz="1100" dirty="0">
+                <a:latin typeface="Courier" pitchFamily="2" charset="0"/>
+              </a:rPr>
+              <a:t>     Source/</a:t>
+            </a:r>
+            <a:r>
+              <a:rPr lang="en-CA" sz="1100" dirty="0" err="1">
+                <a:latin typeface="Courier" pitchFamily="2" charset="0"/>
+              </a:rPr>
+              <a:t>Dest</a:t>
+            </a:r>
+            <a:r>
+              <a:rPr lang="en-CA" sz="1100" dirty="0">
+                <a:latin typeface="Courier" pitchFamily="2" charset="0"/>
+              </a:rPr>
+              <a:t> UDP Ports  /                  \</a:t>
+            </a:r>
+          </a:p>
+          <a:p>
+            <a:pPr>
+              <a:lnSpc>
+                <a:spcPts val="1640"/>
+              </a:lnSpc>
+            </a:pPr>
+            <a:r>
+              <a:rPr lang="en-CA" sz="1100" dirty="0">
+                <a:latin typeface="Courier" pitchFamily="2" charset="0"/>
+              </a:rPr>
+              <a:t>                           v                    v</a:t>
+            </a:r>
+          </a:p>
+          <a:p>
+            <a:pPr>
+              <a:lnSpc>
+                <a:spcPts val="1640"/>
+              </a:lnSpc>
+            </a:pPr>
+            <a:r>
+              <a:rPr lang="en-CA" sz="1100" dirty="0">
+                <a:latin typeface="Courier" pitchFamily="2" charset="0"/>
+              </a:rPr>
+              <a:t>                       +-------+            +-------+</a:t>
+            </a:r>
+          </a:p>
+          <a:p>
+            <a:pPr>
+              <a:lnSpc>
+                <a:spcPts val="1640"/>
+              </a:lnSpc>
+            </a:pPr>
+            <a:r>
+              <a:rPr lang="en-CA" sz="1100" dirty="0">
+                <a:latin typeface="Courier" pitchFamily="2" charset="0"/>
+              </a:rPr>
+              <a:t>                       |       |            |       |</a:t>
+            </a:r>
+          </a:p>
+          <a:p>
+            <a:pPr>
+              <a:lnSpc>
+                <a:spcPts val="1640"/>
+              </a:lnSpc>
+            </a:pPr>
+            <a:r>
+              <a:rPr lang="en-CA" sz="1100" dirty="0">
+                <a:latin typeface="Courier" pitchFamily="2" charset="0"/>
+              </a:rPr>
+              <a:t>                       |   R1  |============|   R5  |</a:t>
+            </a:r>
+          </a:p>
+          <a:p>
+            <a:pPr>
+              <a:lnSpc>
+                <a:spcPts val="1640"/>
+              </a:lnSpc>
+            </a:pPr>
+            <a:r>
+              <a:rPr lang="en-CA" sz="1100" dirty="0">
+                <a:latin typeface="Courier" pitchFamily="2" charset="0"/>
+              </a:rPr>
+              <a:t>                       |       |  SR Path   |       |</a:t>
+            </a:r>
+          </a:p>
+          <a:p>
+            <a:pPr>
+              <a:lnSpc>
+                <a:spcPts val="1640"/>
+              </a:lnSpc>
+            </a:pPr>
+            <a:r>
+              <a:rPr lang="en-CA" sz="1100" dirty="0">
+                <a:latin typeface="Courier" pitchFamily="2" charset="0"/>
+              </a:rPr>
+              <a:t>                       +-------+            +-------+</a:t>
+            </a:r>
+          </a:p>
+          <a:p>
+            <a:pPr>
+              <a:lnSpc>
+                <a:spcPts val="1640"/>
+              </a:lnSpc>
+            </a:pPr>
+            <a:r>
+              <a:rPr lang="en-CA" sz="1100" dirty="0">
+                <a:latin typeface="Courier" pitchFamily="2" charset="0"/>
+              </a:rPr>
+              <a:t>                        Sender              Reflector</a:t>
+            </a:r>
+          </a:p>
+          <a:p>
+            <a:pPr>
+              <a:lnSpc>
+                <a:spcPts val="1640"/>
+              </a:lnSpc>
+            </a:pPr>
+            <a:endParaRPr lang="en-CA" sz="1100" dirty="0">
+              <a:latin typeface="Courier" pitchFamily="2" charset="0"/>
+            </a:endParaRPr>
+          </a:p>
+          <a:p>
+            <a:pPr>
+              <a:lnSpc>
+                <a:spcPts val="1640"/>
+              </a:lnSpc>
+            </a:pPr>
+            <a:r>
+              <a:rPr lang="en-CA" sz="1100" dirty="0">
+                <a:latin typeface="Courier" pitchFamily="2" charset="0"/>
+              </a:rPr>
+              <a:t>                    Figure 2: Example Provisioning Model</a:t>
+            </a:r>
+          </a:p>
+        </p:txBody>
+      </p:sp>
+    </p:spTree>
+    <p:extLst>
+      <p:ext uri="{BB962C8B-B14F-4D97-AF65-F5344CB8AC3E}">
+        <p14:creationId xmlns:p14="http://schemas.microsoft.com/office/powerpoint/2010/main" val="21907870"/>
+      </p:ext>
+    </p:extLst>
+  </p:cSld>
+  <p:clrMapOvr>
+    <a:masterClrMapping/>
+  </p:clrMapOvr>
+</p:sld>
+</file>
+
+<file path=ppt/slides/slide13.xml><?xml version="1.0" encoding="utf-8"?>
+<p:sld xmlns:a="http://schemas.openxmlformats.org/drawingml/2006/main" xmlns:r="http://schemas.openxmlformats.org/officeDocument/2006/relationships" xmlns:p="http://schemas.openxmlformats.org/presentationml/2006/main">
+  <p:cSld>
+    <p:spTree>
+      <p:nvGrpSpPr>
+        <p:cNvPr id="1" name=""/>
+        <p:cNvGrpSpPr/>
+        <p:nvPr/>
+      </p:nvGrpSpPr>
+      <p:grpSpPr>
+        <a:xfrm>
+          <a:off x="0" y="0"/>
+          <a:ext cx="0" cy="0"/>
+          <a:chOff x="0" y="0"/>
+          <a:chExt cx="0" cy="0"/>
+        </a:xfrm>
+      </p:grpSpPr>
+      <p:sp>
+        <p:nvSpPr>
           <p:cNvPr id="2" name="Title 1"/>
           <p:cNvSpPr>
             <a:spLocks noGrp="1"/>
@@ -6457,7 +7019,7 @@
               <a:pPr>
                 <a:defRPr/>
               </a:pPr>
-              <a:t>12</a:t>
+              <a:t>13</a:t>
             </a:fld>
             <a:endParaRPr lang="en-US" altLang="zh-CN"/>
           </a:p>
@@ -6476,7 +7038,7 @@
 </p:sld>
 </file>
 
-<file path=ppt/slides/slide13.xml><?xml version="1.0" encoding="utf-8"?>
+<file path=ppt/slides/slide14.xml><?xml version="1.0" encoding="utf-8"?>
 <p:sld xmlns:a="http://schemas.openxmlformats.org/drawingml/2006/main" xmlns:r="http://schemas.openxmlformats.org/officeDocument/2006/relationships" xmlns:p="http://schemas.openxmlformats.org/presentationml/2006/main">
   <p:cSld>
     <p:spTree>
@@ -6740,7 +7302,7 @@
               <a:pPr>
                 <a:defRPr/>
               </a:pPr>
-              <a:t>13</a:t>
+              <a:t>14</a:t>
             </a:fld>
             <a:endParaRPr lang="en-US" altLang="zh-CN" dirty="0"/>
           </a:p>
@@ -6759,7 +7321,7 @@
 </p:sld>
 </file>
 
-<file path=ppt/slides/slide14.xml><?xml version="1.0" encoding="utf-8"?>
+<file path=ppt/slides/slide15.xml><?xml version="1.0" encoding="utf-8"?>
 <p:sld xmlns:a="http://schemas.openxmlformats.org/drawingml/2006/main" xmlns:r="http://schemas.openxmlformats.org/officeDocument/2006/relationships" xmlns:p="http://schemas.openxmlformats.org/presentationml/2006/main">
   <p:cSld>
     <p:spTree>
@@ -8045,7 +8607,7 @@
               <a:pPr>
                 <a:defRPr/>
               </a:pPr>
-              <a:t>14</a:t>
+              <a:t>15</a:t>
             </a:fld>
             <a:endParaRPr lang="en-US" altLang="zh-CN" dirty="0"/>
           </a:p>
@@ -8801,8 +9363,8 @@
         </p:nvSpPr>
         <p:spPr>
           <a:xfrm>
-            <a:off x="393768" y="2864597"/>
-            <a:ext cx="8319052" cy="1921715"/>
+            <a:off x="533400" y="3149385"/>
+            <a:ext cx="7772400" cy="1327365"/>
           </a:xfrm>
         </p:spPr>
         <p:txBody>
@@ -8818,7 +9380,7 @@
               </a:spcBef>
             </a:pPr>
             <a:r>
-              <a:rPr lang="en-US" sz="1400" dirty="0"/>
+              <a:rPr lang="en-US" sz="1600" dirty="0"/>
               <a:t>Using PM probes (for example, TWAMP Light/STAMP delay measurement messages) in Loopback Mode</a:t>
             </a:r>
           </a:p>
@@ -8832,7 +9394,7 @@
               </a:spcBef>
             </a:pPr>
             <a:r>
-              <a:rPr lang="en-US" sz="1400" dirty="0"/>
+              <a:rPr lang="en-US" sz="1600" dirty="0"/>
               <a:t>Probe messages sent using Segment List(s) of the SR Policy Candidate Path(s)</a:t>
             </a:r>
           </a:p>
@@ -8846,8 +9408,8 @@
               </a:spcBef>
             </a:pPr>
             <a:r>
-              <a:rPr lang="en-US" sz="1400" dirty="0"/>
-              <a:t>Probe messages are not punted on the reflector node out of fast-path</a:t>
+              <a:rPr lang="en-US" sz="1600" dirty="0"/>
+              <a:t>Probe messages are not punted on the reflector node out of fast-path in forwarding</a:t>
             </a:r>
           </a:p>
           <a:p>
@@ -8859,35 +9421,7 @@
                 <a:spcPts val="0"/>
               </a:spcBef>
             </a:pPr>
-            <a:r>
-              <a:rPr lang="en-US" sz="1400" dirty="0"/>
-              <a:t>Round-trip delay (t4 - t1) metrics are notified when consecutive M number of probe messages have delay values exceed the configured thresholds</a:t>
-            </a:r>
-          </a:p>
-          <a:p>
-            <a:pPr>
-              <a:lnSpc>
-                <a:spcPts val="1960"/>
-              </a:lnSpc>
-              <a:spcBef>
-                <a:spcPts val="0"/>
-              </a:spcBef>
-            </a:pPr>
-            <a:r>
-              <a:rPr lang="en-US" sz="1400" dirty="0"/>
-              <a:t>Liveness failure is notified when consecutive N number of return probe messages are not received at the sender</a:t>
-            </a:r>
-          </a:p>
-          <a:p>
-            <a:pPr>
-              <a:lnSpc>
-                <a:spcPts val="1960"/>
-              </a:lnSpc>
-              <a:spcBef>
-                <a:spcPts val="0"/>
-              </a:spcBef>
-            </a:pPr>
-            <a:endParaRPr lang="en-US" sz="1400" dirty="0"/>
+            <a:endParaRPr lang="en-US" sz="1600" dirty="0"/>
           </a:p>
         </p:txBody>
       </p:sp>
@@ -8905,7 +9439,7 @@
         </p:nvSpPr>
         <p:spPr>
           <a:xfrm>
-            <a:off x="2362200" y="686133"/>
+            <a:off x="2409997" y="780787"/>
             <a:ext cx="4019206" cy="2092881"/>
           </a:xfrm>
           <a:prstGeom prst="rect">
@@ -9253,7 +9787,7 @@
         </p:nvSpPr>
         <p:spPr>
           <a:xfrm>
-            <a:off x="3124200" y="4964906"/>
+            <a:off x="3124200" y="4777934"/>
             <a:ext cx="2895600" cy="357188"/>
           </a:xfrm>
         </p:spPr>
@@ -9288,8 +9822,8 @@
         </p:nvSpPr>
         <p:spPr>
           <a:xfrm>
-            <a:off x="339587" y="2775680"/>
-            <a:ext cx="8464826" cy="1749049"/>
+            <a:off x="457200" y="2885657"/>
+            <a:ext cx="8153400" cy="1749049"/>
           </a:xfrm>
         </p:spPr>
         <p:txBody>
@@ -9305,7 +9839,7 @@
               </a:spcBef>
             </a:pPr>
             <a:r>
-              <a:rPr lang="en-CA" sz="1200" dirty="0"/>
+              <a:rPr lang="en-CA" sz="1400" dirty="0"/>
               <a:t>Using PM probes in loopback mode enabled with network programming function</a:t>
             </a:r>
           </a:p>
@@ -9319,8 +9853,22 @@
               </a:spcBef>
             </a:pPr>
             <a:r>
-              <a:rPr lang="en-CA" sz="1200" dirty="0"/>
+              <a:rPr lang="en-CA" sz="1400" dirty="0"/>
               <a:t>The network programming function optimizes the "operations of punt, add receive timestamp and inject the probe packet" on the reflector node</a:t>
+            </a:r>
+          </a:p>
+          <a:p>
+            <a:pPr lvl="1">
+              <a:lnSpc>
+                <a:spcPts val="1580"/>
+              </a:lnSpc>
+              <a:spcBef>
+                <a:spcPts val="600"/>
+              </a:spcBef>
+            </a:pPr>
+            <a:r>
+              <a:rPr lang="en-CA" sz="1400" dirty="0"/>
+              <a:t>As probe packets are forwarded in fast-path, faster liveness failure detection is possible</a:t>
             </a:r>
           </a:p>
           <a:p>
@@ -9333,7 +9881,7 @@
               </a:spcBef>
             </a:pPr>
             <a:r>
-              <a:rPr lang="en-CA" sz="1200" dirty="0"/>
+              <a:rPr lang="en-CA" sz="1400" dirty="0"/>
               <a:t>Reflector node adds the receive timestamp in the payload of the received probe message without punting the message</a:t>
             </a:r>
           </a:p>
@@ -9347,36 +9895,8 @@
               </a:spcBef>
             </a:pPr>
             <a:r>
-              <a:rPr lang="en-CA" sz="1200" dirty="0"/>
+              <a:rPr lang="en-CA" sz="1400" dirty="0"/>
               <a:t>Only adds the receive timestamp if the source address or destination address in the probe message matches the local node address</a:t>
-            </a:r>
-          </a:p>
-          <a:p>
-            <a:pPr>
-              <a:lnSpc>
-                <a:spcPts val="1580"/>
-              </a:lnSpc>
-              <a:spcBef>
-                <a:spcPts val="600"/>
-              </a:spcBef>
-            </a:pPr>
-            <a:r>
-              <a:rPr lang="en-US" sz="1200" dirty="0"/>
-              <a:t>One-way delay (t2 – t1) metrics are notified when consecutive M number of probe messages have delay values exceed the configured thresholds</a:t>
-            </a:r>
-          </a:p>
-          <a:p>
-            <a:pPr>
-              <a:lnSpc>
-                <a:spcPts val="1580"/>
-              </a:lnSpc>
-              <a:spcBef>
-                <a:spcPts val="600"/>
-              </a:spcBef>
-            </a:pPr>
-            <a:r>
-              <a:rPr lang="en-US" sz="1200" dirty="0"/>
-              <a:t>Liveness failure is notified when consecutive N number of return probe messages are not received at the sender</a:t>
             </a:r>
           </a:p>
         </p:txBody>
@@ -9601,8 +10121,8 @@
         </p:nvSpPr>
         <p:spPr>
           <a:xfrm>
-            <a:off x="152400" y="-19050"/>
-            <a:ext cx="8686800" cy="731027"/>
+            <a:off x="57149" y="76090"/>
+            <a:ext cx="9029700" cy="710446"/>
           </a:xfrm>
         </p:spPr>
         <p:txBody>
@@ -9610,29 +10130,143 @@
           <a:lstStyle/>
           <a:p>
             <a:r>
-              <a:rPr lang="en-US" sz="2600" dirty="0">
+              <a:rPr lang="en-US" sz="3200" b="1" dirty="0">
                 <a:solidFill>
                   <a:srgbClr val="0070C0"/>
                 </a:solidFill>
                 <a:latin typeface="Calibri Light" panose="020F0302020204030204" pitchFamily="34" charset="0"/>
                 <a:cs typeface="Calibri Light" panose="020F0302020204030204" pitchFamily="34" charset="0"/>
               </a:rPr>
-              <a:t>Example Probe Messages for Timestamp and Forward Function</a:t>
-            </a:r>
-          </a:p>
-        </p:txBody>
-      </p:sp>
-      <p:sp>
-        <p:nvSpPr>
-          <p:cNvPr id="5" name="Slide Number Placeholder 4"/>
+              <a:t>Failure Notification</a:t>
+            </a:r>
+            <a:endParaRPr lang="en-US" sz="3200" dirty="0">
+              <a:solidFill>
+                <a:srgbClr val="0070C0"/>
+              </a:solidFill>
+              <a:latin typeface="Calibri Light" panose="020F0302020204030204" pitchFamily="34" charset="0"/>
+              <a:cs typeface="Calibri Light" panose="020F0302020204030204" pitchFamily="34" charset="0"/>
+            </a:endParaRPr>
+          </a:p>
+        </p:txBody>
+      </p:sp>
+      <p:sp>
+        <p:nvSpPr>
+          <p:cNvPr id="4" name="Footer Placeholder 3"/>
           <p:cNvSpPr>
             <a:spLocks noGrp="1"/>
           </p:cNvSpPr>
           <p:nvPr>
+            <p:ph type="ftr" sz="quarter" idx="11"/>
+          </p:nvPr>
+        </p:nvSpPr>
+        <p:spPr>
+          <a:xfrm>
+            <a:off x="3124199" y="4786312"/>
+            <a:ext cx="2895600" cy="357188"/>
+          </a:xfrm>
+        </p:spPr>
+        <p:txBody>
+          <a:bodyPr/>
+          <a:lstStyle/>
+          <a:p>
+            <a:r>
+              <a:rPr lang="en-CA" dirty="0"/>
+              <a:t>108</a:t>
+            </a:r>
+            <a:r>
+              <a:rPr lang="en-CA" baseline="30000" dirty="0"/>
+              <a:t>th</a:t>
+            </a:r>
+            <a:r>
+              <a:rPr lang="en-CA" dirty="0"/>
+              <a:t> IETF Online</a:t>
+            </a:r>
+          </a:p>
+        </p:txBody>
+      </p:sp>
+      <p:sp>
+        <p:nvSpPr>
+          <p:cNvPr id="6" name="Content Placeholder 2"/>
+          <p:cNvSpPr>
+            <a:spLocks noGrp="1"/>
+          </p:cNvSpPr>
+          <p:nvPr>
+            <p:ph idx="1"/>
+          </p:nvPr>
+        </p:nvSpPr>
+        <p:spPr>
+          <a:xfrm>
+            <a:off x="647699" y="965020"/>
+            <a:ext cx="7848601" cy="3359330"/>
+          </a:xfrm>
+        </p:spPr>
+        <p:txBody>
+          <a:bodyPr/>
+          <a:lstStyle/>
+          <a:p>
+            <a:pPr>
+              <a:lnSpc>
+                <a:spcPts val="2080"/>
+              </a:lnSpc>
+              <a:spcBef>
+                <a:spcPts val="600"/>
+              </a:spcBef>
+            </a:pPr>
+            <a:r>
+              <a:rPr lang="en-US" sz="1800" dirty="0"/>
+              <a:t>The delay metrics are notified when consecutive M number of probe messages have delay values exceed the configured thresholds</a:t>
+            </a:r>
+          </a:p>
+          <a:p>
+            <a:pPr>
+              <a:lnSpc>
+                <a:spcPts val="2080"/>
+              </a:lnSpc>
+              <a:spcBef>
+                <a:spcPts val="600"/>
+              </a:spcBef>
+            </a:pPr>
+            <a:r>
+              <a:rPr lang="en-US" sz="1800" dirty="0"/>
+              <a:t>Liveness failure is notified when consecutive N number of return probe messages are not received at the sender</a:t>
+            </a:r>
+            <a:endParaRPr lang="en-CA" sz="1800" dirty="0"/>
+          </a:p>
+          <a:p>
+            <a:pPr>
+              <a:lnSpc>
+                <a:spcPts val="2080"/>
+              </a:lnSpc>
+              <a:spcBef>
+                <a:spcPts val="600"/>
+              </a:spcBef>
+            </a:pPr>
+            <a:endParaRPr lang="en-US" sz="1800" dirty="0"/>
+          </a:p>
+        </p:txBody>
+      </p:sp>
+      <p:sp>
+        <p:nvSpPr>
+          <p:cNvPr id="7" name="Slide Number Placeholder 4">
+            <a:extLst>
+              <a:ext uri="{FF2B5EF4-FFF2-40B4-BE49-F238E27FC236}">
+                <a16:creationId xmlns:a16="http://schemas.microsoft.com/office/drawing/2014/main" id="{23B8A35F-BB55-F94F-9CE5-879C79FDD88D}"/>
+              </a:ext>
+            </a:extLst>
+          </p:cNvPr>
+          <p:cNvSpPr>
+            <a:spLocks noGrp="1"/>
+          </p:cNvSpPr>
+          <p:nvPr>
             <p:ph type="sldNum" sz="quarter" idx="12"/>
           </p:nvPr>
         </p:nvSpPr>
-        <p:spPr/>
+        <p:spPr>
+          <a:xfrm>
+            <a:off x="6553200" y="4683919"/>
+            <a:ext cx="2133600" cy="357188"/>
+          </a:xfrm>
+        </p:spPr>
         <p:txBody>
           <a:bodyPr/>
           <a:lstStyle/>
@@ -9647,999 +10281,14 @@
               </a:pPr>
               <a:t>7</a:t>
             </a:fld>
-            <a:endParaRPr lang="en-US" altLang="zh-CN"/>
-          </a:p>
-        </p:txBody>
-      </p:sp>
-      <p:sp>
-        <p:nvSpPr>
-          <p:cNvPr id="6" name="Rectangle 5">
-            <a:extLst>
-              <a:ext uri="{FF2B5EF4-FFF2-40B4-BE49-F238E27FC236}">
-                <a16:creationId xmlns:a16="http://schemas.microsoft.com/office/drawing/2014/main" id="{4C15A4CE-6545-5142-97A8-EDA8B07CB60B}"/>
-              </a:ext>
-            </a:extLst>
-          </p:cNvPr>
-          <p:cNvSpPr/>
-          <p:nvPr/>
-        </p:nvSpPr>
-        <p:spPr>
-          <a:xfrm>
-            <a:off x="316648" y="1693158"/>
-            <a:ext cx="4089826" cy="3093154"/>
-          </a:xfrm>
-          <a:prstGeom prst="rect">
-            <a:avLst/>
-          </a:prstGeom>
-          <a:solidFill>
-            <a:schemeClr val="accent6">
-              <a:lumMod val="20000"/>
-              <a:lumOff val="80000"/>
-            </a:schemeClr>
-          </a:solidFill>
-        </p:spPr>
-        <p:txBody>
-          <a:bodyPr wrap="square">
-            <a:spAutoFit/>
-          </a:bodyPr>
-          <a:lstStyle/>
-          <a:p>
-            <a:r>
-              <a:rPr lang="en-CA" sz="750" dirty="0">
-                <a:latin typeface="Courier" pitchFamily="2" charset="0"/>
-              </a:rPr>
-              <a:t>  +-+-+-+-+-+-+-+-+-+-+-+-+-+-+-+-+-+-+-+-+-+-+-+-+-+-+-+-+-+-+-+-+</a:t>
-            </a:r>
-          </a:p>
-          <a:p>
-            <a:pPr>
-              <a:spcAft>
-                <a:spcPts val="0"/>
-              </a:spcAft>
-            </a:pPr>
-            <a:r>
-              <a:rPr lang="en-US" sz="750" dirty="0">
-                <a:latin typeface="Courier" pitchFamily="2" charset="0"/>
-                <a:ea typeface="Courier" charset="0"/>
-                <a:cs typeface="Courier" charset="0"/>
-              </a:rPr>
-              <a:t>  |         Sequence Number                                       |</a:t>
-            </a:r>
-          </a:p>
-          <a:p>
-            <a:pPr>
-              <a:spcAft>
-                <a:spcPts val="0"/>
-              </a:spcAft>
-            </a:pPr>
-            <a:r>
-              <a:rPr lang="en-US" sz="750" dirty="0">
-                <a:latin typeface="Courier" pitchFamily="2" charset="0"/>
-                <a:ea typeface="Courier" charset="0"/>
-                <a:cs typeface="Courier" charset="0"/>
-              </a:rPr>
-              <a:t>  +-+-+-+-+-+-+-+-+-+-+-+-+-+-+-+-+-+-+-+-+-+-+-+-+-+-+-+-+-+-+-+-+</a:t>
-            </a:r>
-          </a:p>
-          <a:p>
-            <a:pPr>
-              <a:spcAft>
-                <a:spcPts val="0"/>
-              </a:spcAft>
-            </a:pPr>
-            <a:r>
-              <a:rPr lang="en-US" sz="750" dirty="0">
-                <a:latin typeface="Courier" pitchFamily="2" charset="0"/>
-                <a:ea typeface="Courier" charset="0"/>
-                <a:cs typeface="Courier" charset="0"/>
-              </a:rPr>
-              <a:t>  </a:t>
-            </a:r>
-            <a:r>
-              <a:rPr lang="en-US" sz="750" b="1" dirty="0">
-                <a:latin typeface="Courier" pitchFamily="2" charset="0"/>
-                <a:ea typeface="Courier" charset="0"/>
-                <a:cs typeface="Courier" charset="0"/>
-              </a:rPr>
-              <a:t>|         Transmit Timestamp (t1)                               </a:t>
-            </a:r>
-            <a:r>
-              <a:rPr lang="en-US" sz="750" dirty="0">
-                <a:latin typeface="Courier" pitchFamily="2" charset="0"/>
-                <a:ea typeface="Courier" charset="0"/>
-                <a:cs typeface="Courier" charset="0"/>
-              </a:rPr>
-              <a:t>|</a:t>
-            </a:r>
-          </a:p>
-          <a:p>
-            <a:pPr>
-              <a:spcAft>
-                <a:spcPts val="0"/>
-              </a:spcAft>
-            </a:pPr>
-            <a:r>
-              <a:rPr lang="en-US" sz="750" dirty="0">
-                <a:latin typeface="Courier" pitchFamily="2" charset="0"/>
-                <a:ea typeface="Courier" charset="0"/>
-                <a:cs typeface="Courier" charset="0"/>
-              </a:rPr>
-              <a:t>  |                                                               |</a:t>
-            </a:r>
-          </a:p>
-          <a:p>
-            <a:pPr>
-              <a:spcAft>
-                <a:spcPts val="0"/>
-              </a:spcAft>
-            </a:pPr>
-            <a:r>
-              <a:rPr lang="en-US" sz="750" dirty="0">
-                <a:latin typeface="Courier" pitchFamily="2" charset="0"/>
-                <a:ea typeface="Courier" charset="0"/>
-                <a:cs typeface="Courier" charset="0"/>
-              </a:rPr>
-              <a:t>  +-+-+-+-+-+-+-+-+-+-+-+-+-+-+-+-+-+-+-+-+-+-+-+-+-+-+-+-+-+-+-+-+</a:t>
-            </a:r>
-          </a:p>
-          <a:p>
-            <a:pPr>
-              <a:spcAft>
-                <a:spcPts val="0"/>
-              </a:spcAft>
-            </a:pPr>
-            <a:r>
-              <a:rPr lang="en-US" sz="750" dirty="0">
-                <a:latin typeface="Courier" pitchFamily="2" charset="0"/>
-                <a:ea typeface="Courier" charset="0"/>
-                <a:cs typeface="Courier" charset="0"/>
-              </a:rPr>
-              <a:t>  |         Error Estimate        |    MBZ                        |</a:t>
-            </a:r>
-          </a:p>
-          <a:p>
-            <a:pPr>
-              <a:spcAft>
-                <a:spcPts val="0"/>
-              </a:spcAft>
-            </a:pPr>
-            <a:r>
-              <a:rPr lang="en-US" sz="750" dirty="0">
-                <a:latin typeface="Courier" pitchFamily="2" charset="0"/>
-                <a:ea typeface="Courier" charset="0"/>
-                <a:cs typeface="Courier" charset="0"/>
-              </a:rPr>
-              <a:t>  +-+-+-+-+-+-+-+-+-+-+-+-+-+-+-+-+-+-+-+-+-+-+-+-+-+-+-+-+-+-+-+-+</a:t>
-            </a:r>
-          </a:p>
-          <a:p>
-            <a:pPr>
-              <a:spcAft>
-                <a:spcPts val="0"/>
-              </a:spcAft>
-            </a:pPr>
-            <a:r>
-              <a:rPr lang="en-US" sz="750" dirty="0">
-                <a:latin typeface="Courier" pitchFamily="2" charset="0"/>
-                <a:ea typeface="Courier" charset="0"/>
-                <a:cs typeface="Courier" charset="0"/>
-              </a:rPr>
-              <a:t>  </a:t>
-            </a:r>
-            <a:r>
-              <a:rPr lang="en-US" sz="750" b="1" dirty="0">
-                <a:latin typeface="Courier" pitchFamily="2" charset="0"/>
-                <a:ea typeface="Courier" charset="0"/>
-                <a:cs typeface="Courier" charset="0"/>
-              </a:rPr>
-              <a:t>|         Receive Timestamp (t2)                                </a:t>
-            </a:r>
-            <a:r>
-              <a:rPr lang="en-US" sz="750" dirty="0">
-                <a:latin typeface="Courier" pitchFamily="2" charset="0"/>
-                <a:ea typeface="Courier" charset="0"/>
-                <a:cs typeface="Courier" charset="0"/>
-              </a:rPr>
-              <a:t>|</a:t>
-            </a:r>
-          </a:p>
-          <a:p>
-            <a:pPr>
-              <a:spcAft>
-                <a:spcPts val="0"/>
-              </a:spcAft>
-            </a:pPr>
-            <a:r>
-              <a:rPr lang="en-US" sz="750" dirty="0">
-                <a:latin typeface="Courier" pitchFamily="2" charset="0"/>
-                <a:ea typeface="Courier" charset="0"/>
-                <a:cs typeface="Courier" charset="0"/>
-              </a:rPr>
-              <a:t>  |                                                               |</a:t>
-            </a:r>
-          </a:p>
-          <a:p>
-            <a:pPr>
-              <a:spcAft>
-                <a:spcPts val="0"/>
-              </a:spcAft>
-            </a:pPr>
-            <a:r>
-              <a:rPr lang="en-US" sz="750" dirty="0">
-                <a:latin typeface="Courier" pitchFamily="2" charset="0"/>
-                <a:ea typeface="Courier" charset="0"/>
-                <a:cs typeface="Courier" charset="0"/>
-              </a:rPr>
-              <a:t>  +-+-+-+-+-+-+-+-+-+-+-+-+-+-+-+-+-+-+-+-+-+-+-+-+-+-+-+-+-+-+-+-+</a:t>
-            </a:r>
-          </a:p>
-          <a:p>
-            <a:pPr>
-              <a:spcAft>
-                <a:spcPts val="0"/>
-              </a:spcAft>
-            </a:pPr>
-            <a:r>
-              <a:rPr lang="en-US" sz="750" dirty="0">
-                <a:latin typeface="Courier" pitchFamily="2" charset="0"/>
-                <a:ea typeface="Courier" charset="0"/>
-                <a:cs typeface="Courier" charset="0"/>
-              </a:rPr>
-              <a:t>  |                      Sender Sequence Number                   |</a:t>
-            </a:r>
-          </a:p>
-          <a:p>
-            <a:pPr>
-              <a:spcAft>
-                <a:spcPts val="0"/>
-              </a:spcAft>
-            </a:pPr>
-            <a:r>
-              <a:rPr lang="en-US" sz="750" dirty="0">
-                <a:latin typeface="Courier" pitchFamily="2" charset="0"/>
-                <a:ea typeface="Courier" charset="0"/>
-                <a:cs typeface="Courier" charset="0"/>
-              </a:rPr>
-              <a:t>  +-+-+-+-+-+-+-+-+-+-+-+-+-+-+-+-+-+-+-+-+-+-+-+-+-+-+-+-+-+-+-+-+</a:t>
-            </a:r>
-          </a:p>
-          <a:p>
-            <a:pPr>
-              <a:spcAft>
-                <a:spcPts val="0"/>
-              </a:spcAft>
-            </a:pPr>
-            <a:r>
-              <a:rPr lang="en-US" sz="750" dirty="0">
-                <a:solidFill>
-                  <a:schemeClr val="bg1">
-                    <a:lumMod val="50000"/>
-                  </a:schemeClr>
-                </a:solidFill>
-                <a:latin typeface="Courier" pitchFamily="2" charset="0"/>
-                <a:ea typeface="Courier" charset="0"/>
-                <a:cs typeface="Courier" charset="0"/>
-              </a:rPr>
-              <a:t>  |                      Sender Timestamp                         |</a:t>
-            </a:r>
-          </a:p>
-          <a:p>
-            <a:pPr>
-              <a:spcAft>
-                <a:spcPts val="0"/>
-              </a:spcAft>
-            </a:pPr>
-            <a:r>
-              <a:rPr lang="en-US" sz="750" dirty="0">
-                <a:solidFill>
-                  <a:schemeClr val="bg1">
-                    <a:lumMod val="50000"/>
-                  </a:schemeClr>
-                </a:solidFill>
-                <a:latin typeface="Courier" pitchFamily="2" charset="0"/>
-                <a:ea typeface="Courier" charset="0"/>
-                <a:cs typeface="Courier" charset="0"/>
-              </a:rPr>
-              <a:t>  |                                                               |</a:t>
-            </a:r>
-          </a:p>
-          <a:p>
-            <a:pPr>
-              <a:spcAft>
-                <a:spcPts val="0"/>
-              </a:spcAft>
-            </a:pPr>
-            <a:r>
-              <a:rPr lang="en-US" sz="750" dirty="0">
-                <a:solidFill>
-                  <a:schemeClr val="bg1">
-                    <a:lumMod val="50000"/>
-                  </a:schemeClr>
-                </a:solidFill>
-                <a:latin typeface="Courier" pitchFamily="2" charset="0"/>
-                <a:ea typeface="Courier" charset="0"/>
-                <a:cs typeface="Courier" charset="0"/>
-              </a:rPr>
-              <a:t>  +-+-+-+-+-+-+-+-+-+-+-+-+-+-+-+-+-+-+-+-+-+-+-+-+-+-+-+-+-+-+-+-+</a:t>
-            </a:r>
-          </a:p>
-          <a:p>
-            <a:pPr>
-              <a:spcAft>
-                <a:spcPts val="0"/>
-              </a:spcAft>
-            </a:pPr>
-            <a:r>
-              <a:rPr lang="en-US" sz="750" dirty="0">
-                <a:solidFill>
-                  <a:schemeClr val="bg1">
-                    <a:lumMod val="50000"/>
-                  </a:schemeClr>
-                </a:solidFill>
-                <a:latin typeface="Courier" pitchFamily="2" charset="0"/>
-                <a:ea typeface="Courier" charset="0"/>
-                <a:cs typeface="Courier" charset="0"/>
-              </a:rPr>
-              <a:t>  |      Sender Error Estimate    |           MBZ                 |</a:t>
-            </a:r>
-          </a:p>
-          <a:p>
-            <a:pPr>
-              <a:spcAft>
-                <a:spcPts val="0"/>
-              </a:spcAft>
-            </a:pPr>
-            <a:r>
-              <a:rPr lang="en-US" sz="750" dirty="0">
-                <a:solidFill>
-                  <a:schemeClr val="bg1">
-                    <a:lumMod val="50000"/>
-                  </a:schemeClr>
-                </a:solidFill>
-                <a:latin typeface="Courier" pitchFamily="2" charset="0"/>
-                <a:ea typeface="Courier" charset="0"/>
-                <a:cs typeface="Courier" charset="0"/>
-              </a:rPr>
-              <a:t>  +-+-+-+-+-+-+-+-+-+-+-+-+-+-+-+-+-+-+-+-+-+-+-+-+-+-+-+-+-+-+-+-+</a:t>
-            </a:r>
-          </a:p>
-          <a:p>
-            <a:pPr>
-              <a:spcAft>
-                <a:spcPts val="0"/>
-              </a:spcAft>
-            </a:pPr>
-            <a:r>
-              <a:rPr lang="en-US" sz="750" dirty="0">
-                <a:solidFill>
-                  <a:schemeClr val="bg1">
-                    <a:lumMod val="50000"/>
-                  </a:schemeClr>
-                </a:solidFill>
-                <a:latin typeface="Courier" pitchFamily="2" charset="0"/>
-                <a:ea typeface="Courier" charset="0"/>
-                <a:cs typeface="Courier" charset="0"/>
-              </a:rPr>
-              <a:t>  |  Sender TTL   |                                               |</a:t>
-            </a:r>
-          </a:p>
-          <a:p>
-            <a:pPr>
-              <a:spcAft>
-                <a:spcPts val="0"/>
-              </a:spcAft>
-            </a:pPr>
-            <a:r>
-              <a:rPr lang="en-US" sz="750" dirty="0">
-                <a:solidFill>
-                  <a:schemeClr val="bg1">
-                    <a:lumMod val="50000"/>
-                  </a:schemeClr>
-                </a:solidFill>
-                <a:latin typeface="Courier" pitchFamily="2" charset="0"/>
-                <a:ea typeface="Courier" charset="0"/>
-                <a:cs typeface="Courier" charset="0"/>
-              </a:rPr>
-              <a:t>  +-+-+-+-+-+-+-+-+                                               |</a:t>
-            </a:r>
-          </a:p>
-          <a:p>
-            <a:pPr>
-              <a:spcAft>
-                <a:spcPts val="0"/>
-              </a:spcAft>
-            </a:pPr>
-            <a:r>
-              <a:rPr lang="en-US" sz="750" dirty="0">
-                <a:solidFill>
-                  <a:schemeClr val="bg1">
-                    <a:lumMod val="50000"/>
-                  </a:schemeClr>
-                </a:solidFill>
-                <a:latin typeface="Courier" pitchFamily="2" charset="0"/>
-                <a:ea typeface="Courier" charset="0"/>
-                <a:cs typeface="Courier" charset="0"/>
-              </a:rPr>
-              <a:t>  |                                                               |</a:t>
-            </a:r>
-          </a:p>
-          <a:p>
-            <a:pPr>
-              <a:spcAft>
-                <a:spcPts val="0"/>
-              </a:spcAft>
-            </a:pPr>
-            <a:r>
-              <a:rPr lang="en-US" sz="750" dirty="0">
-                <a:solidFill>
-                  <a:schemeClr val="bg1">
-                    <a:lumMod val="50000"/>
-                  </a:schemeClr>
-                </a:solidFill>
-                <a:latin typeface="Courier" pitchFamily="2" charset="0"/>
-                <a:ea typeface="Courier" charset="0"/>
-                <a:cs typeface="Courier" charset="0"/>
-              </a:rPr>
-              <a:t>  ~                      Padding                                  ~</a:t>
-            </a:r>
-          </a:p>
-          <a:p>
-            <a:pPr>
-              <a:spcAft>
-                <a:spcPts val="0"/>
-              </a:spcAft>
-            </a:pPr>
-            <a:r>
-              <a:rPr lang="en-US" sz="750" dirty="0">
-                <a:solidFill>
-                  <a:schemeClr val="bg1">
-                    <a:lumMod val="50000"/>
-                  </a:schemeClr>
-                </a:solidFill>
-                <a:latin typeface="Courier" pitchFamily="2" charset="0"/>
-                <a:ea typeface="Courier" charset="0"/>
-                <a:cs typeface="Courier" charset="0"/>
-              </a:rPr>
-              <a:t>  |                                                               |</a:t>
-            </a:r>
-          </a:p>
-          <a:p>
-            <a:pPr>
-              <a:spcAft>
-                <a:spcPts val="0"/>
-              </a:spcAft>
-            </a:pPr>
-            <a:r>
-              <a:rPr lang="en-US" sz="750" dirty="0">
-                <a:solidFill>
-                  <a:schemeClr val="bg1">
-                    <a:lumMod val="50000"/>
-                  </a:schemeClr>
-                </a:solidFill>
-                <a:latin typeface="Courier" pitchFamily="2" charset="0"/>
-                <a:ea typeface="Courier" charset="0"/>
-                <a:cs typeface="Courier" charset="0"/>
-              </a:rPr>
-              <a:t>  +-+-+-+-+-+-+-+-+-+-+-+-+-+-+-+-+-+-+-+-+-+-+-+-+-+-+-+-+-+-+-+-+</a:t>
-            </a:r>
-          </a:p>
-          <a:p>
-            <a:pPr>
-              <a:spcAft>
-                <a:spcPts val="0"/>
-              </a:spcAft>
-            </a:pPr>
-            <a:endParaRPr lang="en-CA" sz="750" dirty="0">
-              <a:solidFill>
-                <a:schemeClr val="bg2">
-                  <a:lumMod val="50000"/>
-                </a:schemeClr>
-              </a:solidFill>
-              <a:latin typeface="Courier" pitchFamily="2" charset="0"/>
-            </a:endParaRPr>
-          </a:p>
-          <a:p>
-            <a:r>
-              <a:rPr lang="en-CA" sz="750" dirty="0">
-                <a:latin typeface="Courier" pitchFamily="2" charset="0"/>
-              </a:rPr>
-              <a:t>              Figure: TWAMP Light Probe Message Format</a:t>
-            </a:r>
-            <a:endParaRPr lang="en-US" sz="750" dirty="0">
-              <a:latin typeface="Courier" pitchFamily="2" charset="0"/>
-            </a:endParaRPr>
-          </a:p>
-        </p:txBody>
-      </p:sp>
-      <p:sp>
-        <p:nvSpPr>
-          <p:cNvPr id="8" name="Content Placeholder 7">
-            <a:extLst>
-              <a:ext uri="{FF2B5EF4-FFF2-40B4-BE49-F238E27FC236}">
-                <a16:creationId xmlns:a16="http://schemas.microsoft.com/office/drawing/2014/main" id="{FC6E1890-536D-9D49-8207-C42BBF301FF3}"/>
-              </a:ext>
-            </a:extLst>
-          </p:cNvPr>
-          <p:cNvSpPr>
-            <a:spLocks noGrp="1"/>
-          </p:cNvSpPr>
-          <p:nvPr>
-            <p:ph idx="1"/>
-          </p:nvPr>
-        </p:nvSpPr>
-        <p:spPr>
-          <a:xfrm>
-            <a:off x="329775" y="634676"/>
-            <a:ext cx="8433225" cy="988236"/>
-          </a:xfrm>
-        </p:spPr>
-        <p:txBody>
-          <a:bodyPr/>
-          <a:lstStyle/>
-          <a:p>
-            <a:r>
-              <a:rPr lang="en-US" sz="1400" dirty="0"/>
-              <a:t>Sender adds Transmit Timestamp (t1)</a:t>
-            </a:r>
-          </a:p>
-          <a:p>
-            <a:r>
-              <a:rPr lang="en-US" sz="1400" dirty="0"/>
-              <a:t>Reflector adds Receive Timestamp (t2) at fixed offset in payload locally provisioned (consistently in the network)</a:t>
-            </a:r>
-          </a:p>
-          <a:p>
-            <a:pPr lvl="1"/>
-            <a:r>
-              <a:rPr lang="en-US" sz="1400" dirty="0"/>
-              <a:t>E.g. offset-byte 16 from the start of the payload</a:t>
-            </a:r>
-          </a:p>
-        </p:txBody>
-      </p:sp>
-      <p:sp>
-        <p:nvSpPr>
-          <p:cNvPr id="4" name="Footer Placeholder 3"/>
-          <p:cNvSpPr>
-            <a:spLocks noGrp="1"/>
-          </p:cNvSpPr>
-          <p:nvPr>
-            <p:ph type="ftr" sz="quarter" idx="11"/>
-          </p:nvPr>
-        </p:nvSpPr>
-        <p:spPr>
-          <a:xfrm>
-            <a:off x="3124200" y="4786312"/>
-            <a:ext cx="2895600" cy="357188"/>
-          </a:xfrm>
-        </p:spPr>
-        <p:txBody>
-          <a:bodyPr/>
-          <a:lstStyle/>
-          <a:p>
-            <a:r>
-              <a:rPr lang="en-CA" dirty="0"/>
-              <a:t>108</a:t>
-            </a:r>
-            <a:r>
-              <a:rPr lang="en-CA" baseline="30000" dirty="0"/>
-              <a:t>th</a:t>
-            </a:r>
-            <a:r>
-              <a:rPr lang="en-CA" dirty="0"/>
-              <a:t> IETF Online</a:t>
-            </a:r>
-          </a:p>
-        </p:txBody>
-      </p:sp>
-      <p:sp>
-        <p:nvSpPr>
-          <p:cNvPr id="7" name="Rectangle 6">
-            <a:extLst>
-              <a:ext uri="{FF2B5EF4-FFF2-40B4-BE49-F238E27FC236}">
-                <a16:creationId xmlns:a16="http://schemas.microsoft.com/office/drawing/2014/main" id="{379A9A6A-2ADE-4772-8A9B-054CD2389A6C}"/>
-              </a:ext>
-            </a:extLst>
-          </p:cNvPr>
-          <p:cNvSpPr/>
-          <p:nvPr/>
-        </p:nvSpPr>
-        <p:spPr>
-          <a:xfrm>
-            <a:off x="4673174" y="1693158"/>
-            <a:ext cx="4089826" cy="2631490"/>
-          </a:xfrm>
-          <a:prstGeom prst="rect">
-            <a:avLst/>
-          </a:prstGeom>
-          <a:solidFill>
-            <a:schemeClr val="accent6">
-              <a:lumMod val="20000"/>
-              <a:lumOff val="80000"/>
-            </a:schemeClr>
-          </a:solidFill>
-        </p:spPr>
-        <p:txBody>
-          <a:bodyPr wrap="square">
-            <a:spAutoFit/>
-          </a:bodyPr>
-          <a:lstStyle/>
-          <a:p>
-            <a:r>
-              <a:rPr lang="en-CA" sz="750" dirty="0">
-                <a:latin typeface="Courier" pitchFamily="2" charset="0"/>
-              </a:rPr>
-              <a:t>  +-+-+-+-+-+-+-+-+-+-+-+-+-+-+-+-+-+-+-+-+-+-+-+-+-+-+-+-+-+-+-+-+</a:t>
-            </a:r>
-          </a:p>
-          <a:p>
-            <a:pPr>
-              <a:spcAft>
-                <a:spcPts val="0"/>
-              </a:spcAft>
-            </a:pPr>
-            <a:r>
-              <a:rPr lang="en-US" sz="750" dirty="0">
-                <a:latin typeface="Courier" pitchFamily="2" charset="0"/>
-                <a:ea typeface="Courier" charset="0"/>
-                <a:cs typeface="Courier" charset="0"/>
-              </a:rPr>
-              <a:t>  |         Sequence Number                                       |</a:t>
-            </a:r>
-          </a:p>
-          <a:p>
-            <a:pPr>
-              <a:spcAft>
-                <a:spcPts val="0"/>
-              </a:spcAft>
-            </a:pPr>
-            <a:r>
-              <a:rPr lang="en-US" sz="750" dirty="0">
-                <a:latin typeface="Courier" pitchFamily="2" charset="0"/>
-                <a:ea typeface="Courier" charset="0"/>
-                <a:cs typeface="Courier" charset="0"/>
-              </a:rPr>
-              <a:t>  +-+-+-+-+-+-+-+-+-+-+-+-+-+-+-+-+-+-+-+-+-+-+-+-+-+-+-+-+-+-+-+-+</a:t>
-            </a:r>
-          </a:p>
-          <a:p>
-            <a:pPr>
-              <a:spcAft>
-                <a:spcPts val="0"/>
-              </a:spcAft>
-            </a:pPr>
-            <a:r>
-              <a:rPr lang="en-US" sz="750" b="1" dirty="0">
-                <a:latin typeface="Courier" pitchFamily="2" charset="0"/>
-                <a:ea typeface="Courier" charset="0"/>
-                <a:cs typeface="Courier" charset="0"/>
-              </a:rPr>
-              <a:t>  |         Transmit Timestamp (t1)                               |</a:t>
-            </a:r>
-          </a:p>
-          <a:p>
-            <a:pPr>
-              <a:spcAft>
-                <a:spcPts val="0"/>
-              </a:spcAft>
-            </a:pPr>
-            <a:r>
-              <a:rPr lang="en-US" sz="750" dirty="0">
-                <a:latin typeface="Courier" pitchFamily="2" charset="0"/>
-                <a:ea typeface="Courier" charset="0"/>
-                <a:cs typeface="Courier" charset="0"/>
-              </a:rPr>
-              <a:t>  |                                                               |</a:t>
-            </a:r>
-          </a:p>
-          <a:p>
-            <a:pPr>
-              <a:spcAft>
-                <a:spcPts val="0"/>
-              </a:spcAft>
-            </a:pPr>
-            <a:r>
-              <a:rPr lang="en-US" sz="750" dirty="0">
-                <a:latin typeface="Courier" pitchFamily="2" charset="0"/>
-                <a:ea typeface="Courier" charset="0"/>
-                <a:cs typeface="Courier" charset="0"/>
-              </a:rPr>
-              <a:t>  +-+-+-+-+-+-+-+-+-+-+-+-+-+-+-+-+-+-+-+-+-+-+-+-+-+-+-+-+-+-+-+-+</a:t>
-            </a:r>
-          </a:p>
-          <a:p>
-            <a:pPr>
-              <a:spcAft>
-                <a:spcPts val="0"/>
-              </a:spcAft>
-            </a:pPr>
-            <a:r>
-              <a:rPr lang="en-US" sz="750" dirty="0">
-                <a:latin typeface="Courier" pitchFamily="2" charset="0"/>
-                <a:ea typeface="Courier" charset="0"/>
-                <a:cs typeface="Courier" charset="0"/>
-              </a:rPr>
-              <a:t>  |         Error Estimate        |    </a:t>
-            </a:r>
-            <a:r>
-              <a:rPr lang="en-US" sz="750" b="1" dirty="0">
-                <a:latin typeface="Courier" pitchFamily="2" charset="0"/>
-                <a:ea typeface="Courier" charset="0"/>
-                <a:cs typeface="Courier" charset="0"/>
-              </a:rPr>
-              <a:t>SSID</a:t>
-            </a:r>
-            <a:r>
-              <a:rPr lang="en-US" sz="750" dirty="0">
-                <a:latin typeface="Courier" pitchFamily="2" charset="0"/>
-                <a:ea typeface="Courier" charset="0"/>
-                <a:cs typeface="Courier" charset="0"/>
-              </a:rPr>
-              <a:t>                       |</a:t>
-            </a:r>
-          </a:p>
-          <a:p>
-            <a:pPr>
-              <a:spcAft>
-                <a:spcPts val="0"/>
-              </a:spcAft>
-            </a:pPr>
-            <a:r>
-              <a:rPr lang="en-US" sz="750" dirty="0">
-                <a:latin typeface="Courier" pitchFamily="2" charset="0"/>
-                <a:ea typeface="Courier" charset="0"/>
-                <a:cs typeface="Courier" charset="0"/>
-              </a:rPr>
-              <a:t>  +-+-+-+-+-+-+-+-+-+-+-+-+-+-+-+-+-+-+-+-+-+-+-+-+-+-+-+-+-+-+-+-+</a:t>
-            </a:r>
-          </a:p>
-          <a:p>
-            <a:pPr>
-              <a:spcAft>
-                <a:spcPts val="0"/>
-              </a:spcAft>
-            </a:pPr>
-            <a:r>
-              <a:rPr lang="en-US" sz="750" b="1" dirty="0">
-                <a:latin typeface="Courier" pitchFamily="2" charset="0"/>
-                <a:ea typeface="Courier" charset="0"/>
-                <a:cs typeface="Courier" charset="0"/>
-              </a:rPr>
-              <a:t>  |         Receive Timestamp (t2)                                |</a:t>
-            </a:r>
-          </a:p>
-          <a:p>
-            <a:pPr>
-              <a:spcAft>
-                <a:spcPts val="0"/>
-              </a:spcAft>
-            </a:pPr>
-            <a:r>
-              <a:rPr lang="en-US" sz="750" dirty="0">
-                <a:latin typeface="Courier" pitchFamily="2" charset="0"/>
-                <a:ea typeface="Courier" charset="0"/>
-                <a:cs typeface="Courier" charset="0"/>
-              </a:rPr>
-              <a:t>  |                                                               |</a:t>
-            </a:r>
-          </a:p>
-          <a:p>
-            <a:pPr>
-              <a:spcAft>
-                <a:spcPts val="0"/>
-              </a:spcAft>
-            </a:pPr>
-            <a:r>
-              <a:rPr lang="en-US" sz="750" dirty="0">
-                <a:latin typeface="Courier" pitchFamily="2" charset="0"/>
-                <a:ea typeface="Courier" charset="0"/>
-                <a:cs typeface="Courier" charset="0"/>
-              </a:rPr>
-              <a:t>  +-+-+-+-+-+-+-+-+-+-+-+-+-+-+-+-+-+-+-+-+-+-+-+-+-+-+-+-+-+-+-+-+</a:t>
-            </a:r>
-          </a:p>
-          <a:p>
-            <a:pPr>
-              <a:spcAft>
-                <a:spcPts val="0"/>
-              </a:spcAft>
-            </a:pPr>
-            <a:r>
-              <a:rPr lang="en-US" sz="750" dirty="0">
-                <a:latin typeface="Courier" pitchFamily="2" charset="0"/>
-                <a:ea typeface="Courier" charset="0"/>
-                <a:cs typeface="Courier" charset="0"/>
-              </a:rPr>
-              <a:t>  |                      Sender Sequence Number                   |</a:t>
-            </a:r>
-          </a:p>
-          <a:p>
-            <a:pPr>
-              <a:spcAft>
-                <a:spcPts val="0"/>
-              </a:spcAft>
-            </a:pPr>
-            <a:r>
-              <a:rPr lang="en-US" sz="750" dirty="0">
-                <a:latin typeface="Courier" pitchFamily="2" charset="0"/>
-                <a:ea typeface="Courier" charset="0"/>
-                <a:cs typeface="Courier" charset="0"/>
-              </a:rPr>
-              <a:t>  +-+-+-+-+-+-+-+-+-+-+-+-+-+-+-+-+-+-+-+-+-+-+-+-+-+-+-+-+-+-+-+-+</a:t>
-            </a:r>
-          </a:p>
-          <a:p>
-            <a:pPr>
-              <a:spcAft>
-                <a:spcPts val="0"/>
-              </a:spcAft>
-            </a:pPr>
-            <a:r>
-              <a:rPr lang="en-US" sz="750" dirty="0">
-                <a:solidFill>
-                  <a:schemeClr val="bg1">
-                    <a:lumMod val="50000"/>
-                  </a:schemeClr>
-                </a:solidFill>
-                <a:latin typeface="Courier" pitchFamily="2" charset="0"/>
-                <a:ea typeface="Courier" charset="0"/>
-                <a:cs typeface="Courier" charset="0"/>
-              </a:rPr>
-              <a:t>  |                      Sender Timestamp                         |</a:t>
-            </a:r>
-          </a:p>
-          <a:p>
-            <a:pPr>
-              <a:spcAft>
-                <a:spcPts val="0"/>
-              </a:spcAft>
-            </a:pPr>
-            <a:r>
-              <a:rPr lang="en-US" sz="750" dirty="0">
-                <a:solidFill>
-                  <a:schemeClr val="bg1">
-                    <a:lumMod val="50000"/>
-                  </a:schemeClr>
-                </a:solidFill>
-                <a:latin typeface="Courier" pitchFamily="2" charset="0"/>
-                <a:ea typeface="Courier" charset="0"/>
-                <a:cs typeface="Courier" charset="0"/>
-              </a:rPr>
-              <a:t>  |                                                               |</a:t>
-            </a:r>
-          </a:p>
-          <a:p>
-            <a:pPr>
-              <a:spcAft>
-                <a:spcPts val="0"/>
-              </a:spcAft>
-            </a:pPr>
-            <a:r>
-              <a:rPr lang="en-US" sz="750" dirty="0">
-                <a:solidFill>
-                  <a:schemeClr val="bg1">
-                    <a:lumMod val="50000"/>
-                  </a:schemeClr>
-                </a:solidFill>
-                <a:latin typeface="Courier" pitchFamily="2" charset="0"/>
-                <a:ea typeface="Courier" charset="0"/>
-                <a:cs typeface="Courier" charset="0"/>
-              </a:rPr>
-              <a:t>  +-+-+-+-+-+-+-+-+-+-+-+-+-+-+-+-+-+-+-+-+-+-+-+-+-+-+-+-+-+-+-+-+</a:t>
-            </a:r>
-          </a:p>
-          <a:p>
-            <a:pPr>
-              <a:spcAft>
-                <a:spcPts val="0"/>
-              </a:spcAft>
-            </a:pPr>
-            <a:r>
-              <a:rPr lang="en-US" sz="750" dirty="0">
-                <a:solidFill>
-                  <a:schemeClr val="bg1">
-                    <a:lumMod val="50000"/>
-                  </a:schemeClr>
-                </a:solidFill>
-                <a:latin typeface="Courier" pitchFamily="2" charset="0"/>
-                <a:ea typeface="Courier" charset="0"/>
-                <a:cs typeface="Courier" charset="0"/>
-              </a:rPr>
-              <a:t>  |      Sender Error Estimate    |           MBZ                 |</a:t>
-            </a:r>
-          </a:p>
-          <a:p>
-            <a:pPr>
-              <a:spcAft>
-                <a:spcPts val="0"/>
-              </a:spcAft>
-            </a:pPr>
-            <a:r>
-              <a:rPr lang="en-US" sz="750" dirty="0">
-                <a:solidFill>
-                  <a:schemeClr val="bg1">
-                    <a:lumMod val="50000"/>
-                  </a:schemeClr>
-                </a:solidFill>
-                <a:latin typeface="Courier" pitchFamily="2" charset="0"/>
-                <a:ea typeface="Courier" charset="0"/>
-                <a:cs typeface="Courier" charset="0"/>
-              </a:rPr>
-              <a:t>  +-+-+-+-+-+-+-+-+-+-+-+-+-+-+-+-+-+-+-+-+-+-+-+-+-+-+-+-+-+-+-+-+</a:t>
-            </a:r>
-          </a:p>
-          <a:p>
-            <a:pPr>
-              <a:spcAft>
-                <a:spcPts val="0"/>
-              </a:spcAft>
-            </a:pPr>
-            <a:r>
-              <a:rPr lang="en-US" sz="750" dirty="0">
-                <a:solidFill>
-                  <a:schemeClr val="bg1">
-                    <a:lumMod val="50000"/>
-                  </a:schemeClr>
-                </a:solidFill>
-                <a:latin typeface="Courier" pitchFamily="2" charset="0"/>
-                <a:ea typeface="Courier" charset="0"/>
-                <a:cs typeface="Courier" charset="0"/>
-              </a:rPr>
-              <a:t>  |  Sender TTL   |      MBZ                                      |</a:t>
-            </a:r>
-          </a:p>
-          <a:p>
-            <a:pPr>
-              <a:spcAft>
-                <a:spcPts val="0"/>
-              </a:spcAft>
-            </a:pPr>
-            <a:r>
-              <a:rPr lang="en-US" sz="750" dirty="0">
-                <a:solidFill>
-                  <a:schemeClr val="bg1">
-                    <a:lumMod val="50000"/>
-                  </a:schemeClr>
-                </a:solidFill>
-                <a:latin typeface="Courier" pitchFamily="2" charset="0"/>
-                <a:ea typeface="Courier" charset="0"/>
-                <a:cs typeface="Courier" charset="0"/>
-              </a:rPr>
-              <a:t>  +-+-+-+-+-+-+-+-+-+-+-+-+-+-+-+-+-+-+-+-+-+-+-+-+-+-+-+-+-+-+-+-+</a:t>
-            </a:r>
-          </a:p>
-          <a:p>
-            <a:pPr>
-              <a:spcAft>
-                <a:spcPts val="0"/>
-              </a:spcAft>
-            </a:pPr>
-            <a:endParaRPr lang="en-CA" sz="750" dirty="0">
-              <a:solidFill>
-                <a:schemeClr val="bg2">
-                  <a:lumMod val="50000"/>
-                </a:schemeClr>
-              </a:solidFill>
-              <a:latin typeface="Courier" pitchFamily="2" charset="0"/>
-            </a:endParaRPr>
-          </a:p>
-          <a:p>
-            <a:r>
-              <a:rPr lang="en-CA" sz="750" dirty="0">
-                <a:latin typeface="Courier" pitchFamily="2" charset="0"/>
-              </a:rPr>
-              <a:t>                  Figure: STAMP Probe Message Format</a:t>
-            </a:r>
-            <a:endParaRPr lang="en-US" sz="750" dirty="0">
-              <a:latin typeface="Courier" pitchFamily="2" charset="0"/>
-            </a:endParaRPr>
+            <a:endParaRPr lang="en-US" altLang="zh-CN" dirty="0"/>
           </a:p>
         </p:txBody>
       </p:sp>
     </p:spTree>
     <p:extLst>
       <p:ext uri="{BB962C8B-B14F-4D97-AF65-F5344CB8AC3E}">
-        <p14:creationId xmlns:p14="http://schemas.microsoft.com/office/powerpoint/2010/main" val="3909069486"/>
+        <p14:creationId xmlns:p14="http://schemas.microsoft.com/office/powerpoint/2010/main" val="2048392281"/>
       </p:ext>
     </p:extLst>
   </p:cSld>
@@ -10678,8 +10327,8 @@
         </p:nvSpPr>
         <p:spPr>
           <a:xfrm>
-            <a:off x="0" y="0"/>
-            <a:ext cx="9144000" cy="640642"/>
+            <a:off x="152400" y="-19050"/>
+            <a:ext cx="8686800" cy="731027"/>
           </a:xfrm>
         </p:spPr>
         <p:txBody>
@@ -10687,49 +10336,14 @@
           <a:lstStyle/>
           <a:p>
             <a:r>
-              <a:rPr lang="en-US" sz="3000" dirty="0">
+              <a:rPr lang="en-US" sz="2600" dirty="0">
                 <a:solidFill>
                   <a:srgbClr val="0070C0"/>
                 </a:solidFill>
                 <a:latin typeface="Calibri Light" panose="020F0302020204030204" pitchFamily="34" charset="0"/>
                 <a:cs typeface="Calibri Light" panose="020F0302020204030204" pitchFamily="34" charset="0"/>
               </a:rPr>
-              <a:t>SR-MPLS with Timestamp and Forward Function</a:t>
-            </a:r>
-          </a:p>
-        </p:txBody>
-      </p:sp>
-      <p:sp>
-        <p:nvSpPr>
-          <p:cNvPr id="4" name="Footer Placeholder 3"/>
-          <p:cNvSpPr>
-            <a:spLocks noGrp="1"/>
-          </p:cNvSpPr>
-          <p:nvPr>
-            <p:ph type="ftr" sz="quarter" idx="11"/>
-          </p:nvPr>
-        </p:nvSpPr>
-        <p:spPr>
-          <a:xfrm>
-            <a:off x="2836126" y="4786312"/>
-            <a:ext cx="2895600" cy="357188"/>
-          </a:xfrm>
-        </p:spPr>
-        <p:txBody>
-          <a:bodyPr/>
-          <a:lstStyle/>
-          <a:p>
-            <a:r>
-              <a:rPr lang="en-CA" dirty="0"/>
-              <a:t>108</a:t>
-            </a:r>
-            <a:r>
-              <a:rPr lang="en-CA" baseline="30000" dirty="0"/>
-              <a:t>th</a:t>
-            </a:r>
-            <a:r>
-              <a:rPr lang="en-CA" dirty="0"/>
-              <a:t> IETF Online</a:t>
+              <a:t>Example Probe Messages for Timestamp and Forward Function</a:t>
             </a:r>
           </a:p>
         </p:txBody>
@@ -10777,8 +10391,8 @@
         </p:nvSpPr>
         <p:spPr>
           <a:xfrm>
-            <a:off x="332214" y="615197"/>
-            <a:ext cx="4696986" cy="3970318"/>
+            <a:off x="316648" y="1693158"/>
+            <a:ext cx="4089826" cy="3093154"/>
           </a:xfrm>
           <a:prstGeom prst="rect">
             <a:avLst/>
@@ -10797,72 +10411,467 @@
           <a:lstStyle/>
           <a:p>
             <a:r>
-              <a:rPr lang="en-CA" sz="900" dirty="0">
-                <a:latin typeface="Courier" pitchFamily="2" charset="0"/>
-              </a:rPr>
-              <a:t>0 1 2 3 4 5 6 7 8 9 0 1 2 3 4 5 6 7 8 9 0 1 2 3 4 5 6 7 8 9 0 1   +-+-+-+-+-+-+-+-+-+-+-+-+-+-+-+-+-+-+-+-+-+-+-+-+-+-+-+-+-+-+-+-+ |            Label(1)                   | TC  |S|      TTL      | +-+-+-+-+-+-+-+-+-+-+-+-+-+-+-+-+-+-+-+-+-+-+-+-+-+-+-+-+-+-+-+-+ .                                                               . .                                                               . .                                                               . +-+-+-+-+-+-+-+-+-+-+-+-+-+-+-+-+-+-+-+-+-+-+-+-+-+-+-+-+-+-+-+-+ |            Label(n)                   | TC  |S|      TTL      | +-+-+-+-+-+-+-+-+-+-+-+-+-+-+-+-+-+-+-+-+-+-+-+-+-+-+-+-+-+-+-+-+ |            </a:t>
-            </a:r>
-            <a:r>
-              <a:rPr lang="en-CA" sz="900" b="1" dirty="0">
-                <a:latin typeface="Courier" pitchFamily="2" charset="0"/>
-              </a:rPr>
-              <a:t>Timestamp Label (TBA1)     </a:t>
-            </a:r>
-            <a:r>
-              <a:rPr lang="en-CA" sz="900" dirty="0">
-                <a:latin typeface="Courier" pitchFamily="2" charset="0"/>
-              </a:rPr>
-              <a:t>| TC  |S|      TTL      | +-+-+-+-+-+-+-+-+-+-+-+-+-+-+-+-+-+-+-+-+-+-+-+-+-+-+-+-+-+-+-+-+ | IP Header                                                     | .  Source IP Address = </a:t>
-            </a:r>
-            <a:r>
-              <a:rPr lang="en-CA" sz="900" b="1" dirty="0">
-                <a:latin typeface="Courier" pitchFamily="2" charset="0"/>
-              </a:rPr>
-              <a:t>Reflector</a:t>
-            </a:r>
-            <a:r>
-              <a:rPr lang="en-CA" sz="900" dirty="0">
-                <a:latin typeface="Courier" pitchFamily="2" charset="0"/>
-              </a:rPr>
-              <a:t> IPv4 or IPv6 Address           . .  Destination IP Address = </a:t>
-            </a:r>
-            <a:r>
-              <a:rPr lang="en-CA" sz="900" b="1" dirty="0">
-                <a:latin typeface="Courier" pitchFamily="2" charset="0"/>
-              </a:rPr>
-              <a:t>Sender</a:t>
-            </a:r>
-            <a:r>
-              <a:rPr lang="en-CA" sz="900" dirty="0">
-                <a:latin typeface="Courier" pitchFamily="2" charset="0"/>
-              </a:rPr>
-              <a:t> IPv4 or IPv6 Address         . .  Protocol = UDP                                               . .                                                               . +---------------------------------------------------------------+ | UDP Header                                                    | .  Source Port = As chosen by Sender                            . .  Destination Port = As chosen by Sender                       . .                                                               . +---------------------------------------------------------------+ | Payload                                                       | </a:t>
-            </a:r>
-          </a:p>
-          <a:p>
-            <a:r>
-              <a:rPr lang="en-CA" sz="900" dirty="0">
-                <a:latin typeface="Courier" pitchFamily="2" charset="0"/>
-              </a:rPr>
-              <a:t>.                                                               . +---------------------------------------------------------------+</a:t>
-            </a:r>
-          </a:p>
-          <a:p>
-            <a:r>
-              <a:rPr lang="en-CA" sz="900" dirty="0">
-                <a:latin typeface="Courier" pitchFamily="2" charset="0"/>
-              </a:rPr>
-              <a:t>    </a:t>
-            </a:r>
-          </a:p>
-          <a:p>
-            <a:r>
-              <a:rPr lang="en-CA" sz="900" dirty="0">
-                <a:latin typeface="Courier" pitchFamily="2" charset="0"/>
-              </a:rPr>
-              <a:t>     Example Probe Message with Timestamp Label for SR-MPLS</a:t>
-            </a:r>
-            <a:endParaRPr lang="en-US" sz="900" dirty="0">
+              <a:rPr lang="en-CA" sz="750" dirty="0">
+                <a:latin typeface="Courier" pitchFamily="2" charset="0"/>
+              </a:rPr>
+              <a:t>  +-+-+-+-+-+-+-+-+-+-+-+-+-+-+-+-+-+-+-+-+-+-+-+-+-+-+-+-+-+-+-+-+</a:t>
+            </a:r>
+          </a:p>
+          <a:p>
+            <a:pPr>
+              <a:spcAft>
+                <a:spcPts val="0"/>
+              </a:spcAft>
+            </a:pPr>
+            <a:r>
+              <a:rPr lang="en-US" sz="750" dirty="0">
+                <a:latin typeface="Courier" pitchFamily="2" charset="0"/>
+                <a:ea typeface="Courier" charset="0"/>
+                <a:cs typeface="Courier" charset="0"/>
+              </a:rPr>
+              <a:t>  |         Sequence Number                                       |</a:t>
+            </a:r>
+          </a:p>
+          <a:p>
+            <a:pPr>
+              <a:spcAft>
+                <a:spcPts val="0"/>
+              </a:spcAft>
+            </a:pPr>
+            <a:r>
+              <a:rPr lang="en-US" sz="750" dirty="0">
+                <a:latin typeface="Courier" pitchFamily="2" charset="0"/>
+                <a:ea typeface="Courier" charset="0"/>
+                <a:cs typeface="Courier" charset="0"/>
+              </a:rPr>
+              <a:t>  +-+-+-+-+-+-+-+-+-+-+-+-+-+-+-+-+-+-+-+-+-+-+-+-+-+-+-+-+-+-+-+-+</a:t>
+            </a:r>
+          </a:p>
+          <a:p>
+            <a:pPr>
+              <a:spcAft>
+                <a:spcPts val="0"/>
+              </a:spcAft>
+            </a:pPr>
+            <a:r>
+              <a:rPr lang="en-US" sz="750" dirty="0">
+                <a:latin typeface="Courier" pitchFamily="2" charset="0"/>
+                <a:ea typeface="Courier" charset="0"/>
+                <a:cs typeface="Courier" charset="0"/>
+              </a:rPr>
+              <a:t>  </a:t>
+            </a:r>
+            <a:r>
+              <a:rPr lang="en-US" sz="750" b="1" dirty="0">
+                <a:latin typeface="Courier" pitchFamily="2" charset="0"/>
+                <a:ea typeface="Courier" charset="0"/>
+                <a:cs typeface="Courier" charset="0"/>
+              </a:rPr>
+              <a:t>|         Transmit Timestamp (t1)                               </a:t>
+            </a:r>
+            <a:r>
+              <a:rPr lang="en-US" sz="750" dirty="0">
+                <a:latin typeface="Courier" pitchFamily="2" charset="0"/>
+                <a:ea typeface="Courier" charset="0"/>
+                <a:cs typeface="Courier" charset="0"/>
+              </a:rPr>
+              <a:t>|</a:t>
+            </a:r>
+          </a:p>
+          <a:p>
+            <a:pPr>
+              <a:spcAft>
+                <a:spcPts val="0"/>
+              </a:spcAft>
+            </a:pPr>
+            <a:r>
+              <a:rPr lang="en-US" sz="750" dirty="0">
+                <a:latin typeface="Courier" pitchFamily="2" charset="0"/>
+                <a:ea typeface="Courier" charset="0"/>
+                <a:cs typeface="Courier" charset="0"/>
+              </a:rPr>
+              <a:t>  |                                                               |</a:t>
+            </a:r>
+          </a:p>
+          <a:p>
+            <a:pPr>
+              <a:spcAft>
+                <a:spcPts val="0"/>
+              </a:spcAft>
+            </a:pPr>
+            <a:r>
+              <a:rPr lang="en-US" sz="750" dirty="0">
+                <a:latin typeface="Courier" pitchFamily="2" charset="0"/>
+                <a:ea typeface="Courier" charset="0"/>
+                <a:cs typeface="Courier" charset="0"/>
+              </a:rPr>
+              <a:t>  +-+-+-+-+-+-+-+-+-+-+-+-+-+-+-+-+-+-+-+-+-+-+-+-+-+-+-+-+-+-+-+-+</a:t>
+            </a:r>
+          </a:p>
+          <a:p>
+            <a:pPr>
+              <a:spcAft>
+                <a:spcPts val="0"/>
+              </a:spcAft>
+            </a:pPr>
+            <a:r>
+              <a:rPr lang="en-US" sz="750" dirty="0">
+                <a:latin typeface="Courier" pitchFamily="2" charset="0"/>
+                <a:ea typeface="Courier" charset="0"/>
+                <a:cs typeface="Courier" charset="0"/>
+              </a:rPr>
+              <a:t>  |         Error Estimate        |    MBZ                        |</a:t>
+            </a:r>
+          </a:p>
+          <a:p>
+            <a:pPr>
+              <a:spcAft>
+                <a:spcPts val="0"/>
+              </a:spcAft>
+            </a:pPr>
+            <a:r>
+              <a:rPr lang="en-US" sz="750" dirty="0">
+                <a:latin typeface="Courier" pitchFamily="2" charset="0"/>
+                <a:ea typeface="Courier" charset="0"/>
+                <a:cs typeface="Courier" charset="0"/>
+              </a:rPr>
+              <a:t>  +-+-+-+-+-+-+-+-+-+-+-+-+-+-+-+-+-+-+-+-+-+-+-+-+-+-+-+-+-+-+-+-+</a:t>
+            </a:r>
+          </a:p>
+          <a:p>
+            <a:pPr>
+              <a:spcAft>
+                <a:spcPts val="0"/>
+              </a:spcAft>
+            </a:pPr>
+            <a:r>
+              <a:rPr lang="en-US" sz="750" dirty="0">
+                <a:latin typeface="Courier" pitchFamily="2" charset="0"/>
+                <a:ea typeface="Courier" charset="0"/>
+                <a:cs typeface="Courier" charset="0"/>
+              </a:rPr>
+              <a:t>  </a:t>
+            </a:r>
+            <a:r>
+              <a:rPr lang="en-US" sz="750" b="1" dirty="0">
+                <a:latin typeface="Courier" pitchFamily="2" charset="0"/>
+                <a:ea typeface="Courier" charset="0"/>
+                <a:cs typeface="Courier" charset="0"/>
+              </a:rPr>
+              <a:t>|         Receive Timestamp (t2)                                </a:t>
+            </a:r>
+            <a:r>
+              <a:rPr lang="en-US" sz="750" dirty="0">
+                <a:latin typeface="Courier" pitchFamily="2" charset="0"/>
+                <a:ea typeface="Courier" charset="0"/>
+                <a:cs typeface="Courier" charset="0"/>
+              </a:rPr>
+              <a:t>|</a:t>
+            </a:r>
+          </a:p>
+          <a:p>
+            <a:pPr>
+              <a:spcAft>
+                <a:spcPts val="0"/>
+              </a:spcAft>
+            </a:pPr>
+            <a:r>
+              <a:rPr lang="en-US" sz="750" dirty="0">
+                <a:latin typeface="Courier" pitchFamily="2" charset="0"/>
+                <a:ea typeface="Courier" charset="0"/>
+                <a:cs typeface="Courier" charset="0"/>
+              </a:rPr>
+              <a:t>  |                                                               |</a:t>
+            </a:r>
+          </a:p>
+          <a:p>
+            <a:pPr>
+              <a:spcAft>
+                <a:spcPts val="0"/>
+              </a:spcAft>
+            </a:pPr>
+            <a:r>
+              <a:rPr lang="en-US" sz="750" dirty="0">
+                <a:latin typeface="Courier" pitchFamily="2" charset="0"/>
+                <a:ea typeface="Courier" charset="0"/>
+                <a:cs typeface="Courier" charset="0"/>
+              </a:rPr>
+              <a:t>  +-+-+-+-+-+-+-+-+-+-+-+-+-+-+-+-+-+-+-+-+-+-+-+-+-+-+-+-+-+-+-+-+</a:t>
+            </a:r>
+          </a:p>
+          <a:p>
+            <a:pPr>
+              <a:spcAft>
+                <a:spcPts val="0"/>
+              </a:spcAft>
+            </a:pPr>
+            <a:r>
+              <a:rPr lang="en-US" sz="750" dirty="0">
+                <a:latin typeface="Courier" pitchFamily="2" charset="0"/>
+                <a:ea typeface="Courier" charset="0"/>
+                <a:cs typeface="Courier" charset="0"/>
+              </a:rPr>
+              <a:t>  |                      Sender Sequence Number                   |</a:t>
+            </a:r>
+          </a:p>
+          <a:p>
+            <a:pPr>
+              <a:spcAft>
+                <a:spcPts val="0"/>
+              </a:spcAft>
+            </a:pPr>
+            <a:r>
+              <a:rPr lang="en-US" sz="750" dirty="0">
+                <a:latin typeface="Courier" pitchFamily="2" charset="0"/>
+                <a:ea typeface="Courier" charset="0"/>
+                <a:cs typeface="Courier" charset="0"/>
+              </a:rPr>
+              <a:t>  +-+-+-+-+-+-+-+-+-+-+-+-+-+-+-+-+-+-+-+-+-+-+-+-+-+-+-+-+-+-+-+-+</a:t>
+            </a:r>
+          </a:p>
+          <a:p>
+            <a:pPr>
+              <a:spcAft>
+                <a:spcPts val="0"/>
+              </a:spcAft>
+            </a:pPr>
+            <a:r>
+              <a:rPr lang="en-US" sz="750" dirty="0">
+                <a:solidFill>
+                  <a:schemeClr val="bg1">
+                    <a:lumMod val="50000"/>
+                  </a:schemeClr>
+                </a:solidFill>
+                <a:latin typeface="Courier" pitchFamily="2" charset="0"/>
+                <a:ea typeface="Courier" charset="0"/>
+                <a:cs typeface="Courier" charset="0"/>
+              </a:rPr>
+              <a:t>  |                      Sender Timestamp                         |</a:t>
+            </a:r>
+          </a:p>
+          <a:p>
+            <a:pPr>
+              <a:spcAft>
+                <a:spcPts val="0"/>
+              </a:spcAft>
+            </a:pPr>
+            <a:r>
+              <a:rPr lang="en-US" sz="750" dirty="0">
+                <a:solidFill>
+                  <a:schemeClr val="bg1">
+                    <a:lumMod val="50000"/>
+                  </a:schemeClr>
+                </a:solidFill>
+                <a:latin typeface="Courier" pitchFamily="2" charset="0"/>
+                <a:ea typeface="Courier" charset="0"/>
+                <a:cs typeface="Courier" charset="0"/>
+              </a:rPr>
+              <a:t>  |                                                               |</a:t>
+            </a:r>
+          </a:p>
+          <a:p>
+            <a:pPr>
+              <a:spcAft>
+                <a:spcPts val="0"/>
+              </a:spcAft>
+            </a:pPr>
+            <a:r>
+              <a:rPr lang="en-US" sz="750" dirty="0">
+                <a:solidFill>
+                  <a:schemeClr val="bg1">
+                    <a:lumMod val="50000"/>
+                  </a:schemeClr>
+                </a:solidFill>
+                <a:latin typeface="Courier" pitchFamily="2" charset="0"/>
+                <a:ea typeface="Courier" charset="0"/>
+                <a:cs typeface="Courier" charset="0"/>
+              </a:rPr>
+              <a:t>  +-+-+-+-+-+-+-+-+-+-+-+-+-+-+-+-+-+-+-+-+-+-+-+-+-+-+-+-+-+-+-+-+</a:t>
+            </a:r>
+          </a:p>
+          <a:p>
+            <a:pPr>
+              <a:spcAft>
+                <a:spcPts val="0"/>
+              </a:spcAft>
+            </a:pPr>
+            <a:r>
+              <a:rPr lang="en-US" sz="750" dirty="0">
+                <a:solidFill>
+                  <a:schemeClr val="bg1">
+                    <a:lumMod val="50000"/>
+                  </a:schemeClr>
+                </a:solidFill>
+                <a:latin typeface="Courier" pitchFamily="2" charset="0"/>
+                <a:ea typeface="Courier" charset="0"/>
+                <a:cs typeface="Courier" charset="0"/>
+              </a:rPr>
+              <a:t>  |      Sender Error Estimate    |           MBZ                 |</a:t>
+            </a:r>
+          </a:p>
+          <a:p>
+            <a:pPr>
+              <a:spcAft>
+                <a:spcPts val="0"/>
+              </a:spcAft>
+            </a:pPr>
+            <a:r>
+              <a:rPr lang="en-US" sz="750" dirty="0">
+                <a:solidFill>
+                  <a:schemeClr val="bg1">
+                    <a:lumMod val="50000"/>
+                  </a:schemeClr>
+                </a:solidFill>
+                <a:latin typeface="Courier" pitchFamily="2" charset="0"/>
+                <a:ea typeface="Courier" charset="0"/>
+                <a:cs typeface="Courier" charset="0"/>
+              </a:rPr>
+              <a:t>  +-+-+-+-+-+-+-+-+-+-+-+-+-+-+-+-+-+-+-+-+-+-+-+-+-+-+-+-+-+-+-+-+</a:t>
+            </a:r>
+          </a:p>
+          <a:p>
+            <a:pPr>
+              <a:spcAft>
+                <a:spcPts val="0"/>
+              </a:spcAft>
+            </a:pPr>
+            <a:r>
+              <a:rPr lang="en-US" sz="750" dirty="0">
+                <a:solidFill>
+                  <a:schemeClr val="bg1">
+                    <a:lumMod val="50000"/>
+                  </a:schemeClr>
+                </a:solidFill>
+                <a:latin typeface="Courier" pitchFamily="2" charset="0"/>
+                <a:ea typeface="Courier" charset="0"/>
+                <a:cs typeface="Courier" charset="0"/>
+              </a:rPr>
+              <a:t>  |  Sender TTL   |                                               |</a:t>
+            </a:r>
+          </a:p>
+          <a:p>
+            <a:pPr>
+              <a:spcAft>
+                <a:spcPts val="0"/>
+              </a:spcAft>
+            </a:pPr>
+            <a:r>
+              <a:rPr lang="en-US" sz="750" dirty="0">
+                <a:solidFill>
+                  <a:schemeClr val="bg1">
+                    <a:lumMod val="50000"/>
+                  </a:schemeClr>
+                </a:solidFill>
+                <a:latin typeface="Courier" pitchFamily="2" charset="0"/>
+                <a:ea typeface="Courier" charset="0"/>
+                <a:cs typeface="Courier" charset="0"/>
+              </a:rPr>
+              <a:t>  +-+-+-+-+-+-+-+-+                                               |</a:t>
+            </a:r>
+          </a:p>
+          <a:p>
+            <a:pPr>
+              <a:spcAft>
+                <a:spcPts val="0"/>
+              </a:spcAft>
+            </a:pPr>
+            <a:r>
+              <a:rPr lang="en-US" sz="750" dirty="0">
+                <a:solidFill>
+                  <a:schemeClr val="bg1">
+                    <a:lumMod val="50000"/>
+                  </a:schemeClr>
+                </a:solidFill>
+                <a:latin typeface="Courier" pitchFamily="2" charset="0"/>
+                <a:ea typeface="Courier" charset="0"/>
+                <a:cs typeface="Courier" charset="0"/>
+              </a:rPr>
+              <a:t>  |                                                               |</a:t>
+            </a:r>
+          </a:p>
+          <a:p>
+            <a:pPr>
+              <a:spcAft>
+                <a:spcPts val="0"/>
+              </a:spcAft>
+            </a:pPr>
+            <a:r>
+              <a:rPr lang="en-US" sz="750" dirty="0">
+                <a:solidFill>
+                  <a:schemeClr val="bg1">
+                    <a:lumMod val="50000"/>
+                  </a:schemeClr>
+                </a:solidFill>
+                <a:latin typeface="Courier" pitchFamily="2" charset="0"/>
+                <a:ea typeface="Courier" charset="0"/>
+                <a:cs typeface="Courier" charset="0"/>
+              </a:rPr>
+              <a:t>  ~                      Padding                                  ~</a:t>
+            </a:r>
+          </a:p>
+          <a:p>
+            <a:pPr>
+              <a:spcAft>
+                <a:spcPts val="0"/>
+              </a:spcAft>
+            </a:pPr>
+            <a:r>
+              <a:rPr lang="en-US" sz="750" dirty="0">
+                <a:solidFill>
+                  <a:schemeClr val="bg1">
+                    <a:lumMod val="50000"/>
+                  </a:schemeClr>
+                </a:solidFill>
+                <a:latin typeface="Courier" pitchFamily="2" charset="0"/>
+                <a:ea typeface="Courier" charset="0"/>
+                <a:cs typeface="Courier" charset="0"/>
+              </a:rPr>
+              <a:t>  |                                                               |</a:t>
+            </a:r>
+          </a:p>
+          <a:p>
+            <a:pPr>
+              <a:spcAft>
+                <a:spcPts val="0"/>
+              </a:spcAft>
+            </a:pPr>
+            <a:r>
+              <a:rPr lang="en-US" sz="750" dirty="0">
+                <a:solidFill>
+                  <a:schemeClr val="bg1">
+                    <a:lumMod val="50000"/>
+                  </a:schemeClr>
+                </a:solidFill>
+                <a:latin typeface="Courier" pitchFamily="2" charset="0"/>
+                <a:ea typeface="Courier" charset="0"/>
+                <a:cs typeface="Courier" charset="0"/>
+              </a:rPr>
+              <a:t>  +-+-+-+-+-+-+-+-+-+-+-+-+-+-+-+-+-+-+-+-+-+-+-+-+-+-+-+-+-+-+-+-+</a:t>
+            </a:r>
+          </a:p>
+          <a:p>
+            <a:pPr>
+              <a:spcAft>
+                <a:spcPts val="0"/>
+              </a:spcAft>
+            </a:pPr>
+            <a:endParaRPr lang="en-CA" sz="750" dirty="0">
+              <a:solidFill>
+                <a:schemeClr val="bg2">
+                  <a:lumMod val="50000"/>
+                </a:schemeClr>
+              </a:solidFill>
+              <a:latin typeface="Courier" pitchFamily="2" charset="0"/>
+            </a:endParaRPr>
+          </a:p>
+          <a:p>
+            <a:r>
+              <a:rPr lang="en-CA" sz="750" dirty="0">
+                <a:latin typeface="Courier" pitchFamily="2" charset="0"/>
+              </a:rPr>
+              <a:t>              Figure: TWAMP Light Probe Message Format</a:t>
+            </a:r>
+            <a:endParaRPr lang="en-US" sz="750" dirty="0">
               <a:latin typeface="Courier" pitchFamily="2" charset="0"/>
             </a:endParaRPr>
           </a:p>
@@ -10886,8 +10895,8 @@
         </p:nvSpPr>
         <p:spPr>
           <a:xfrm>
-            <a:off x="5105400" y="1123950"/>
-            <a:ext cx="3678973" cy="2590800"/>
+            <a:off x="381000" y="577130"/>
+            <a:ext cx="8370165" cy="988236"/>
           </a:xfrm>
         </p:spPr>
         <p:txBody>
@@ -10895,31 +10904,474 @@
           <a:lstStyle/>
           <a:p>
             <a:r>
-              <a:rPr lang="en-US" sz="1600" dirty="0"/>
-              <a:t>Extended Special-purpose label (TBA1) is defined for Timestamp and Forward network programming</a:t>
-            </a:r>
-          </a:p>
-          <a:p>
-            <a:r>
-              <a:rPr lang="en-US" sz="1600" dirty="0"/>
-              <a:t>Reverse Path can be IP or SR-MPLS</a:t>
-            </a:r>
-          </a:p>
-          <a:p>
-            <a:r>
-              <a:rPr lang="en-US" sz="1600" dirty="0"/>
-              <a:t>Source and Destination Addresses are swapped to represent the Reverse direction path</a:t>
-            </a:r>
-          </a:p>
-          <a:p>
-            <a:endParaRPr lang="en-US" sz="1600" dirty="0"/>
+              <a:rPr lang="en-US" sz="1200" dirty="0"/>
+              <a:t>Leverage existing TWAMP implementations and deployments</a:t>
+            </a:r>
+          </a:p>
+          <a:p>
+            <a:r>
+              <a:rPr lang="en-US" sz="1200" dirty="0"/>
+              <a:t>Sender adds Transmit Timestamp (t1)</a:t>
+            </a:r>
+          </a:p>
+          <a:p>
+            <a:r>
+              <a:rPr lang="en-US" sz="1200" dirty="0"/>
+              <a:t>Reflector adds Receive Timestamp (t2) at fixed offset in payload locally provisioned (consistently in the network)</a:t>
+            </a:r>
+          </a:p>
+          <a:p>
+            <a:pPr lvl="1"/>
+            <a:r>
+              <a:rPr lang="en-US" sz="1200" dirty="0"/>
+              <a:t>E.g. offset-byte 16 from the start of the payload</a:t>
+            </a:r>
+          </a:p>
+        </p:txBody>
+      </p:sp>
+      <p:sp>
+        <p:nvSpPr>
+          <p:cNvPr id="4" name="Footer Placeholder 3"/>
+          <p:cNvSpPr>
+            <a:spLocks noGrp="1"/>
+          </p:cNvSpPr>
+          <p:nvPr>
+            <p:ph type="ftr" sz="quarter" idx="11"/>
+          </p:nvPr>
+        </p:nvSpPr>
+        <p:spPr>
+          <a:xfrm>
+            <a:off x="3124200" y="4786312"/>
+            <a:ext cx="2895600" cy="357188"/>
+          </a:xfrm>
+        </p:spPr>
+        <p:txBody>
+          <a:bodyPr/>
+          <a:lstStyle/>
+          <a:p>
+            <a:r>
+              <a:rPr lang="en-CA" dirty="0"/>
+              <a:t>108</a:t>
+            </a:r>
+            <a:r>
+              <a:rPr lang="en-CA" baseline="30000" dirty="0"/>
+              <a:t>th</a:t>
+            </a:r>
+            <a:r>
+              <a:rPr lang="en-CA" dirty="0"/>
+              <a:t> IETF Online</a:t>
+            </a:r>
+          </a:p>
+        </p:txBody>
+      </p:sp>
+      <p:sp>
+        <p:nvSpPr>
+          <p:cNvPr id="7" name="Rectangle 6">
+            <a:extLst>
+              <a:ext uri="{FF2B5EF4-FFF2-40B4-BE49-F238E27FC236}">
+                <a16:creationId xmlns:a16="http://schemas.microsoft.com/office/drawing/2014/main" id="{379A9A6A-2ADE-4772-8A9B-054CD2389A6C}"/>
+              </a:ext>
+            </a:extLst>
+          </p:cNvPr>
+          <p:cNvSpPr/>
+          <p:nvPr/>
+        </p:nvSpPr>
+        <p:spPr>
+          <a:xfrm>
+            <a:off x="4673174" y="1693158"/>
+            <a:ext cx="4089826" cy="2631490"/>
+          </a:xfrm>
+          <a:prstGeom prst="rect">
+            <a:avLst/>
+          </a:prstGeom>
+          <a:solidFill>
+            <a:schemeClr val="accent6">
+              <a:lumMod val="20000"/>
+              <a:lumOff val="80000"/>
+            </a:schemeClr>
+          </a:solidFill>
+        </p:spPr>
+        <p:txBody>
+          <a:bodyPr wrap="square">
+            <a:spAutoFit/>
+          </a:bodyPr>
+          <a:lstStyle/>
+          <a:p>
+            <a:r>
+              <a:rPr lang="en-CA" sz="750" dirty="0">
+                <a:latin typeface="Courier" pitchFamily="2" charset="0"/>
+              </a:rPr>
+              <a:t>  +-+-+-+-+-+-+-+-+-+-+-+-+-+-+-+-+-+-+-+-+-+-+-+-+-+-+-+-+-+-+-+-+</a:t>
+            </a:r>
+          </a:p>
+          <a:p>
+            <a:pPr>
+              <a:spcAft>
+                <a:spcPts val="0"/>
+              </a:spcAft>
+            </a:pPr>
+            <a:r>
+              <a:rPr lang="en-US" sz="750" dirty="0">
+                <a:latin typeface="Courier" pitchFamily="2" charset="0"/>
+                <a:ea typeface="Courier" charset="0"/>
+                <a:cs typeface="Courier" charset="0"/>
+              </a:rPr>
+              <a:t>  |         Sequence Number                                       |</a:t>
+            </a:r>
+          </a:p>
+          <a:p>
+            <a:pPr>
+              <a:spcAft>
+                <a:spcPts val="0"/>
+              </a:spcAft>
+            </a:pPr>
+            <a:r>
+              <a:rPr lang="en-US" sz="750" dirty="0">
+                <a:latin typeface="Courier" pitchFamily="2" charset="0"/>
+                <a:ea typeface="Courier" charset="0"/>
+                <a:cs typeface="Courier" charset="0"/>
+              </a:rPr>
+              <a:t>  +-+-+-+-+-+-+-+-+-+-+-+-+-+-+-+-+-+-+-+-+-+-+-+-+-+-+-+-+-+-+-+-+</a:t>
+            </a:r>
+          </a:p>
+          <a:p>
+            <a:pPr>
+              <a:spcAft>
+                <a:spcPts val="0"/>
+              </a:spcAft>
+            </a:pPr>
+            <a:r>
+              <a:rPr lang="en-US" sz="750" b="1" dirty="0">
+                <a:latin typeface="Courier" pitchFamily="2" charset="0"/>
+                <a:ea typeface="Courier" charset="0"/>
+                <a:cs typeface="Courier" charset="0"/>
+              </a:rPr>
+              <a:t>  |         Transmit Timestamp (t1)                               |</a:t>
+            </a:r>
+          </a:p>
+          <a:p>
+            <a:pPr>
+              <a:spcAft>
+                <a:spcPts val="0"/>
+              </a:spcAft>
+            </a:pPr>
+            <a:r>
+              <a:rPr lang="en-US" sz="750" dirty="0">
+                <a:latin typeface="Courier" pitchFamily="2" charset="0"/>
+                <a:ea typeface="Courier" charset="0"/>
+                <a:cs typeface="Courier" charset="0"/>
+              </a:rPr>
+              <a:t>  |                                                               |</a:t>
+            </a:r>
+          </a:p>
+          <a:p>
+            <a:pPr>
+              <a:spcAft>
+                <a:spcPts val="0"/>
+              </a:spcAft>
+            </a:pPr>
+            <a:r>
+              <a:rPr lang="en-US" sz="750" dirty="0">
+                <a:latin typeface="Courier" pitchFamily="2" charset="0"/>
+                <a:ea typeface="Courier" charset="0"/>
+                <a:cs typeface="Courier" charset="0"/>
+              </a:rPr>
+              <a:t>  +-+-+-+-+-+-+-+-+-+-+-+-+-+-+-+-+-+-+-+-+-+-+-+-+-+-+-+-+-+-+-+-+</a:t>
+            </a:r>
+          </a:p>
+          <a:p>
+            <a:pPr>
+              <a:spcAft>
+                <a:spcPts val="0"/>
+              </a:spcAft>
+            </a:pPr>
+            <a:r>
+              <a:rPr lang="en-US" sz="750" dirty="0">
+                <a:latin typeface="Courier" pitchFamily="2" charset="0"/>
+                <a:ea typeface="Courier" charset="0"/>
+                <a:cs typeface="Courier" charset="0"/>
+              </a:rPr>
+              <a:t>  |         Error Estimate        |    </a:t>
+            </a:r>
+            <a:r>
+              <a:rPr lang="en-US" sz="750" b="1" dirty="0">
+                <a:latin typeface="Courier" pitchFamily="2" charset="0"/>
+                <a:ea typeface="Courier" charset="0"/>
+                <a:cs typeface="Courier" charset="0"/>
+              </a:rPr>
+              <a:t>SSID</a:t>
+            </a:r>
+            <a:r>
+              <a:rPr lang="en-US" sz="750" dirty="0">
+                <a:latin typeface="Courier" pitchFamily="2" charset="0"/>
+                <a:ea typeface="Courier" charset="0"/>
+                <a:cs typeface="Courier" charset="0"/>
+              </a:rPr>
+              <a:t>                       |</a:t>
+            </a:r>
+          </a:p>
+          <a:p>
+            <a:pPr>
+              <a:spcAft>
+                <a:spcPts val="0"/>
+              </a:spcAft>
+            </a:pPr>
+            <a:r>
+              <a:rPr lang="en-US" sz="750" dirty="0">
+                <a:latin typeface="Courier" pitchFamily="2" charset="0"/>
+                <a:ea typeface="Courier" charset="0"/>
+                <a:cs typeface="Courier" charset="0"/>
+              </a:rPr>
+              <a:t>  +-+-+-+-+-+-+-+-+-+-+-+-+-+-+-+-+-+-+-+-+-+-+-+-+-+-+-+-+-+-+-+-+</a:t>
+            </a:r>
+          </a:p>
+          <a:p>
+            <a:pPr>
+              <a:spcAft>
+                <a:spcPts val="0"/>
+              </a:spcAft>
+            </a:pPr>
+            <a:r>
+              <a:rPr lang="en-US" sz="750" b="1" dirty="0">
+                <a:latin typeface="Courier" pitchFamily="2" charset="0"/>
+                <a:ea typeface="Courier" charset="0"/>
+                <a:cs typeface="Courier" charset="0"/>
+              </a:rPr>
+              <a:t>  |         Receive Timestamp (t2)                                |</a:t>
+            </a:r>
+          </a:p>
+          <a:p>
+            <a:pPr>
+              <a:spcAft>
+                <a:spcPts val="0"/>
+              </a:spcAft>
+            </a:pPr>
+            <a:r>
+              <a:rPr lang="en-US" sz="750" dirty="0">
+                <a:latin typeface="Courier" pitchFamily="2" charset="0"/>
+                <a:ea typeface="Courier" charset="0"/>
+                <a:cs typeface="Courier" charset="0"/>
+              </a:rPr>
+              <a:t>  |                                                               |</a:t>
+            </a:r>
+          </a:p>
+          <a:p>
+            <a:pPr>
+              <a:spcAft>
+                <a:spcPts val="0"/>
+              </a:spcAft>
+            </a:pPr>
+            <a:r>
+              <a:rPr lang="en-US" sz="750" dirty="0">
+                <a:latin typeface="Courier" pitchFamily="2" charset="0"/>
+                <a:ea typeface="Courier" charset="0"/>
+                <a:cs typeface="Courier" charset="0"/>
+              </a:rPr>
+              <a:t>  +-+-+-+-+-+-+-+-+-+-+-+-+-+-+-+-+-+-+-+-+-+-+-+-+-+-+-+-+-+-+-+-+</a:t>
+            </a:r>
+          </a:p>
+          <a:p>
+            <a:pPr>
+              <a:spcAft>
+                <a:spcPts val="0"/>
+              </a:spcAft>
+            </a:pPr>
+            <a:r>
+              <a:rPr lang="en-US" sz="750" dirty="0">
+                <a:latin typeface="Courier" pitchFamily="2" charset="0"/>
+                <a:ea typeface="Courier" charset="0"/>
+                <a:cs typeface="Courier" charset="0"/>
+              </a:rPr>
+              <a:t>  |                      Sender Sequence Number                   |</a:t>
+            </a:r>
+          </a:p>
+          <a:p>
+            <a:pPr>
+              <a:spcAft>
+                <a:spcPts val="0"/>
+              </a:spcAft>
+            </a:pPr>
+            <a:r>
+              <a:rPr lang="en-US" sz="750" dirty="0">
+                <a:latin typeface="Courier" pitchFamily="2" charset="0"/>
+                <a:ea typeface="Courier" charset="0"/>
+                <a:cs typeface="Courier" charset="0"/>
+              </a:rPr>
+              <a:t>  +-+-+-+-+-+-+-+-+-+-+-+-+-+-+-+-+-+-+-+-+-+-+-+-+-+-+-+-+-+-+-+-+</a:t>
+            </a:r>
+          </a:p>
+          <a:p>
+            <a:pPr>
+              <a:spcAft>
+                <a:spcPts val="0"/>
+              </a:spcAft>
+            </a:pPr>
+            <a:r>
+              <a:rPr lang="en-US" sz="750" dirty="0">
+                <a:solidFill>
+                  <a:schemeClr val="bg1">
+                    <a:lumMod val="50000"/>
+                  </a:schemeClr>
+                </a:solidFill>
+                <a:latin typeface="Courier" pitchFamily="2" charset="0"/>
+                <a:ea typeface="Courier" charset="0"/>
+                <a:cs typeface="Courier" charset="0"/>
+              </a:rPr>
+              <a:t>  |                      Sender Timestamp                         |</a:t>
+            </a:r>
+          </a:p>
+          <a:p>
+            <a:pPr>
+              <a:spcAft>
+                <a:spcPts val="0"/>
+              </a:spcAft>
+            </a:pPr>
+            <a:r>
+              <a:rPr lang="en-US" sz="750" dirty="0">
+                <a:solidFill>
+                  <a:schemeClr val="bg1">
+                    <a:lumMod val="50000"/>
+                  </a:schemeClr>
+                </a:solidFill>
+                <a:latin typeface="Courier" pitchFamily="2" charset="0"/>
+                <a:ea typeface="Courier" charset="0"/>
+                <a:cs typeface="Courier" charset="0"/>
+              </a:rPr>
+              <a:t>  |                                                               |</a:t>
+            </a:r>
+          </a:p>
+          <a:p>
+            <a:pPr>
+              <a:spcAft>
+                <a:spcPts val="0"/>
+              </a:spcAft>
+            </a:pPr>
+            <a:r>
+              <a:rPr lang="en-US" sz="750" dirty="0">
+                <a:solidFill>
+                  <a:schemeClr val="bg1">
+                    <a:lumMod val="50000"/>
+                  </a:schemeClr>
+                </a:solidFill>
+                <a:latin typeface="Courier" pitchFamily="2" charset="0"/>
+                <a:ea typeface="Courier" charset="0"/>
+                <a:cs typeface="Courier" charset="0"/>
+              </a:rPr>
+              <a:t>  +-+-+-+-+-+-+-+-+-+-+-+-+-+-+-+-+-+-+-+-+-+-+-+-+-+-+-+-+-+-+-+-+</a:t>
+            </a:r>
+          </a:p>
+          <a:p>
+            <a:pPr>
+              <a:spcAft>
+                <a:spcPts val="0"/>
+              </a:spcAft>
+            </a:pPr>
+            <a:r>
+              <a:rPr lang="en-US" sz="750" dirty="0">
+                <a:solidFill>
+                  <a:schemeClr val="bg1">
+                    <a:lumMod val="50000"/>
+                  </a:schemeClr>
+                </a:solidFill>
+                <a:latin typeface="Courier" pitchFamily="2" charset="0"/>
+                <a:ea typeface="Courier" charset="0"/>
+                <a:cs typeface="Courier" charset="0"/>
+              </a:rPr>
+              <a:t>  |      Sender Error Estimate    |           MBZ                 |</a:t>
+            </a:r>
+          </a:p>
+          <a:p>
+            <a:pPr>
+              <a:spcAft>
+                <a:spcPts val="0"/>
+              </a:spcAft>
+            </a:pPr>
+            <a:r>
+              <a:rPr lang="en-US" sz="750" dirty="0">
+                <a:solidFill>
+                  <a:schemeClr val="bg1">
+                    <a:lumMod val="50000"/>
+                  </a:schemeClr>
+                </a:solidFill>
+                <a:latin typeface="Courier" pitchFamily="2" charset="0"/>
+                <a:ea typeface="Courier" charset="0"/>
+                <a:cs typeface="Courier" charset="0"/>
+              </a:rPr>
+              <a:t>  +-+-+-+-+-+-+-+-+-+-+-+-+-+-+-+-+-+-+-+-+-+-+-+-+-+-+-+-+-+-+-+-+</a:t>
+            </a:r>
+          </a:p>
+          <a:p>
+            <a:pPr>
+              <a:spcAft>
+                <a:spcPts val="0"/>
+              </a:spcAft>
+            </a:pPr>
+            <a:r>
+              <a:rPr lang="en-US" sz="750" dirty="0">
+                <a:solidFill>
+                  <a:schemeClr val="bg1">
+                    <a:lumMod val="50000"/>
+                  </a:schemeClr>
+                </a:solidFill>
+                <a:latin typeface="Courier" pitchFamily="2" charset="0"/>
+                <a:ea typeface="Courier" charset="0"/>
+                <a:cs typeface="Courier" charset="0"/>
+              </a:rPr>
+              <a:t>  |  Sender TTL   |      MBZ                                      |</a:t>
+            </a:r>
+          </a:p>
+          <a:p>
+            <a:pPr>
+              <a:spcAft>
+                <a:spcPts val="0"/>
+              </a:spcAft>
+            </a:pPr>
+            <a:r>
+              <a:rPr lang="en-US" sz="750" dirty="0">
+                <a:solidFill>
+                  <a:schemeClr val="bg1">
+                    <a:lumMod val="50000"/>
+                  </a:schemeClr>
+                </a:solidFill>
+                <a:latin typeface="Courier" pitchFamily="2" charset="0"/>
+                <a:ea typeface="Courier" charset="0"/>
+                <a:cs typeface="Courier" charset="0"/>
+              </a:rPr>
+              <a:t>  +-+-+-+-+-+-+-+-+-+-+-+-+-+-+-+-+-+-+-+-+-+-+-+-+-+-+-+-+-+-+-+-+</a:t>
+            </a:r>
+          </a:p>
+          <a:p>
+            <a:pPr>
+              <a:spcAft>
+                <a:spcPts val="0"/>
+              </a:spcAft>
+            </a:pPr>
+            <a:endParaRPr lang="en-CA" sz="750" dirty="0">
+              <a:solidFill>
+                <a:schemeClr val="bg2">
+                  <a:lumMod val="50000"/>
+                </a:schemeClr>
+              </a:solidFill>
+              <a:latin typeface="Courier" pitchFamily="2" charset="0"/>
+            </a:endParaRPr>
+          </a:p>
+          <a:p>
+            <a:r>
+              <a:rPr lang="en-CA" sz="750" dirty="0">
+                <a:latin typeface="Courier" pitchFamily="2" charset="0"/>
+              </a:rPr>
+              <a:t>                  Figure: STAMP Probe Message Format</a:t>
+            </a:r>
+            <a:endParaRPr lang="en-US" sz="750" dirty="0">
+              <a:latin typeface="Courier" pitchFamily="2" charset="0"/>
+            </a:endParaRPr>
           </a:p>
         </p:txBody>
       </p:sp>
     </p:spTree>
     <p:extLst>
       <p:ext uri="{BB962C8B-B14F-4D97-AF65-F5344CB8AC3E}">
-        <p14:creationId xmlns:p14="http://schemas.microsoft.com/office/powerpoint/2010/main" val="3257992778"/>
+        <p14:creationId xmlns:p14="http://schemas.microsoft.com/office/powerpoint/2010/main" val="3909069486"/>
       </p:ext>
     </p:extLst>
   </p:cSld>
@@ -10974,7 +11426,7 @@
                 <a:latin typeface="Calibri Light" panose="020F0302020204030204" pitchFamily="34" charset="0"/>
                 <a:cs typeface="Calibri Light" panose="020F0302020204030204" pitchFamily="34" charset="0"/>
               </a:rPr>
-              <a:t>SRv6 with Timestamp and Forward Function</a:t>
+              <a:t>SR-MPLS with Timestamp and Forward Function</a:t>
             </a:r>
           </a:p>
         </p:txBody>
@@ -11057,8 +11509,8 @@
         </p:nvSpPr>
         <p:spPr>
           <a:xfrm>
-            <a:off x="381000" y="725090"/>
-            <a:ext cx="4643034" cy="3693319"/>
+            <a:off x="332214" y="615197"/>
+            <a:ext cx="4696986" cy="3970318"/>
           </a:xfrm>
           <a:prstGeom prst="rect">
             <a:avLst/>
@@ -11080,31 +11532,43 @@
               <a:rPr lang="en-CA" sz="900" dirty="0">
                 <a:latin typeface="Courier" pitchFamily="2" charset="0"/>
               </a:rPr>
-              <a:t>+---------------------------------------------------------------+</a:t>
-            </a:r>
-          </a:p>
-          <a:p>
+              <a:t>0 1 2 3 4 5 6 7 8 9 0 1 2 3 4 5 6 7 8 9 0 1 2 3 4 5 6 7 8 9 0 1   +-+-+-+-+-+-+-+-+-+-+-+-+-+-+-+-+-+-+-+-+-+-+-+-+-+-+-+-+-+-+-+-+ |            Label(1)                   | TC  |S|      TTL      | +-+-+-+-+-+-+-+-+-+-+-+-+-+-+-+-+-+-+-+-+-+-+-+-+-+-+-+-+-+-+-+-+ .                                                               . .                                                               . .                                                               . +-+-+-+-+-+-+-+-+-+-+-+-+-+-+-+-+-+-+-+-+-+-+-+-+-+-+-+-+-+-+-+-+ |            Label(n)                   | TC  |S|      TTL      | +-+-+-+-+-+-+-+-+-+-+-+-+-+-+-+-+-+-+-+-+-+-+-+-+-+-+-+-+-+-+-+-+ |            </a:t>
+            </a:r>
+            <a:r>
+              <a:rPr lang="en-CA" sz="900" b="1" dirty="0">
+                <a:latin typeface="Courier" pitchFamily="2" charset="0"/>
+              </a:rPr>
+              <a:t>Timestamp Label (TBA1)     </a:t>
+            </a:r>
             <a:r>
               <a:rPr lang="en-CA" sz="900" dirty="0">
                 <a:latin typeface="Courier" pitchFamily="2" charset="0"/>
               </a:rPr>
-              <a:t>| IP Header                                                     |</a:t>
-            </a:r>
-          </a:p>
-          <a:p>
+              <a:t>| TC  |S|      TTL      | +-+-+-+-+-+-+-+-+-+-+-+-+-+-+-+-+-+-+-+-+-+-+-+-+-+-+-+-+-+-+-+-+ | IP Header                                                     | .  Source IP Address = </a:t>
+            </a:r>
+            <a:r>
+              <a:rPr lang="en-CA" sz="900" b="1" dirty="0">
+                <a:latin typeface="Courier" pitchFamily="2" charset="0"/>
+              </a:rPr>
+              <a:t>Reflector</a:t>
+            </a:r>
             <a:r>
               <a:rPr lang="en-CA" sz="900" dirty="0">
                 <a:latin typeface="Courier" pitchFamily="2" charset="0"/>
               </a:rPr>
-              <a:t>.  Source IP Address = Sender IPv6 Address                      .</a:t>
-            </a:r>
-          </a:p>
-          <a:p>
+              <a:t> IPv4 or IPv6 Address           . .  Destination IP Address = </a:t>
+            </a:r>
+            <a:r>
+              <a:rPr lang="en-CA" sz="900" b="1" dirty="0">
+                <a:latin typeface="Courier" pitchFamily="2" charset="0"/>
+              </a:rPr>
+              <a:t>Sender</a:t>
+            </a:r>
             <a:r>
               <a:rPr lang="en-CA" sz="900" dirty="0">
                 <a:latin typeface="Courier" pitchFamily="2" charset="0"/>
               </a:rPr>
-              <a:t>.  Destination IP Address = Destination IPv6 Address            .</a:t>
+              <a:t> IPv4 or IPv6 Address         . .  Protocol = UDP                                               . .                                                               . +---------------------------------------------------------------+ | UDP Header                                                    | .  Source Port = As chosen by Sender                            . .  Destination Port = As chosen by Sender                       . .                                                               . +---------------------------------------------------------------+ | Payload                                                       | </a:t>
             </a:r>
           </a:p>
           <a:p>
@@ -11112,7 +11576,7 @@
               <a:rPr lang="en-CA" sz="900" dirty="0">
                 <a:latin typeface="Courier" pitchFamily="2" charset="0"/>
               </a:rPr>
-              <a:t>.                                                               .</a:t>
+              <a:t>.                                                               . +---------------------------------------------------------------+</a:t>
             </a:r>
           </a:p>
           <a:p>
@@ -11120,7 +11584,7 @@
               <a:rPr lang="en-CA" sz="900" dirty="0">
                 <a:latin typeface="Courier" pitchFamily="2" charset="0"/>
               </a:rPr>
-              <a:t>+---------------------------------------------------------------+</a:t>
+              <a:t>    </a:t>
             </a:r>
           </a:p>
           <a:p>
@@ -11128,183 +11592,7 @@
               <a:rPr lang="en-CA" sz="900" dirty="0">
                 <a:latin typeface="Courier" pitchFamily="2" charset="0"/>
               </a:rPr>
-              <a:t>| SRH as specified in RFC 8754                                  |</a:t>
-            </a:r>
-          </a:p>
-          <a:p>
-            <a:r>
-              <a:rPr lang="en-CA" sz="900" dirty="0">
-                <a:latin typeface="Courier" pitchFamily="2" charset="0"/>
-              </a:rPr>
-              <a:t>.  &lt;Segment List&gt;                                               .</a:t>
-            </a:r>
-          </a:p>
-          <a:p>
-            <a:r>
-              <a:rPr lang="en-CA" sz="900" dirty="0">
-                <a:latin typeface="Courier" pitchFamily="2" charset="0"/>
-              </a:rPr>
-              <a:t>.  END.TSF with Target SID                                      .</a:t>
-            </a:r>
-          </a:p>
-          <a:p>
-            <a:r>
-              <a:rPr lang="en-CA" sz="900" dirty="0">
-                <a:latin typeface="Courier" pitchFamily="2" charset="0"/>
-              </a:rPr>
-              <a:t>.                                                               .</a:t>
-            </a:r>
-          </a:p>
-          <a:p>
-            <a:r>
-              <a:rPr lang="en-CA" sz="900" dirty="0">
-                <a:latin typeface="Courier" pitchFamily="2" charset="0"/>
-              </a:rPr>
-              <a:t>+---------------------------------------------------------------+</a:t>
-            </a:r>
-          </a:p>
-          <a:p>
-            <a:r>
-              <a:rPr lang="en-CA" sz="900" dirty="0">
-                <a:latin typeface="Courier" pitchFamily="2" charset="0"/>
-              </a:rPr>
-              <a:t>| IP Header                                                     |</a:t>
-            </a:r>
-          </a:p>
-          <a:p>
-            <a:r>
-              <a:rPr lang="en-CA" sz="900" dirty="0">
-                <a:latin typeface="Courier" pitchFamily="2" charset="0"/>
-              </a:rPr>
-              <a:t>.  Source IP Address = </a:t>
-            </a:r>
-            <a:r>
-              <a:rPr lang="en-CA" sz="900" b="1" dirty="0">
-                <a:latin typeface="Courier" pitchFamily="2" charset="0"/>
-              </a:rPr>
-              <a:t>Reflector</a:t>
-            </a:r>
-            <a:r>
-              <a:rPr lang="en-CA" sz="900" dirty="0">
-                <a:latin typeface="Courier" pitchFamily="2" charset="0"/>
-              </a:rPr>
-              <a:t> IPv6 Address                   .</a:t>
-            </a:r>
-          </a:p>
-          <a:p>
-            <a:r>
-              <a:rPr lang="en-CA" sz="900" dirty="0">
-                <a:latin typeface="Courier" pitchFamily="2" charset="0"/>
-              </a:rPr>
-              <a:t>.  Destination IP Address = </a:t>
-            </a:r>
-            <a:r>
-              <a:rPr lang="en-CA" sz="900" b="1" dirty="0">
-                <a:latin typeface="Courier" pitchFamily="2" charset="0"/>
-              </a:rPr>
-              <a:t>Sender</a:t>
-            </a:r>
-            <a:r>
-              <a:rPr lang="en-CA" sz="900" dirty="0">
-                <a:latin typeface="Courier" pitchFamily="2" charset="0"/>
-              </a:rPr>
-              <a:t> IPv6 Address                 .</a:t>
-            </a:r>
-          </a:p>
-          <a:p>
-            <a:r>
-              <a:rPr lang="en-CA" sz="900" dirty="0">
-                <a:latin typeface="Courier" pitchFamily="2" charset="0"/>
-              </a:rPr>
-              <a:t>.                                                               .</a:t>
-            </a:r>
-          </a:p>
-          <a:p>
-            <a:r>
-              <a:rPr lang="en-CA" sz="900" dirty="0">
-                <a:latin typeface="Courier" pitchFamily="2" charset="0"/>
-              </a:rPr>
-              <a:t>+---------------------------------------------------------------+</a:t>
-            </a:r>
-          </a:p>
-          <a:p>
-            <a:r>
-              <a:rPr lang="en-CA" sz="900" dirty="0">
-                <a:latin typeface="Courier" pitchFamily="2" charset="0"/>
-              </a:rPr>
-              <a:t>| UDP Header                                                    |</a:t>
-            </a:r>
-          </a:p>
-          <a:p>
-            <a:r>
-              <a:rPr lang="en-CA" sz="900" dirty="0">
-                <a:latin typeface="Courier" pitchFamily="2" charset="0"/>
-              </a:rPr>
-              <a:t>.  Source Port = As chosen by Sender                            . </a:t>
-            </a:r>
-          </a:p>
-          <a:p>
-            <a:r>
-              <a:rPr lang="en-CA" sz="900" dirty="0">
-                <a:latin typeface="Courier" pitchFamily="2" charset="0"/>
-              </a:rPr>
-              <a:t>.  Destination Port = As chosen by Sender                       .</a:t>
-            </a:r>
-          </a:p>
-          <a:p>
-            <a:r>
-              <a:rPr lang="en-CA" sz="900" dirty="0">
-                <a:latin typeface="Courier" pitchFamily="2" charset="0"/>
-              </a:rPr>
-              <a:t>.                                                               .</a:t>
-            </a:r>
-          </a:p>
-          <a:p>
-            <a:r>
-              <a:rPr lang="en-CA" sz="900" dirty="0">
-                <a:latin typeface="Courier" pitchFamily="2" charset="0"/>
-              </a:rPr>
-              <a:t>+---------------------------------------------------------------+</a:t>
-            </a:r>
-          </a:p>
-          <a:p>
-            <a:r>
-              <a:rPr lang="en-CA" sz="900" dirty="0">
-                <a:latin typeface="Courier" pitchFamily="2" charset="0"/>
-              </a:rPr>
-              <a:t>| Payload                                                       |</a:t>
-            </a:r>
-          </a:p>
-          <a:p>
-            <a:r>
-              <a:rPr lang="en-CA" sz="900" dirty="0">
-                <a:latin typeface="Courier" pitchFamily="2" charset="0"/>
-              </a:rPr>
-              <a:t>.                                                               .</a:t>
-            </a:r>
-          </a:p>
-          <a:p>
-            <a:r>
-              <a:rPr lang="en-CA" sz="900" dirty="0">
-                <a:latin typeface="Courier" pitchFamily="2" charset="0"/>
-              </a:rPr>
-              <a:t>+---------------------------------------------------------------+</a:t>
-            </a:r>
-          </a:p>
-          <a:p>
-            <a:r>
-              <a:rPr lang="en-CA" sz="900" dirty="0">
-                <a:latin typeface="Courier" pitchFamily="2" charset="0"/>
-              </a:rPr>
-              <a:t> </a:t>
-            </a:r>
-          </a:p>
-          <a:p>
-            <a:r>
-              <a:rPr lang="en-CA" sz="900" dirty="0">
-                <a:latin typeface="Courier" pitchFamily="2" charset="0"/>
-              </a:rPr>
-              <a:t>        Example Probe Message with Endpoint Function for SRv6</a:t>
+              <a:t>     Example Probe Message with Timestamp Label for SR-MPLS</a:t>
             </a:r>
             <a:endParaRPr lang="en-US" sz="900" dirty="0">
               <a:latin typeface="Courier" pitchFamily="2" charset="0"/>
@@ -11330,8 +11618,8 @@
         </p:nvSpPr>
         <p:spPr>
           <a:xfrm>
-            <a:off x="5246885" y="989897"/>
-            <a:ext cx="3678973" cy="3276600"/>
+            <a:off x="5105400" y="1123950"/>
+            <a:ext cx="3678973" cy="2590800"/>
           </a:xfrm>
         </p:spPr>
         <p:txBody>
@@ -11339,58 +11627,31 @@
           <a:lstStyle/>
           <a:p>
             <a:r>
-              <a:rPr lang="en-US" sz="1400" dirty="0"/>
-              <a:t>Endpoint Function END.TSF is defined for Timestamp and Forward network programming and is carried for the Reflector node SID</a:t>
-            </a:r>
-          </a:p>
-          <a:p>
-            <a:r>
-              <a:rPr lang="en-US" sz="1400" dirty="0"/>
-              <a:t>Reverse path can be IP</a:t>
-            </a:r>
-          </a:p>
-          <a:p>
-            <a:pPr lvl="1"/>
-            <a:r>
-              <a:rPr lang="en-US" sz="1400" dirty="0"/>
-              <a:t>Reflector node removes SRH</a:t>
-            </a:r>
-          </a:p>
-          <a:p>
-            <a:r>
-              <a:rPr lang="en-US" sz="1400" dirty="0"/>
-              <a:t>Reverse path can be SR</a:t>
-            </a:r>
-          </a:p>
-          <a:p>
-            <a:pPr lvl="1"/>
-            <a:r>
-              <a:rPr lang="en-US" sz="1400" dirty="0"/>
-              <a:t>Reverse direction SR path carried in SRH</a:t>
-            </a:r>
-          </a:p>
-          <a:p>
-            <a:pPr lvl="1"/>
-            <a:r>
-              <a:rPr lang="en-US" sz="1400" dirty="0"/>
-              <a:t>Reflector node does not remove the SRH</a:t>
-            </a:r>
-          </a:p>
-          <a:p>
-            <a:r>
-              <a:rPr lang="en-US" sz="1400" dirty="0"/>
-              <a:t>Source and Destination Addresses are swapped to represent the Reverse direction path in the inner IPv6 header</a:t>
-            </a:r>
-          </a:p>
-          <a:p>
-            <a:endParaRPr lang="en-US" sz="1400" dirty="0"/>
+              <a:rPr lang="en-US" sz="1600" dirty="0"/>
+              <a:t>Extended Special-purpose label (TBA1) is defined for Timestamp and Forward network programming</a:t>
+            </a:r>
+          </a:p>
+          <a:p>
+            <a:r>
+              <a:rPr lang="en-US" sz="1600" dirty="0"/>
+              <a:t>Reverse Path can be IP or SR-MPLS</a:t>
+            </a:r>
+          </a:p>
+          <a:p>
+            <a:r>
+              <a:rPr lang="en-US" sz="1600" dirty="0"/>
+              <a:t>Source and Destination Addresses are swapped to represent the Reverse direction path</a:t>
+            </a:r>
+          </a:p>
+          <a:p>
+            <a:endParaRPr lang="en-US" sz="1600" dirty="0"/>
           </a:p>
         </p:txBody>
       </p:sp>
     </p:spTree>
     <p:extLst>
       <p:ext uri="{BB962C8B-B14F-4D97-AF65-F5344CB8AC3E}">
-        <p14:creationId xmlns:p14="http://schemas.microsoft.com/office/powerpoint/2010/main" val="3310436608"/>
+        <p14:creationId xmlns:p14="http://schemas.microsoft.com/office/powerpoint/2010/main" val="3257992778"/>
       </p:ext>
     </p:extLst>
   </p:cSld>

--- a/draft-gandhi-spring-sr-enhanced-plm-02.pptx
+++ b/draft-gandhi-spring-sr-enhanced-plm-02.pptx
@@ -9363,8 +9363,8 @@
         </p:nvSpPr>
         <p:spPr>
           <a:xfrm>
-            <a:off x="533400" y="3149385"/>
-            <a:ext cx="7772400" cy="1327365"/>
+            <a:off x="533400" y="3193752"/>
+            <a:ext cx="7924800" cy="1327365"/>
           </a:xfrm>
         </p:spPr>
         <p:txBody>
@@ -9822,8 +9822,8 @@
         </p:nvSpPr>
         <p:spPr>
           <a:xfrm>
-            <a:off x="457200" y="2885657"/>
-            <a:ext cx="8153400" cy="1749049"/>
+            <a:off x="381000" y="2742429"/>
+            <a:ext cx="8382000" cy="2123658"/>
           </a:xfrm>
         </p:spPr>
         <p:txBody>
@@ -9839,7 +9839,7 @@
               </a:spcBef>
             </a:pPr>
             <a:r>
-              <a:rPr lang="en-CA" sz="1400" dirty="0"/>
+              <a:rPr lang="en-CA" sz="1200" dirty="0"/>
               <a:t>Using PM probes in loopback mode enabled with network programming function</a:t>
             </a:r>
           </a:p>
@@ -9853,7 +9853,7 @@
               </a:spcBef>
             </a:pPr>
             <a:r>
-              <a:rPr lang="en-CA" sz="1400" dirty="0"/>
+              <a:rPr lang="en-CA" sz="1200" dirty="0"/>
               <a:t>The network programming function optimizes the "operations of punt, add receive timestamp and inject the probe packet" on the reflector node</a:t>
             </a:r>
           </a:p>
@@ -9867,7 +9867,7 @@
               </a:spcBef>
             </a:pPr>
             <a:r>
-              <a:rPr lang="en-CA" sz="1400" dirty="0"/>
+              <a:rPr lang="en-CA" sz="1200" dirty="0"/>
               <a:t>As probe packets are forwarded in fast-path, faster liveness failure detection is possible</a:t>
             </a:r>
           </a:p>
@@ -9881,7 +9881,7 @@
               </a:spcBef>
             </a:pPr>
             <a:r>
-              <a:rPr lang="en-CA" sz="1400" dirty="0"/>
+              <a:rPr lang="en-CA" sz="1200" dirty="0"/>
               <a:t>Reflector node adds the receive timestamp in the payload of the received probe message without punting the message</a:t>
             </a:r>
           </a:p>
@@ -9895,8 +9895,22 @@
               </a:spcBef>
             </a:pPr>
             <a:r>
-              <a:rPr lang="en-CA" sz="1400" dirty="0"/>
+              <a:rPr lang="en-CA" sz="1200" dirty="0"/>
               <a:t>Only adds the receive timestamp if the source address or destination address in the probe message matches the local node address</a:t>
+            </a:r>
+          </a:p>
+          <a:p>
+            <a:pPr lvl="1">
+              <a:lnSpc>
+                <a:spcPts val="1580"/>
+              </a:lnSpc>
+              <a:spcBef>
+                <a:spcPts val="600"/>
+              </a:spcBef>
+            </a:pPr>
+            <a:r>
+              <a:rPr lang="en-CA" sz="1200" dirty="0"/>
+              <a:t>Loopback probe packets reach the intended reflector node</a:t>
             </a:r>
           </a:p>
         </p:txBody>

--- a/draft-gandhi-spring-sr-enhanced-plm-02.pptx
+++ b/draft-gandhi-spring-sr-enhanced-plm-02.pptx
@@ -258,7 +258,7 @@
           <a:p>
             <a:fld id="{E8FA3DB5-7722-3F4F-947D-12B203669AD7}" type="datetimeFigureOut">
               <a:rPr lang="en-US" smtClean="0"/>
-              <a:t>7/20/20</a:t>
+              <a:t>7/22/20</a:t>
             </a:fld>
             <a:endParaRPr lang="en-US"/>
           </a:p>
@@ -5741,7 +5741,7 @@
                 <a:latin typeface="Calibri Light" panose="020F0302020204030204" pitchFamily="34" charset="0"/>
                 <a:cs typeface="Calibri Light" panose="020F0302020204030204" pitchFamily="34" charset="0"/>
               </a:rPr>
-              <a:t>SRv6 with Timestamp and Forward Function</a:t>
+              <a:t>SRv6 with Timestamp and Forward SID Function</a:t>
             </a:r>
           </a:p>
         </p:txBody>
@@ -5825,7 +5825,7 @@
         <p:spPr>
           <a:xfrm>
             <a:off x="381000" y="725090"/>
-            <a:ext cx="4643034" cy="3693319"/>
+            <a:ext cx="4643034" cy="3831818"/>
           </a:xfrm>
           <a:prstGeom prst="rect">
             <a:avLst/>
@@ -5911,7 +5911,7 @@
               <a:rPr lang="en-CA" sz="900" dirty="0">
                 <a:latin typeface="Courier" pitchFamily="2" charset="0"/>
               </a:rPr>
-              <a:t>.  END.TSF with Target SID                                      .</a:t>
+              <a:t>.  END.TSF with Reflector SID                                   .</a:t>
             </a:r>
           </a:p>
           <a:p>
@@ -6097,7 +6097,7 @@
         </p:nvSpPr>
         <p:spPr>
           <a:xfrm>
-            <a:off x="5246885" y="989897"/>
+            <a:off x="5135688" y="933449"/>
             <a:ext cx="3678973" cy="3276600"/>
           </a:xfrm>
         </p:spPr>
@@ -6107,7 +6107,7 @@
           <a:p>
             <a:r>
               <a:rPr lang="en-US" sz="1400" dirty="0"/>
-              <a:t>Endpoint Function END.TSF is defined for Timestamp and Forward network programming and is carried for the Reflector node SID</a:t>
+              <a:t>Endpoint SID Function END.TSF is defined for Timestamp and Forward network programming and is carried for the Reflector node SID</a:t>
             </a:r>
           </a:p>
           <a:p>
@@ -6133,7 +6133,7 @@
             <a:pPr lvl="1"/>
             <a:r>
               <a:rPr lang="en-US" sz="1400" dirty="0"/>
-              <a:t>Reverse direction SR path carried in SRH</a:t>
+              <a:t>Reverse direction SR path Segment-list carried in SRH</a:t>
             </a:r>
           </a:p>
           <a:p>
@@ -7350,8 +7350,8 @@
         </p:nvSpPr>
         <p:spPr>
           <a:xfrm>
-            <a:off x="99888" y="0"/>
-            <a:ext cx="8001000" cy="764281"/>
+            <a:off x="57878" y="-7749"/>
+            <a:ext cx="8988754" cy="764281"/>
           </a:xfrm>
         </p:spPr>
         <p:txBody>
@@ -7366,7 +7366,7 @@
                 <a:latin typeface="Calibri Light" panose="020F0302020204030204" pitchFamily="34" charset="0"/>
                 <a:cs typeface="Calibri Light" panose="020F0302020204030204" pitchFamily="34" charset="0"/>
               </a:rPr>
-              <a:t>Enhanced Loopback Mode for SR-MPLS Policy</a:t>
+              <a:t>Loopback Mode with Timestamp and Forward for SR-MPLS Policy</a:t>
             </a:r>
             <a:endParaRPr lang="en-US" sz="2600" b="0" dirty="0">
               <a:solidFill>
@@ -7386,7 +7386,7 @@
         </p:nvSpPr>
         <p:spPr>
           <a:xfrm>
-            <a:off x="2988460" y="1352550"/>
+            <a:off x="3086611" y="1320785"/>
             <a:ext cx="466385" cy="127022"/>
           </a:xfrm>
           <a:prstGeom prst="rightArrow">
@@ -7441,7 +7441,7 @@
         </p:nvCxnSpPr>
         <p:spPr>
           <a:xfrm>
-            <a:off x="1675031" y="2700140"/>
+            <a:off x="1773182" y="2668375"/>
             <a:ext cx="5546322" cy="17153"/>
           </a:xfrm>
           <a:prstGeom prst="straightConnector1">
@@ -7479,7 +7479,7 @@
         </p:nvSpPr>
         <p:spPr>
           <a:xfrm>
-            <a:off x="2962402" y="1142690"/>
+            <a:off x="3060553" y="1110925"/>
             <a:ext cx="492443" cy="230832"/>
           </a:xfrm>
           <a:prstGeom prst="rect">
@@ -7508,7 +7508,7 @@
         </p:nvSpPr>
         <p:spPr>
           <a:xfrm rot="10800000">
-            <a:off x="5401347" y="3257550"/>
+            <a:off x="5499498" y="3225785"/>
             <a:ext cx="466385" cy="127022"/>
           </a:xfrm>
           <a:prstGeom prst="rightArrow">
@@ -7559,7 +7559,7 @@
         </p:nvSpPr>
         <p:spPr>
           <a:xfrm>
-            <a:off x="5126761" y="3030439"/>
+            <a:off x="5224912" y="2998674"/>
             <a:ext cx="870751" cy="230832"/>
           </a:xfrm>
           <a:prstGeom prst="rect">
@@ -7594,7 +7594,7 @@
         </p:nvGrpSpPr>
         <p:grpSpPr>
           <a:xfrm>
-            <a:off x="1153474" y="2441874"/>
+            <a:off x="1251625" y="2410109"/>
             <a:ext cx="521557" cy="516532"/>
             <a:chOff x="1965275" y="975597"/>
             <a:chExt cx="822419" cy="654514"/>
@@ -7703,7 +7703,7 @@
         </p:nvGrpSpPr>
         <p:grpSpPr>
           <a:xfrm>
-            <a:off x="4100388" y="2465909"/>
+            <a:off x="4198539" y="2434144"/>
             <a:ext cx="521557" cy="516532"/>
             <a:chOff x="1965275" y="975597"/>
             <a:chExt cx="822419" cy="654514"/>
@@ -7812,7 +7812,7 @@
         </p:nvGrpSpPr>
         <p:grpSpPr>
           <a:xfrm>
-            <a:off x="7221353" y="2459027"/>
+            <a:off x="7319504" y="2427262"/>
             <a:ext cx="521557" cy="516532"/>
             <a:chOff x="1965275" y="975597"/>
             <a:chExt cx="822419" cy="654514"/>
@@ -7922,13 +7922,13 @@
           <p:nvPr>
             <p:extLst>
               <p:ext uri="{D42A27DB-BD31-4B8C-83A1-F6EECF244321}">
-                <p14:modId xmlns:p14="http://schemas.microsoft.com/office/powerpoint/2010/main" val="4084558095"/>
+                <p14:modId xmlns:p14="http://schemas.microsoft.com/office/powerpoint/2010/main" val="581474866"/>
               </p:ext>
             </p:extLst>
           </p:nvPr>
         </p:nvGraphicFramePr>
         <p:xfrm>
-          <a:off x="1799430" y="1134134"/>
+          <a:off x="1897581" y="1102369"/>
           <a:ext cx="1099698" cy="1325880"/>
         </p:xfrm>
         <a:graphic>
@@ -8088,13 +8088,13 @@
           <p:nvPr>
             <p:extLst>
               <p:ext uri="{D42A27DB-BD31-4B8C-83A1-F6EECF244321}">
-                <p14:modId xmlns:p14="http://schemas.microsoft.com/office/powerpoint/2010/main" val="2849786711"/>
+                <p14:modId xmlns:p14="http://schemas.microsoft.com/office/powerpoint/2010/main" val="1785655772"/>
               </p:ext>
             </p:extLst>
           </p:nvPr>
         </p:nvGraphicFramePr>
         <p:xfrm>
-          <a:off x="4874982" y="1364497"/>
+          <a:off x="4973133" y="1332732"/>
           <a:ext cx="1046667" cy="1097280"/>
         </p:xfrm>
         <a:graphic>
@@ -8230,13 +8230,13 @@
           <p:nvPr>
             <p:extLst>
               <p:ext uri="{D42A27DB-BD31-4B8C-83A1-F6EECF244321}">
-                <p14:modId xmlns:p14="http://schemas.microsoft.com/office/powerpoint/2010/main" val="243063226"/>
+                <p14:modId xmlns:p14="http://schemas.microsoft.com/office/powerpoint/2010/main" val="637532799"/>
               </p:ext>
             </p:extLst>
           </p:nvPr>
         </p:nvGraphicFramePr>
         <p:xfrm>
-          <a:off x="2808699" y="3033640"/>
+          <a:off x="2906850" y="3001875"/>
           <a:ext cx="1099698" cy="1005840"/>
         </p:xfrm>
         <a:graphic>
@@ -8358,13 +8358,13 @@
           <p:nvPr>
             <p:extLst>
               <p:ext uri="{D42A27DB-BD31-4B8C-83A1-F6EECF244321}">
-                <p14:modId xmlns:p14="http://schemas.microsoft.com/office/powerpoint/2010/main" val="736690056"/>
+                <p14:modId xmlns:p14="http://schemas.microsoft.com/office/powerpoint/2010/main" val="1197819412"/>
               </p:ext>
             </p:extLst>
           </p:nvPr>
         </p:nvGraphicFramePr>
         <p:xfrm>
-          <a:off x="5944592" y="3033640"/>
+          <a:off x="6042743" y="3001875"/>
           <a:ext cx="1155603" cy="1005840"/>
         </p:xfrm>
         <a:graphic>
@@ -8485,7 +8485,7 @@
         </p:nvSpPr>
         <p:spPr>
           <a:xfrm>
-            <a:off x="7442766" y="1967743"/>
+            <a:off x="7540917" y="1935978"/>
             <a:ext cx="527467" cy="1676400"/>
           </a:xfrm>
           <a:prstGeom prst="curvedLeftArrow">
@@ -9381,7 +9381,7 @@
             </a:pPr>
             <a:r>
               <a:rPr lang="en-US" sz="1600" dirty="0"/>
-              <a:t>Using PM probes (for example, TWAMP Light/STAMP delay measurement messages) in Loopback Mode</a:t>
+              <a:t>Using PM probes (TWAMP Light/STAMP delay measurement messages) in Loopback Mode</a:t>
             </a:r>
           </a:p>
           <a:p>
@@ -9745,7 +9745,7 @@
         <p:spPr>
           <a:xfrm>
             <a:off x="57150" y="0"/>
-            <a:ext cx="9029700" cy="710446"/>
+            <a:ext cx="9029700" cy="618771"/>
           </a:xfrm>
         </p:spPr>
         <p:txBody>
@@ -9910,7 +9910,7 @@
             </a:pPr>
             <a:r>
               <a:rPr lang="en-CA" sz="1200" dirty="0"/>
-              <a:t>Loopback probe packets reach the intended reflector node</a:t>
+              <a:t>Ensure loopback probe packets return from the intended reflector node</a:t>
             </a:r>
           </a:p>
         </p:txBody>
@@ -9976,7 +9976,7 @@
               <a:rPr lang="en-CA" sz="1100" dirty="0">
                 <a:latin typeface="Courier" pitchFamily="2" charset="0"/>
               </a:rPr>
-              <a:t>   +-------+       Probe         +-------+</a:t>
+              <a:t>   +-------+      Probe          +-------+</a:t>
             </a:r>
           </a:p>
           <a:p>
@@ -10220,42 +10220,42 @@
           <a:p>
             <a:pPr>
               <a:lnSpc>
-                <a:spcPts val="2080"/>
+                <a:spcPts val="2180"/>
               </a:lnSpc>
               <a:spcBef>
                 <a:spcPts val="600"/>
               </a:spcBef>
             </a:pPr>
             <a:r>
-              <a:rPr lang="en-US" sz="1800" dirty="0"/>
-              <a:t>The delay metrics are notified when consecutive M number of probe messages have delay values exceed the configured thresholds</a:t>
+              <a:rPr lang="en-US" sz="2000" dirty="0"/>
+              <a:t>Delay metrics are notified when consecutive M number of probe messages have delay values exceed the configured thresholds</a:t>
             </a:r>
           </a:p>
           <a:p>
             <a:pPr>
               <a:lnSpc>
-                <a:spcPts val="2080"/>
+                <a:spcPts val="2180"/>
               </a:lnSpc>
               <a:spcBef>
                 <a:spcPts val="600"/>
               </a:spcBef>
             </a:pPr>
             <a:r>
-              <a:rPr lang="en-US" sz="1800" dirty="0"/>
+              <a:rPr lang="en-US" sz="2000" dirty="0"/>
               <a:t>Liveness failure is notified when consecutive N number of return probe messages are not received at the sender</a:t>
             </a:r>
-            <a:endParaRPr lang="en-CA" sz="1800" dirty="0"/>
+            <a:endParaRPr lang="en-CA" sz="2000" dirty="0"/>
           </a:p>
           <a:p>
             <a:pPr>
               <a:lnSpc>
-                <a:spcPts val="2080"/>
+                <a:spcPts val="2180"/>
               </a:lnSpc>
               <a:spcBef>
                 <a:spcPts val="600"/>
               </a:spcBef>
             </a:pPr>
-            <a:endParaRPr lang="en-US" sz="1800" dirty="0"/>
+            <a:endParaRPr lang="en-US" sz="2000" dirty="0"/>
           </a:p>
         </p:txBody>
       </p:sp>
@@ -10357,7 +10357,7 @@
                 <a:latin typeface="Calibri Light" panose="020F0302020204030204" pitchFamily="34" charset="0"/>
                 <a:cs typeface="Calibri Light" panose="020F0302020204030204" pitchFamily="34" charset="0"/>
               </a:rPr>
-              <a:t>Example Probe Messages for Timestamp and Forward Function</a:t>
+              <a:t>Probe Messages for Timestamp and Forward Function</a:t>
             </a:r>
           </a:p>
         </p:txBody>
@@ -10405,7 +10405,7 @@
         </p:nvSpPr>
         <p:spPr>
           <a:xfrm>
-            <a:off x="316648" y="1693158"/>
+            <a:off x="405974" y="1693158"/>
             <a:ext cx="4089826" cy="3093154"/>
           </a:xfrm>
           <a:prstGeom prst="rect">
@@ -11523,7 +11523,7 @@
         </p:nvSpPr>
         <p:spPr>
           <a:xfrm>
-            <a:off x="332214" y="615197"/>
+            <a:off x="332214" y="658832"/>
             <a:ext cx="4696986" cy="3970318"/>
           </a:xfrm>
           <a:prstGeom prst="rect">
@@ -11582,7 +11582,23 @@
               <a:rPr lang="en-CA" sz="900" dirty="0">
                 <a:latin typeface="Courier" pitchFamily="2" charset="0"/>
               </a:rPr>
-              <a:t> IPv4 or IPv6 Address         . .  Protocol = UDP                                               . .                                                               . +---------------------------------------------------------------+ | UDP Header                                                    | .  Source Port = As chosen by Sender                            . .  Destination Port = As chosen by Sender                       . .                                                               . +---------------------------------------------------------------+ | Payload                                                       | </a:t>
+              <a:t> IPv4 or IPv6 Address         .</a:t>
+            </a:r>
+          </a:p>
+          <a:p>
+            <a:r>
+              <a:rPr lang="en-CA" sz="900" dirty="0">
+                <a:latin typeface="Courier" pitchFamily="2" charset="0"/>
+              </a:rPr>
+              <a:t>.                                                               . </a:t>
+            </a:r>
+          </a:p>
+          <a:p>
+            <a:r>
+              <a:rPr lang="en-CA" sz="900" dirty="0">
+                <a:latin typeface="Courier" pitchFamily="2" charset="0"/>
+              </a:rPr>
+              <a:t>+---------------------------------------------------------------+ | UDP Header                                                    | .  Source Port = As chosen by Sender                            . .  Destination Port = As chosen by Sender                       . .                                                               . +---------------------------------------------------------------+ | Payload                                                       | </a:t>
             </a:r>
           </a:p>
           <a:p>

--- a/draft-gandhi-spring-sr-enhanced-plm-02.pptx
+++ b/draft-gandhi-spring-sr-enhanced-plm-02.pptx
@@ -5,10 +5,10 @@
     <p:sldMasterId id="2147483648" r:id="rId1"/>
   </p:sldMasterIdLst>
   <p:notesMasterIdLst>
-    <p:notesMasterId r:id="rId17"/>
+    <p:notesMasterId r:id="rId19"/>
   </p:notesMasterIdLst>
   <p:handoutMasterIdLst>
-    <p:handoutMasterId r:id="rId18"/>
+    <p:handoutMasterId r:id="rId20"/>
   </p:handoutMasterIdLst>
   <p:sldIdLst>
     <p:sldId id="256" r:id="rId2"/>
@@ -25,7 +25,9 @@
     <p:sldId id="1663" r:id="rId13"/>
     <p:sldId id="318" r:id="rId14"/>
     <p:sldId id="303" r:id="rId15"/>
-    <p:sldId id="1664" r:id="rId16"/>
+    <p:sldId id="1672" r:id="rId16"/>
+    <p:sldId id="1664" r:id="rId17"/>
+    <p:sldId id="1654" r:id="rId18"/>
   </p:sldIdLst>
   <p:sldSz cx="9144000" cy="5143500" type="screen16x9"/>
   <p:notesSz cx="6858000" cy="9144000"/>
@@ -258,7 +260,7 @@
           <a:p>
             <a:fld id="{E8FA3DB5-7722-3F4F-947D-12B203669AD7}" type="datetimeFigureOut">
               <a:rPr lang="en-US" smtClean="0"/>
-              <a:t>7/22/20</a:t>
+              <a:t>7/24/20</a:t>
             </a:fld>
             <a:endParaRPr lang="en-US"/>
           </a:p>
@@ -1279,6 +1281,96 @@
           <a:bodyPr/>
           <a:lstStyle/>
           <a:p>
+            <a:endParaRPr lang="en-CA" dirty="0"/>
+          </a:p>
+        </p:txBody>
+      </p:sp>
+      <p:sp>
+        <p:nvSpPr>
+          <p:cNvPr id="4" name="Slide Number Placeholder 3"/>
+          <p:cNvSpPr>
+            <a:spLocks noGrp="1"/>
+          </p:cNvSpPr>
+          <p:nvPr>
+            <p:ph type="sldNum" sz="quarter" idx="10"/>
+          </p:nvPr>
+        </p:nvSpPr>
+        <p:spPr/>
+        <p:txBody>
+          <a:bodyPr/>
+          <a:lstStyle/>
+          <a:p>
+            <a:pPr>
+              <a:defRPr/>
+            </a:pPr>
+            <a:fld id="{100938BD-FD70-4535-B0C2-13FC38CDF1BE}" type="slidenum">
+              <a:rPr lang="en-US" altLang="zh-CN" smtClean="0"/>
+              <a:pPr>
+                <a:defRPr/>
+              </a:pPr>
+              <a:t>15</a:t>
+            </a:fld>
+            <a:endParaRPr lang="en-US" altLang="zh-CN"/>
+          </a:p>
+        </p:txBody>
+      </p:sp>
+    </p:spTree>
+    <p:extLst>
+      <p:ext uri="{BB962C8B-B14F-4D97-AF65-F5344CB8AC3E}">
+        <p14:creationId xmlns:p14="http://schemas.microsoft.com/office/powerpoint/2010/main" val="3615763183"/>
+      </p:ext>
+    </p:extLst>
+  </p:cSld>
+  <p:clrMapOvr>
+    <a:masterClrMapping/>
+  </p:clrMapOvr>
+</p:notes>
+</file>
+
+<file path=ppt/notesSlides/notesSlide15.xml><?xml version="1.0" encoding="utf-8"?>
+<p:notes xmlns:a="http://schemas.openxmlformats.org/drawingml/2006/main" xmlns:r="http://schemas.openxmlformats.org/officeDocument/2006/relationships" xmlns:p="http://schemas.openxmlformats.org/presentationml/2006/main">
+  <p:cSld>
+    <p:spTree>
+      <p:nvGrpSpPr>
+        <p:cNvPr id="1" name=""/>
+        <p:cNvGrpSpPr/>
+        <p:nvPr/>
+      </p:nvGrpSpPr>
+      <p:grpSpPr>
+        <a:xfrm>
+          <a:off x="0" y="0"/>
+          <a:ext cx="0" cy="0"/>
+          <a:chOff x="0" y="0"/>
+          <a:chExt cx="0" cy="0"/>
+        </a:xfrm>
+      </p:grpSpPr>
+      <p:sp>
+        <p:nvSpPr>
+          <p:cNvPr id="2" name="Slide Image Placeholder 1"/>
+          <p:cNvSpPr>
+            <a:spLocks noGrp="1" noRot="1" noChangeAspect="1"/>
+          </p:cNvSpPr>
+          <p:nvPr>
+            <p:ph type="sldImg"/>
+          </p:nvPr>
+        </p:nvSpPr>
+        <p:spPr/>
+      </p:sp>
+      <p:sp>
+        <p:nvSpPr>
+          <p:cNvPr id="3" name="Notes Placeholder 2"/>
+          <p:cNvSpPr>
+            <a:spLocks noGrp="1"/>
+          </p:cNvSpPr>
+          <p:nvPr>
+            <p:ph type="body" idx="1"/>
+          </p:nvPr>
+        </p:nvSpPr>
+        <p:spPr/>
+        <p:txBody>
+          <a:bodyPr/>
+          <a:lstStyle/>
+          <a:p>
             <a:pPr marL="171450" marR="0" lvl="0" indent="-171450" algn="l" defTabSz="457200" rtl="0" eaLnBrk="0" fontAlgn="base" latinLnBrk="0" hangingPunct="0">
               <a:lnSpc>
                 <a:spcPct val="100000"/>
@@ -1367,7 +1459,7 @@
               <a:pPr>
                 <a:defRPr/>
               </a:pPr>
-              <a:t>15</a:t>
+              <a:t>16</a:t>
             </a:fld>
             <a:endParaRPr lang="en-US"/>
           </a:p>
@@ -1377,6 +1469,96 @@
     <p:extLst>
       <p:ext uri="{BB962C8B-B14F-4D97-AF65-F5344CB8AC3E}">
         <p14:creationId xmlns:p14="http://schemas.microsoft.com/office/powerpoint/2010/main" val="890828642"/>
+      </p:ext>
+    </p:extLst>
+  </p:cSld>
+  <p:clrMapOvr>
+    <a:masterClrMapping/>
+  </p:clrMapOvr>
+</p:notes>
+</file>
+
+<file path=ppt/notesSlides/notesSlide16.xml><?xml version="1.0" encoding="utf-8"?>
+<p:notes xmlns:a="http://schemas.openxmlformats.org/drawingml/2006/main" xmlns:r="http://schemas.openxmlformats.org/officeDocument/2006/relationships" xmlns:p="http://schemas.openxmlformats.org/presentationml/2006/main">
+  <p:cSld>
+    <p:spTree>
+      <p:nvGrpSpPr>
+        <p:cNvPr id="1" name=""/>
+        <p:cNvGrpSpPr/>
+        <p:nvPr/>
+      </p:nvGrpSpPr>
+      <p:grpSpPr>
+        <a:xfrm>
+          <a:off x="0" y="0"/>
+          <a:ext cx="0" cy="0"/>
+          <a:chOff x="0" y="0"/>
+          <a:chExt cx="0" cy="0"/>
+        </a:xfrm>
+      </p:grpSpPr>
+      <p:sp>
+        <p:nvSpPr>
+          <p:cNvPr id="2" name="Slide Image Placeholder 1"/>
+          <p:cNvSpPr>
+            <a:spLocks noGrp="1" noRot="1" noChangeAspect="1"/>
+          </p:cNvSpPr>
+          <p:nvPr>
+            <p:ph type="sldImg"/>
+          </p:nvPr>
+        </p:nvSpPr>
+        <p:spPr/>
+      </p:sp>
+      <p:sp>
+        <p:nvSpPr>
+          <p:cNvPr id="3" name="Notes Placeholder 2"/>
+          <p:cNvSpPr>
+            <a:spLocks noGrp="1"/>
+          </p:cNvSpPr>
+          <p:nvPr>
+            <p:ph type="body" idx="1"/>
+          </p:nvPr>
+        </p:nvSpPr>
+        <p:spPr/>
+        <p:txBody>
+          <a:bodyPr/>
+          <a:lstStyle/>
+          <a:p>
+            <a:endParaRPr lang="en-US" dirty="0"/>
+          </a:p>
+        </p:txBody>
+      </p:sp>
+      <p:sp>
+        <p:nvSpPr>
+          <p:cNvPr id="4" name="Slide Number Placeholder 3"/>
+          <p:cNvSpPr>
+            <a:spLocks noGrp="1"/>
+          </p:cNvSpPr>
+          <p:nvPr>
+            <p:ph type="sldNum" sz="quarter" idx="10"/>
+          </p:nvPr>
+        </p:nvSpPr>
+        <p:spPr/>
+        <p:txBody>
+          <a:bodyPr/>
+          <a:lstStyle/>
+          <a:p>
+            <a:pPr>
+              <a:defRPr/>
+            </a:pPr>
+            <a:fld id="{100938BD-FD70-4535-B0C2-13FC38CDF1BE}" type="slidenum">
+              <a:rPr lang="en-US" altLang="zh-CN" smtClean="0"/>
+              <a:pPr>
+                <a:defRPr/>
+              </a:pPr>
+              <a:t>17</a:t>
+            </a:fld>
+            <a:endParaRPr lang="en-US" altLang="zh-CN"/>
+          </a:p>
+        </p:txBody>
+      </p:sp>
+    </p:spTree>
+    <p:extLst>
+      <p:ext uri="{BB962C8B-B14F-4D97-AF65-F5344CB8AC3E}">
+        <p14:creationId xmlns:p14="http://schemas.microsoft.com/office/powerpoint/2010/main" val="192177404"/>
       </p:ext>
     </p:extLst>
   </p:cSld>
@@ -7340,6 +7522,128 @@
       </p:grpSpPr>
       <p:sp>
         <p:nvSpPr>
+          <p:cNvPr id="6" name="Footer Placeholder 3"/>
+          <p:cNvSpPr>
+            <a:spLocks noGrp="1"/>
+          </p:cNvSpPr>
+          <p:nvPr>
+            <p:ph type="ftr" sz="quarter" idx="11"/>
+          </p:nvPr>
+        </p:nvSpPr>
+        <p:spPr>
+          <a:xfrm>
+            <a:off x="3124200" y="4786312"/>
+            <a:ext cx="2895600" cy="357188"/>
+          </a:xfrm>
+        </p:spPr>
+        <p:txBody>
+          <a:bodyPr/>
+          <a:lstStyle/>
+          <a:p>
+            <a:r>
+              <a:rPr lang="en-CA" dirty="0"/>
+              <a:t>108</a:t>
+            </a:r>
+            <a:r>
+              <a:rPr lang="en-CA" baseline="30000" dirty="0"/>
+              <a:t>th</a:t>
+            </a:r>
+            <a:r>
+              <a:rPr lang="en-CA" dirty="0"/>
+              <a:t> IETF Online</a:t>
+            </a:r>
+          </a:p>
+        </p:txBody>
+      </p:sp>
+      <p:sp>
+        <p:nvSpPr>
+          <p:cNvPr id="3" name="Slide Number Placeholder 2"/>
+          <p:cNvSpPr>
+            <a:spLocks noGrp="1"/>
+          </p:cNvSpPr>
+          <p:nvPr>
+            <p:ph type="sldNum" sz="quarter" idx="12"/>
+          </p:nvPr>
+        </p:nvSpPr>
+        <p:spPr/>
+        <p:txBody>
+          <a:bodyPr/>
+          <a:lstStyle/>
+          <a:p>
+            <a:pPr>
+              <a:defRPr/>
+            </a:pPr>
+            <a:fld id="{D5EE1D1A-EEC2-4D53-94A7-85D62C853479}" type="slidenum">
+              <a:rPr lang="en-US" altLang="zh-CN" smtClean="0"/>
+              <a:pPr>
+                <a:defRPr/>
+              </a:pPr>
+              <a:t>15</a:t>
+            </a:fld>
+            <a:endParaRPr lang="en-US" altLang="zh-CN"/>
+          </a:p>
+        </p:txBody>
+      </p:sp>
+      <p:sp>
+        <p:nvSpPr>
+          <p:cNvPr id="8" name="Title 7">
+            <a:extLst>
+              <a:ext uri="{FF2B5EF4-FFF2-40B4-BE49-F238E27FC236}">
+                <a16:creationId xmlns:a16="http://schemas.microsoft.com/office/drawing/2014/main" id="{EAE0D9DC-8575-A84F-A04B-3BD8C30794A3}"/>
+              </a:ext>
+            </a:extLst>
+          </p:cNvPr>
+          <p:cNvSpPr>
+            <a:spLocks noGrp="1"/>
+          </p:cNvSpPr>
+          <p:nvPr>
+            <p:ph type="ctrTitle"/>
+          </p:nvPr>
+        </p:nvSpPr>
+        <p:spPr/>
+        <p:txBody>
+          <a:bodyPr/>
+          <a:lstStyle/>
+          <a:p>
+            <a:r>
+              <a:rPr lang="en-US" dirty="0"/>
+              <a:t>Backup</a:t>
+            </a:r>
+          </a:p>
+        </p:txBody>
+      </p:sp>
+    </p:spTree>
+    <p:extLst>
+      <p:ext uri="{BB962C8B-B14F-4D97-AF65-F5344CB8AC3E}">
+        <p14:creationId xmlns:p14="http://schemas.microsoft.com/office/powerpoint/2010/main" val="3906884845"/>
+      </p:ext>
+    </p:extLst>
+  </p:cSld>
+  <p:clrMapOvr>
+    <a:masterClrMapping/>
+  </p:clrMapOvr>
+</p:sld>
+</file>
+
+<file path=ppt/slides/slide16.xml><?xml version="1.0" encoding="utf-8"?>
+<p:sld xmlns:a="http://schemas.openxmlformats.org/drawingml/2006/main" xmlns:r="http://schemas.openxmlformats.org/officeDocument/2006/relationships" xmlns:p="http://schemas.openxmlformats.org/presentationml/2006/main">
+  <p:cSld>
+    <p:spTree>
+      <p:nvGrpSpPr>
+        <p:cNvPr id="1" name=""/>
+        <p:cNvGrpSpPr/>
+        <p:nvPr/>
+      </p:nvGrpSpPr>
+      <p:grpSpPr>
+        <a:xfrm>
+          <a:off x="0" y="0"/>
+          <a:ext cx="0" cy="0"/>
+          <a:chOff x="0" y="0"/>
+          <a:chExt cx="0" cy="0"/>
+        </a:xfrm>
+      </p:grpSpPr>
+      <p:sp>
+        <p:nvSpPr>
           <p:cNvPr id="2" name="Title 1"/>
           <p:cNvSpPr>
             <a:spLocks noGrp="1"/>
@@ -8607,7 +8911,7 @@
               <a:pPr>
                 <a:defRPr/>
               </a:pPr>
-              <a:t>15</a:t>
+              <a:t>16</a:t>
             </a:fld>
             <a:endParaRPr lang="en-US" altLang="zh-CN" dirty="0"/>
           </a:p>
@@ -8617,6 +8921,289 @@
     <p:extLst>
       <p:ext uri="{BB962C8B-B14F-4D97-AF65-F5344CB8AC3E}">
         <p14:creationId xmlns:p14="http://schemas.microsoft.com/office/powerpoint/2010/main" val="3776922927"/>
+      </p:ext>
+    </p:extLst>
+  </p:cSld>
+  <p:clrMapOvr>
+    <a:masterClrMapping/>
+  </p:clrMapOvr>
+</p:sld>
+</file>
+
+<file path=ppt/slides/slide17.xml><?xml version="1.0" encoding="utf-8"?>
+<p:sld xmlns:a="http://schemas.openxmlformats.org/drawingml/2006/main" xmlns:r="http://schemas.openxmlformats.org/officeDocument/2006/relationships" xmlns:p="http://schemas.openxmlformats.org/presentationml/2006/main">
+  <p:cSld>
+    <p:spTree>
+      <p:nvGrpSpPr>
+        <p:cNvPr id="1" name=""/>
+        <p:cNvGrpSpPr/>
+        <p:nvPr/>
+      </p:nvGrpSpPr>
+      <p:grpSpPr>
+        <a:xfrm>
+          <a:off x="0" y="0"/>
+          <a:ext cx="0" cy="0"/>
+          <a:chOff x="0" y="0"/>
+          <a:chExt cx="0" cy="0"/>
+        </a:xfrm>
+      </p:grpSpPr>
+      <p:sp>
+        <p:nvSpPr>
+          <p:cNvPr id="4" name="Footer Placeholder 3"/>
+          <p:cNvSpPr>
+            <a:spLocks noGrp="1"/>
+          </p:cNvSpPr>
+          <p:nvPr>
+            <p:ph type="ftr" sz="quarter" idx="11"/>
+          </p:nvPr>
+        </p:nvSpPr>
+        <p:spPr>
+          <a:xfrm>
+            <a:off x="3048000" y="4786312"/>
+            <a:ext cx="2895600" cy="357188"/>
+          </a:xfrm>
+        </p:spPr>
+        <p:txBody>
+          <a:bodyPr/>
+          <a:lstStyle/>
+          <a:p>
+            <a:r>
+              <a:rPr lang="en-CA" dirty="0"/>
+              <a:t>108</a:t>
+            </a:r>
+            <a:r>
+              <a:rPr lang="en-CA" baseline="30000" dirty="0"/>
+              <a:t>th</a:t>
+            </a:r>
+            <a:r>
+              <a:rPr lang="en-CA" dirty="0"/>
+              <a:t> IETF Online</a:t>
+            </a:r>
+          </a:p>
+        </p:txBody>
+      </p:sp>
+      <p:sp>
+        <p:nvSpPr>
+          <p:cNvPr id="5" name="Rectangle 2"/>
+          <p:cNvSpPr txBox="1">
+            <a:spLocks noChangeArrowheads="1"/>
+          </p:cNvSpPr>
+          <p:nvPr/>
+        </p:nvSpPr>
+        <p:spPr bwMode="auto">
+          <a:xfrm>
+            <a:off x="685800" y="1657350"/>
+            <a:ext cx="7772400" cy="1102519"/>
+          </a:xfrm>
+          <a:prstGeom prst="rect">
+            <a:avLst/>
+          </a:prstGeom>
+          <a:noFill/>
+          <a:ln w="9525">
+            <a:noFill/>
+            <a:miter lim="800000"/>
+            <a:headEnd/>
+            <a:tailEnd/>
+          </a:ln>
+          <a:effectLst/>
+        </p:spPr>
+        <p:txBody>
+          <a:bodyPr vert="horz" wrap="square" lIns="91440" tIns="45720" rIns="91440" bIns="45720" numCol="1" anchor="ctr" anchorCtr="0" compatLnSpc="1">
+            <a:prstTxWarp prst="textNoShape">
+              <a:avLst/>
+            </a:prstTxWarp>
+          </a:bodyPr>
+          <a:lstStyle>
+            <a:lvl1pPr algn="ctr" rtl="0" eaLnBrk="0" fontAlgn="base" hangingPunct="0">
+              <a:spcBef>
+                <a:spcPct val="0"/>
+              </a:spcBef>
+              <a:spcAft>
+                <a:spcPct val="0"/>
+              </a:spcAft>
+              <a:defRPr sz="4400">
+                <a:solidFill>
+                  <a:schemeClr val="tx2"/>
+                </a:solidFill>
+                <a:latin typeface="+mj-lt"/>
+                <a:ea typeface="+mj-ea"/>
+                <a:cs typeface="+mj-cs"/>
+              </a:defRPr>
+            </a:lvl1pPr>
+            <a:lvl2pPr algn="ctr" rtl="0" eaLnBrk="0" fontAlgn="base" hangingPunct="0">
+              <a:spcBef>
+                <a:spcPct val="0"/>
+              </a:spcBef>
+              <a:spcAft>
+                <a:spcPct val="0"/>
+              </a:spcAft>
+              <a:defRPr sz="4400">
+                <a:solidFill>
+                  <a:schemeClr val="tx2"/>
+                </a:solidFill>
+                <a:latin typeface="Arial" charset="0"/>
+                <a:ea typeface="宋体" pitchFamily="2" charset="-122"/>
+              </a:defRPr>
+            </a:lvl2pPr>
+            <a:lvl3pPr algn="ctr" rtl="0" eaLnBrk="0" fontAlgn="base" hangingPunct="0">
+              <a:spcBef>
+                <a:spcPct val="0"/>
+              </a:spcBef>
+              <a:spcAft>
+                <a:spcPct val="0"/>
+              </a:spcAft>
+              <a:defRPr sz="4400">
+                <a:solidFill>
+                  <a:schemeClr val="tx2"/>
+                </a:solidFill>
+                <a:latin typeface="Arial" charset="0"/>
+                <a:ea typeface="宋体" pitchFamily="2" charset="-122"/>
+              </a:defRPr>
+            </a:lvl3pPr>
+            <a:lvl4pPr algn="ctr" rtl="0" eaLnBrk="0" fontAlgn="base" hangingPunct="0">
+              <a:spcBef>
+                <a:spcPct val="0"/>
+              </a:spcBef>
+              <a:spcAft>
+                <a:spcPct val="0"/>
+              </a:spcAft>
+              <a:defRPr sz="4400">
+                <a:solidFill>
+                  <a:schemeClr val="tx2"/>
+                </a:solidFill>
+                <a:latin typeface="Arial" charset="0"/>
+                <a:ea typeface="宋体" pitchFamily="2" charset="-122"/>
+              </a:defRPr>
+            </a:lvl4pPr>
+            <a:lvl5pPr algn="ctr" rtl="0" eaLnBrk="0" fontAlgn="base" hangingPunct="0">
+              <a:spcBef>
+                <a:spcPct val="0"/>
+              </a:spcBef>
+              <a:spcAft>
+                <a:spcPct val="0"/>
+              </a:spcAft>
+              <a:defRPr sz="4400">
+                <a:solidFill>
+                  <a:schemeClr val="tx2"/>
+                </a:solidFill>
+                <a:latin typeface="Arial" charset="0"/>
+                <a:ea typeface="宋体" pitchFamily="2" charset="-122"/>
+              </a:defRPr>
+            </a:lvl5pPr>
+            <a:lvl6pPr marL="457200" algn="ctr" rtl="0" fontAlgn="base">
+              <a:spcBef>
+                <a:spcPct val="0"/>
+              </a:spcBef>
+              <a:spcAft>
+                <a:spcPct val="0"/>
+              </a:spcAft>
+              <a:defRPr sz="4400">
+                <a:solidFill>
+                  <a:schemeClr val="tx2"/>
+                </a:solidFill>
+                <a:latin typeface="Arial" charset="0"/>
+                <a:ea typeface="宋体" pitchFamily="2" charset="-122"/>
+              </a:defRPr>
+            </a:lvl6pPr>
+            <a:lvl7pPr marL="914400" algn="ctr" rtl="0" fontAlgn="base">
+              <a:spcBef>
+                <a:spcPct val="0"/>
+              </a:spcBef>
+              <a:spcAft>
+                <a:spcPct val="0"/>
+              </a:spcAft>
+              <a:defRPr sz="4400">
+                <a:solidFill>
+                  <a:schemeClr val="tx2"/>
+                </a:solidFill>
+                <a:latin typeface="Arial" charset="0"/>
+                <a:ea typeface="宋体" pitchFamily="2" charset="-122"/>
+              </a:defRPr>
+            </a:lvl7pPr>
+            <a:lvl8pPr marL="1371600" algn="ctr" rtl="0" fontAlgn="base">
+              <a:spcBef>
+                <a:spcPct val="0"/>
+              </a:spcBef>
+              <a:spcAft>
+                <a:spcPct val="0"/>
+              </a:spcAft>
+              <a:defRPr sz="4400">
+                <a:solidFill>
+                  <a:schemeClr val="tx2"/>
+                </a:solidFill>
+                <a:latin typeface="Arial" charset="0"/>
+                <a:ea typeface="宋体" pitchFamily="2" charset="-122"/>
+              </a:defRPr>
+            </a:lvl8pPr>
+            <a:lvl9pPr marL="1828800" algn="ctr" rtl="0" fontAlgn="base">
+              <a:spcBef>
+                <a:spcPct val="0"/>
+              </a:spcBef>
+              <a:spcAft>
+                <a:spcPct val="0"/>
+              </a:spcAft>
+              <a:defRPr sz="4400">
+                <a:solidFill>
+                  <a:schemeClr val="tx2"/>
+                </a:solidFill>
+                <a:latin typeface="Arial" charset="0"/>
+                <a:ea typeface="宋体" pitchFamily="2" charset="-122"/>
+              </a:defRPr>
+            </a:lvl9pPr>
+          </a:lstStyle>
+          <a:p>
+            <a:pPr eaLnBrk="1" hangingPunct="1">
+              <a:defRPr/>
+            </a:pPr>
+            <a:r>
+              <a:rPr lang="en-US" altLang="zh-CN" sz="4000" kern="0" dirty="0">
+                <a:effectLst>
+                  <a:outerShdw blurRad="38100" dist="38100" dir="2700000" algn="tl">
+                    <a:srgbClr val="C0C0C0"/>
+                  </a:outerShdw>
+                </a:effectLst>
+                <a:latin typeface="Calibri" charset="0"/>
+                <a:ea typeface="Calibri" charset="0"/>
+                <a:cs typeface="Calibri" charset="0"/>
+              </a:rPr>
+              <a:t>Thank you</a:t>
+            </a:r>
+          </a:p>
+        </p:txBody>
+      </p:sp>
+      <p:sp>
+        <p:nvSpPr>
+          <p:cNvPr id="2" name="Slide Number Placeholder 1"/>
+          <p:cNvSpPr>
+            <a:spLocks noGrp="1"/>
+          </p:cNvSpPr>
+          <p:nvPr>
+            <p:ph type="sldNum" sz="quarter" idx="12"/>
+          </p:nvPr>
+        </p:nvSpPr>
+        <p:spPr/>
+        <p:txBody>
+          <a:bodyPr/>
+          <a:lstStyle/>
+          <a:p>
+            <a:pPr>
+              <a:defRPr/>
+            </a:pPr>
+            <a:fld id="{BD6E0F59-1DD8-40FC-9C92-B6295CBA6CCA}" type="slidenum">
+              <a:rPr lang="en-US" altLang="zh-CN" smtClean="0"/>
+              <a:pPr>
+                <a:defRPr/>
+              </a:pPr>
+              <a:t>17</a:t>
+            </a:fld>
+            <a:endParaRPr lang="en-US" altLang="zh-CN" dirty="0"/>
+          </a:p>
+        </p:txBody>
+      </p:sp>
+    </p:spTree>
+    <p:extLst>
+      <p:ext uri="{BB962C8B-B14F-4D97-AF65-F5344CB8AC3E}">
+        <p14:creationId xmlns:p14="http://schemas.microsoft.com/office/powerpoint/2010/main" val="2321992387"/>
       </p:ext>
     </p:extLst>
   </p:cSld>
@@ -10144,7 +10731,7 @@
           <a:lstStyle/>
           <a:p>
             <a:r>
-              <a:rPr lang="en-US" sz="3200" b="1" dirty="0">
+              <a:rPr lang="en-US" sz="3200" dirty="0">
                 <a:solidFill>
                   <a:srgbClr val="0070C0"/>
                 </a:solidFill>
@@ -10153,13 +10740,6 @@
               </a:rPr>
               <a:t>Failure Notification</a:t>
             </a:r>
-            <a:endParaRPr lang="en-US" sz="3200" dirty="0">
-              <a:solidFill>
-                <a:srgbClr val="0070C0"/>
-              </a:solidFill>
-              <a:latin typeface="Calibri Light" panose="020F0302020204030204" pitchFamily="34" charset="0"/>
-              <a:cs typeface="Calibri Light" panose="020F0302020204030204" pitchFamily="34" charset="0"/>
-            </a:endParaRPr>
           </a:p>
         </p:txBody>
       </p:sp>
@@ -10242,7 +10822,7 @@
             </a:pPr>
             <a:r>
               <a:rPr lang="en-US" sz="2000" dirty="0"/>
-              <a:t>Liveness failure is notified when consecutive N number of return probe messages are not received at the sender</a:t>
+              <a:t>Liveness failure (loss of heart beats) is notified when consecutive N number of return probe messages are not received at the sender</a:t>
             </a:r>
             <a:endParaRPr lang="en-CA" sz="2000" dirty="0"/>
           </a:p>
@@ -10350,7 +10930,7 @@
           <a:lstStyle/>
           <a:p>
             <a:r>
-              <a:rPr lang="en-US" sz="2600" dirty="0">
+              <a:rPr lang="en-US" sz="2800" dirty="0">
                 <a:solidFill>
                   <a:srgbClr val="0070C0"/>
                 </a:solidFill>

--- a/draft-gandhi-spring-sr-enhanced-plm-02.pptx
+++ b/draft-gandhi-spring-sr-enhanced-plm-02.pptx
@@ -260,7 +260,7 @@
           <a:p>
             <a:fld id="{E8FA3DB5-7722-3F4F-947D-12B203669AD7}" type="datetimeFigureOut">
               <a:rPr lang="en-US" smtClean="0"/>
-              <a:t>7/24/20</a:t>
+              <a:t>7/31/20</a:t>
             </a:fld>
             <a:endParaRPr lang="en-US"/>
           </a:p>
@@ -6006,7 +6006,7 @@
         </p:nvSpPr>
         <p:spPr>
           <a:xfrm>
-            <a:off x="381000" y="725090"/>
+            <a:off x="381000" y="666750"/>
             <a:ext cx="4643034" cy="3831818"/>
           </a:xfrm>
           <a:prstGeom prst="rect">
@@ -6093,7 +6093,19 @@
               <a:rPr lang="en-CA" sz="900" dirty="0">
                 <a:latin typeface="Courier" pitchFamily="2" charset="0"/>
               </a:rPr>
-              <a:t>.  END.TSF with Reflector SID                                   .</a:t>
+              <a:t>.  </a:t>
+            </a:r>
+            <a:r>
+              <a:rPr lang="en-CA" sz="900" dirty="0" err="1">
+                <a:latin typeface="Courier" pitchFamily="2" charset="0"/>
+              </a:rPr>
+              <a:t>End.TSF</a:t>
+            </a:r>
+            <a:r>
+              <a:rPr lang="en-CA" sz="900" dirty="0">
+                <a:latin typeface="Courier" pitchFamily="2" charset="0"/>
+              </a:rPr>
+              <a:t> with Reflector SID                                   .</a:t>
             </a:r>
           </a:p>
           <a:p>
@@ -6289,7 +6301,15 @@
           <a:p>
             <a:r>
               <a:rPr lang="en-US" sz="1400" dirty="0"/>
-              <a:t>Endpoint SID Function END.TSF is defined for Timestamp and Forward network programming and is carried for the Reflector node SID</a:t>
+              <a:t>Endpoint SID Function </a:t>
+            </a:r>
+            <a:r>
+              <a:rPr lang="en-US" sz="1400" dirty="0" err="1"/>
+              <a:t>End.TSF</a:t>
+            </a:r>
+            <a:r>
+              <a:rPr lang="en-US" sz="1400" dirty="0"/>
+              <a:t> is defined for Timestamp and Forward network programming and is carried for the Reflector node SID</a:t>
             </a:r>
           </a:p>
           <a:p>
@@ -9524,7 +9544,7 @@
             </a:pPr>
             <a:r>
               <a:rPr lang="en-US" sz="1400" dirty="0"/>
-              <a:t>No endpoint dependency</a:t>
+              <a:t>No reflector dependency</a:t>
             </a:r>
           </a:p>
           <a:p>
@@ -9534,7 +9554,7 @@
             </a:pPr>
             <a:r>
               <a:rPr lang="en-US" sz="1400" dirty="0"/>
-              <a:t>Stateless on endpoint (e.g. endpoint unaware of the protocol)</a:t>
+              <a:t>Stateless on reflector (e.g. reflector unaware of the protocol)</a:t>
             </a:r>
           </a:p>
           <a:p>
@@ -9760,15 +9780,20 @@
             <a:pPr lvl="1"/>
             <a:r>
               <a:rPr lang="en-US" sz="1600" dirty="0"/>
-              <a:t>Presented </a:t>
-            </a:r>
-            <a:r>
-              <a:rPr lang="en-US" sz="1600" i="1" dirty="0"/>
-              <a:t>version 00</a:t>
-            </a:r>
+              <a:t>Presented version 00 in IETF 107 Virtual MPLS WG Meeting</a:t>
+            </a:r>
+          </a:p>
+          <a:p>
             <a:r>
               <a:rPr lang="en-US" sz="1600" dirty="0"/>
-              <a:t> in IETF MPLS WG Virtual Meeting</a:t>
+              <a:t>July 2020</a:t>
+            </a:r>
+          </a:p>
+          <a:p>
+            <a:pPr lvl="1"/>
+            <a:r>
+              <a:rPr lang="en-US" sz="1600" dirty="0"/>
+              <a:t>Presented version 02 in IETF 108 Online SPRING WG meeting</a:t>
             </a:r>
           </a:p>
           <a:p>
@@ -10008,6 +10033,20 @@
                 <a:spcPts val="0"/>
               </a:spcBef>
             </a:pPr>
+            <a:r>
+              <a:rPr lang="en-US" sz="1600" dirty="0"/>
+              <a:t>Reflector is agnostic of the protocol </a:t>
+            </a:r>
+          </a:p>
+          <a:p>
+            <a:pPr>
+              <a:lnSpc>
+                <a:spcPts val="1960"/>
+              </a:lnSpc>
+              <a:spcBef>
+                <a:spcPts val="0"/>
+              </a:spcBef>
+            </a:pPr>
             <a:endParaRPr lang="en-US" sz="1600" dirty="0"/>
           </a:p>
         </p:txBody>
@@ -10441,7 +10480,7 @@
             </a:pPr>
             <a:r>
               <a:rPr lang="en-CA" sz="1200" dirty="0"/>
-              <a:t>The network programming function optimizes the "operations of punt, add receive timestamp and inject the probe packet" on the reflector node</a:t>
+              <a:t>The network programming function optimizes the "operations of punt and inject the probe packet" on the reflector node</a:t>
             </a:r>
           </a:p>
           <a:p>
@@ -10469,7 +10508,7 @@
             </a:pPr>
             <a:r>
               <a:rPr lang="en-CA" sz="1200" dirty="0"/>
-              <a:t>Reflector node adds the receive timestamp in the payload of the received probe message without punting the message</a:t>
+              <a:t>Reflector node adds the receive timestamp in the payload of the received probe message in the fast-path</a:t>
             </a:r>
           </a:p>
           <a:p>
@@ -10738,7 +10777,7 @@
                 <a:latin typeface="Calibri Light" panose="020F0302020204030204" pitchFamily="34" charset="0"/>
                 <a:cs typeface="Calibri Light" panose="020F0302020204030204" pitchFamily="34" charset="0"/>
               </a:rPr>
-              <a:t>Failure Notification</a:t>
+              <a:t>Notifications</a:t>
             </a:r>
           </a:p>
         </p:txBody>
@@ -10823,6 +10862,20 @@
             <a:r>
               <a:rPr lang="en-US" sz="2000" dirty="0"/>
               <a:t>Liveness failure (loss of heart beats) is notified when consecutive N number of return probe messages are not received at the sender</a:t>
+            </a:r>
+          </a:p>
+          <a:p>
+            <a:pPr>
+              <a:lnSpc>
+                <a:spcPts val="2180"/>
+              </a:lnSpc>
+              <a:spcBef>
+                <a:spcPts val="600"/>
+              </a:spcBef>
+            </a:pPr>
+            <a:r>
+              <a:rPr lang="en-US" sz="2000" dirty="0"/>
+              <a:t>Liveness success (bring up of heart beats) is notified as soon as one or more return probe messages are received at the sender</a:t>
             </a:r>
             <a:endParaRPr lang="en-CA" sz="2000" dirty="0"/>
           </a:p>

--- a/draft-gandhi-spring-sr-enhanced-plm-02.pptx
+++ b/draft-gandhi-spring-sr-enhanced-plm-02.pptx
@@ -260,7 +260,7 @@
           <a:p>
             <a:fld id="{E8FA3DB5-7722-3F4F-947D-12B203669AD7}" type="datetimeFigureOut">
               <a:rPr lang="en-US" smtClean="0"/>
-              <a:t>7/31/20</a:t>
+              <a:t>9/14/20</a:t>
             </a:fld>
             <a:endParaRPr lang="en-US"/>
           </a:p>
@@ -5818,7 +5818,7 @@
         </p:nvSpPr>
         <p:spPr>
           <a:xfrm>
-            <a:off x="3124200" y="4786312"/>
+            <a:off x="3086100" y="4786312"/>
             <a:ext cx="2895600" cy="357188"/>
           </a:xfrm>
         </p:spPr>
@@ -5828,15 +5828,7 @@
           <a:p>
             <a:r>
               <a:rPr lang="en-CA" dirty="0"/>
-              <a:t>108</a:t>
-            </a:r>
-            <a:r>
-              <a:rPr lang="en-CA" baseline="30000" dirty="0"/>
-              <a:t>th</a:t>
-            </a:r>
-            <a:r>
-              <a:rPr lang="en-CA" dirty="0"/>
-              <a:t> IETF Online</a:t>
+              <a:t>MPLS WG Interim, September 2020</a:t>
             </a:r>
           </a:p>
         </p:txBody>
@@ -5916,7 +5908,7 @@
           <a:lstStyle/>
           <a:p>
             <a:r>
-              <a:rPr lang="en-US" sz="3000" dirty="0">
+              <a:rPr lang="en-US" sz="3200" dirty="0">
                 <a:solidFill>
                   <a:srgbClr val="0070C0"/>
                 </a:solidFill>
@@ -5950,15 +5942,7 @@
           <a:p>
             <a:r>
               <a:rPr lang="en-CA" dirty="0"/>
-              <a:t>108</a:t>
-            </a:r>
-            <a:r>
-              <a:rPr lang="en-CA" baseline="30000" dirty="0"/>
-              <a:t>th</a:t>
-            </a:r>
-            <a:r>
-              <a:rPr lang="en-CA" dirty="0"/>
-              <a:t> IETF Online</a:t>
+              <a:t>MPLS WG Interim, September 2020</a:t>
             </a:r>
           </a:p>
         </p:txBody>
@@ -6348,7 +6332,7 @@
           <a:p>
             <a:r>
               <a:rPr lang="en-US" sz="1400" dirty="0"/>
-              <a:t>Source and Destination Addresses are swapped to represent the Reverse direction path in the inner IPv6 header</a:t>
+              <a:t>Source and Destination Addresses are swapped that represent the Reverse direction path in the inner IPv6 header</a:t>
             </a:r>
           </a:p>
           <a:p>
@@ -6407,7 +6391,7 @@
           <a:lstStyle/>
           <a:p>
             <a:r>
-              <a:rPr lang="en-US" sz="3600" dirty="0">
+              <a:rPr lang="en-US" sz="3200" dirty="0">
                 <a:solidFill>
                   <a:srgbClr val="0070C0"/>
                 </a:solidFill>
@@ -6491,7 +6475,7 @@
             </a:pPr>
             <a:r>
               <a:rPr lang="en-US" sz="1600" dirty="0"/>
-              <a:t>For IPv4</a:t>
+              <a:t>For IPv4 when return path is also SR-MPLS</a:t>
             </a:r>
           </a:p>
           <a:p>
@@ -6505,15 +6489,7 @@
             </a:pPr>
             <a:r>
               <a:rPr lang="en-US" sz="1600" dirty="0"/>
-              <a:t>Sweeping destination address in IPv4 header (e.g. 127/8) if return path is </a:t>
-            </a:r>
-            <a:r>
-              <a:rPr lang="en-US" sz="1600" b="1" dirty="0"/>
-              <a:t>also</a:t>
-            </a:r>
-            <a:r>
-              <a:rPr lang="en-US" sz="1600" dirty="0"/>
-              <a:t> SR-MPLS</a:t>
+              <a:t>Sweeping destination address in IPv4 header (e.g. 127/8)</a:t>
             </a:r>
           </a:p>
           <a:p>
@@ -6568,15 +6544,7 @@
           <a:p>
             <a:r>
               <a:rPr lang="en-CA" dirty="0"/>
-              <a:t>108</a:t>
-            </a:r>
-            <a:r>
-              <a:rPr lang="en-CA" baseline="30000" dirty="0"/>
-              <a:t>th</a:t>
-            </a:r>
-            <a:r>
-              <a:rPr lang="en-CA" dirty="0"/>
-              <a:t> IETF Online</a:t>
+              <a:t>MPLS WG Interim, September 2020</a:t>
             </a:r>
           </a:p>
         </p:txBody>
@@ -6667,7 +6635,7 @@
           <a:lstStyle/>
           <a:p>
             <a:r>
-              <a:rPr lang="en-US" sz="3600" dirty="0">
+              <a:rPr lang="en-US" sz="3200" dirty="0">
                 <a:solidFill>
                   <a:srgbClr val="0070C0"/>
                 </a:solidFill>
@@ -6707,15 +6675,7 @@
           <a:p>
             <a:r>
               <a:rPr lang="en-CA" dirty="0"/>
-              <a:t>108</a:t>
-            </a:r>
-            <a:r>
-              <a:rPr lang="en-CA" baseline="30000" dirty="0"/>
-              <a:t>th</a:t>
-            </a:r>
-            <a:r>
-              <a:rPr lang="en-CA" dirty="0"/>
-              <a:t> IETF Online</a:t>
+              <a:t>MPLS WG Interim, September 2020</a:t>
             </a:r>
           </a:p>
         </p:txBody>
@@ -7109,7 +7069,7 @@
           <a:lstStyle/>
           <a:p>
             <a:r>
-              <a:rPr lang="en-US" sz="3600" dirty="0">
+              <a:rPr lang="en-US" sz="3200" dirty="0">
                 <a:solidFill>
                   <a:srgbClr val="0070C0"/>
                 </a:solidFill>
@@ -7185,15 +7145,7 @@
           <a:p>
             <a:r>
               <a:rPr lang="en-CA" dirty="0"/>
-              <a:t>108</a:t>
-            </a:r>
-            <a:r>
-              <a:rPr lang="en-CA" baseline="30000" dirty="0"/>
-              <a:t>th</a:t>
-            </a:r>
-            <a:r>
-              <a:rPr lang="en-CA" dirty="0"/>
-              <a:t> IETF Online</a:t>
+              <a:t>MPLS WG Interim, September 2020</a:t>
             </a:r>
           </a:p>
         </p:txBody>
@@ -7279,15 +7231,7 @@
           <a:p>
             <a:r>
               <a:rPr lang="en-CA" dirty="0"/>
-              <a:t>108</a:t>
-            </a:r>
-            <a:r>
-              <a:rPr lang="en-CA" baseline="30000" dirty="0"/>
-              <a:t>th</a:t>
-            </a:r>
-            <a:r>
-              <a:rPr lang="en-CA" dirty="0"/>
-              <a:t> IETF Online</a:t>
+              <a:t>MPLS WG Interim, September 2020</a:t>
             </a:r>
           </a:p>
         </p:txBody>
@@ -7562,15 +7506,7 @@
           <a:p>
             <a:r>
               <a:rPr lang="en-CA" dirty="0"/>
-              <a:t>108</a:t>
-            </a:r>
-            <a:r>
-              <a:rPr lang="en-CA" baseline="30000" dirty="0"/>
-              <a:t>th</a:t>
-            </a:r>
-            <a:r>
-              <a:rPr lang="en-CA" dirty="0"/>
-              <a:t> IETF Online</a:t>
+              <a:t>MPLS WG Interim, September 2020</a:t>
             </a:r>
           </a:p>
         </p:txBody>
@@ -8246,14 +8182,14 @@
           <p:nvPr>
             <p:extLst>
               <p:ext uri="{D42A27DB-BD31-4B8C-83A1-F6EECF244321}">
-                <p14:modId xmlns:p14="http://schemas.microsoft.com/office/powerpoint/2010/main" val="581474866"/>
+                <p14:modId xmlns:p14="http://schemas.microsoft.com/office/powerpoint/2010/main" val="1789173835"/>
               </p:ext>
             </p:extLst>
           </p:nvPr>
         </p:nvGraphicFramePr>
         <p:xfrm>
-          <a:off x="1897581" y="1102369"/>
-          <a:ext cx="1099698" cy="1325880"/>
+          <a:off x="1897581" y="941070"/>
+          <a:ext cx="1099698" cy="1554480"/>
         </p:xfrm>
         <a:graphic>
           <a:graphicData uri="http://schemas.openxmlformats.org/drawingml/2006/table">
@@ -8291,6 +8227,30 @@
                 <a:extLst>
                   <a:ext uri="{0D108BD9-81ED-4DB2-BD59-A6C34878D82A}">
                     <a16:rowId xmlns:a16="http://schemas.microsoft.com/office/drawing/2014/main" val="4242948545"/>
+                  </a:ext>
+                </a:extLst>
+              </a:tr>
+              <a:tr h="210207">
+                <a:tc>
+                  <a:txBody>
+                    <a:bodyPr/>
+                    <a:lstStyle/>
+                    <a:p>
+                      <a:pPr algn="ctr"/>
+                      <a:r>
+                        <a:rPr lang="en-US" sz="900" dirty="0">
+                          <a:latin typeface="Calibri" panose="020F0502020204030204" pitchFamily="34" charset="0"/>
+                          <a:cs typeface="Calibri" panose="020F0502020204030204" pitchFamily="34" charset="0"/>
+                        </a:rPr>
+                        <a:t>15</a:t>
+                      </a:r>
+                    </a:p>
+                  </a:txBody>
+                  <a:tcPr/>
+                </a:tc>
+                <a:extLst>
+                  <a:ext uri="{0D108BD9-81ED-4DB2-BD59-A6C34878D82A}">
+                    <a16:rowId xmlns:a16="http://schemas.microsoft.com/office/drawing/2014/main" val="656045320"/>
                   </a:ext>
                 </a:extLst>
               </a:tr>
@@ -8412,14 +8372,14 @@
           <p:nvPr>
             <p:extLst>
               <p:ext uri="{D42A27DB-BD31-4B8C-83A1-F6EECF244321}">
-                <p14:modId xmlns:p14="http://schemas.microsoft.com/office/powerpoint/2010/main" val="1785655772"/>
+                <p14:modId xmlns:p14="http://schemas.microsoft.com/office/powerpoint/2010/main" val="2950306970"/>
               </p:ext>
             </p:extLst>
           </p:nvPr>
         </p:nvGraphicFramePr>
         <p:xfrm>
-          <a:off x="4973133" y="1332732"/>
-          <a:ext cx="1046667" cy="1097280"/>
+          <a:off x="4973133" y="1200150"/>
+          <a:ext cx="1046667" cy="1325880"/>
         </p:xfrm>
         <a:graphic>
           <a:graphicData uri="http://schemas.openxmlformats.org/drawingml/2006/table">
@@ -8436,6 +8396,30 @@
                   </a:extLst>
                 </a:gridCol>
               </a:tblGrid>
+              <a:tr h="224854">
+                <a:tc>
+                  <a:txBody>
+                    <a:bodyPr/>
+                    <a:lstStyle/>
+                    <a:p>
+                      <a:pPr algn="ctr"/>
+                      <a:r>
+                        <a:rPr lang="en-US" sz="900" b="0" dirty="0">
+                          <a:latin typeface="Calibri" panose="020F0502020204030204" pitchFamily="34" charset="0"/>
+                          <a:cs typeface="Calibri" panose="020F0502020204030204" pitchFamily="34" charset="0"/>
+                        </a:rPr>
+                        <a:t>15</a:t>
+                      </a:r>
+                    </a:p>
+                  </a:txBody>
+                  <a:tcPr/>
+                </a:tc>
+                <a:extLst>
+                  <a:ext uri="{0D108BD9-81ED-4DB2-BD59-A6C34878D82A}">
+                    <a16:rowId xmlns:a16="http://schemas.microsoft.com/office/drawing/2014/main" val="1142281524"/>
+                  </a:ext>
+                </a:extLst>
+              </a:tr>
               <a:tr h="224854">
                 <a:tc>
                   <a:txBody>
@@ -8884,15 +8868,7 @@
           <a:p>
             <a:r>
               <a:rPr lang="en-CA" dirty="0"/>
-              <a:t>108</a:t>
-            </a:r>
-            <a:r>
-              <a:rPr lang="en-CA" baseline="30000" dirty="0"/>
-              <a:t>th</a:t>
-            </a:r>
-            <a:r>
-              <a:rPr lang="en-CA" dirty="0"/>
-              <a:t> IETF Online</a:t>
+              <a:t>MPLS WG Interim, September 2020</a:t>
             </a:r>
           </a:p>
         </p:txBody>
@@ -8979,7 +8955,7 @@
         </p:nvSpPr>
         <p:spPr>
           <a:xfrm>
-            <a:off x="3048000" y="4786312"/>
+            <a:off x="3124200" y="4786312"/>
             <a:ext cx="2895600" cy="357188"/>
           </a:xfrm>
         </p:spPr>
@@ -8989,15 +8965,7 @@
           <a:p>
             <a:r>
               <a:rPr lang="en-CA" dirty="0"/>
-              <a:t>108</a:t>
-            </a:r>
-            <a:r>
-              <a:rPr lang="en-CA" baseline="30000" dirty="0"/>
-              <a:t>th</a:t>
-            </a:r>
-            <a:r>
-              <a:rPr lang="en-CA" dirty="0"/>
-              <a:t> IETF Online</a:t>
+              <a:t>MPLS WG Interim, September 2020</a:t>
             </a:r>
           </a:p>
         </p:txBody>
@@ -9344,15 +9312,7 @@
           <a:p>
             <a:r>
               <a:rPr lang="en-CA" dirty="0"/>
-              <a:t>108</a:t>
-            </a:r>
-            <a:r>
-              <a:rPr lang="en-CA" baseline="30000" dirty="0"/>
-              <a:t>th</a:t>
-            </a:r>
-            <a:r>
-              <a:rPr lang="en-CA" dirty="0"/>
-              <a:t> IETF Online</a:t>
+              <a:t>MPLS WG Interim, September 2020</a:t>
             </a:r>
           </a:p>
         </p:txBody>
@@ -9554,7 +9514,17 @@
             </a:pPr>
             <a:r>
               <a:rPr lang="en-US" sz="1400" dirty="0"/>
-              <a:t>Stateless on reflector (e.g. reflector unaware of the protocol)</a:t>
+              <a:t>Stateless on reflector (e.g. reflector unaware of the monitoring protocol) </a:t>
+            </a:r>
+          </a:p>
+          <a:p>
+            <a:pPr lvl="3">
+              <a:buFont typeface="Wingdings" pitchFamily="2" charset="2"/>
+              <a:buChar char="ü"/>
+            </a:pPr>
+            <a:r>
+              <a:rPr lang="en-US" sz="1400" dirty="0"/>
+              <a:t>State is in the probe message - spirit of SR</a:t>
             </a:r>
           </a:p>
           <a:p>
@@ -9593,7 +9563,7 @@
             </a:pPr>
             <a:r>
               <a:rPr lang="en-US" sz="1400" dirty="0"/>
-              <a:t>RFC 8762 (STAMP) defined probe messages</a:t>
+              <a:t>RFC 8762 (Simple TWAMP (STAMP)) defined probe messages</a:t>
             </a:r>
           </a:p>
           <a:p>
@@ -9633,15 +9603,7 @@
           <a:p>
             <a:r>
               <a:rPr lang="en-CA" dirty="0"/>
-              <a:t>108</a:t>
-            </a:r>
-            <a:r>
-              <a:rPr lang="en-CA" baseline="30000" dirty="0"/>
-              <a:t>th</a:t>
-            </a:r>
-            <a:r>
-              <a:rPr lang="en-CA" dirty="0"/>
-              <a:t> IETF Online</a:t>
+              <a:t>MPLS WG Interim, September 2020</a:t>
             </a:r>
           </a:p>
         </p:txBody>
@@ -9823,15 +9785,7 @@
           <a:p>
             <a:r>
               <a:rPr lang="en-CA" dirty="0"/>
-              <a:t>108</a:t>
-            </a:r>
-            <a:r>
-              <a:rPr lang="en-CA" baseline="30000" dirty="0"/>
-              <a:t>th</a:t>
-            </a:r>
-            <a:r>
-              <a:rPr lang="en-CA" dirty="0"/>
-              <a:t> IETF Online</a:t>
+              <a:t>MPLS WG Interim, September 2020</a:t>
             </a:r>
           </a:p>
         </p:txBody>
@@ -9950,15 +9904,7 @@
           <a:p>
             <a:r>
               <a:rPr lang="en-CA" dirty="0"/>
-              <a:t>108</a:t>
-            </a:r>
-            <a:r>
-              <a:rPr lang="en-CA" baseline="30000" dirty="0"/>
-              <a:t>th</a:t>
-            </a:r>
-            <a:r>
-              <a:rPr lang="en-CA" dirty="0"/>
-              <a:t> IETF Online</a:t>
+              <a:t>MPLS WG Interim, September 2020</a:t>
             </a:r>
           </a:p>
         </p:txBody>
@@ -9993,7 +9939,7 @@
             </a:pPr>
             <a:r>
               <a:rPr lang="en-US" sz="1600" dirty="0"/>
-              <a:t>Using PM probes (TWAMP Light/STAMP delay measurement messages) in Loopback Mode</a:t>
+              <a:t>Using PM probes (TWAMP Light/Simple TWAMP (STAMP) delay measurement messages) in Loopback Mode</a:t>
             </a:r>
           </a:p>
           <a:p>
@@ -10035,7 +9981,7 @@
             </a:pPr>
             <a:r>
               <a:rPr lang="en-US" sz="1600" dirty="0"/>
-              <a:t>Reflector is agnostic of the protocol </a:t>
+              <a:t>Reflector is agnostic of the monitoring protocol </a:t>
             </a:r>
           </a:p>
           <a:p>
@@ -10423,15 +10369,7 @@
           <a:p>
             <a:r>
               <a:rPr lang="en-CA" dirty="0"/>
-              <a:t>108</a:t>
-            </a:r>
-            <a:r>
-              <a:rPr lang="en-CA" baseline="30000" dirty="0"/>
-              <a:t>th</a:t>
-            </a:r>
-            <a:r>
-              <a:rPr lang="en-CA" dirty="0"/>
-              <a:t> IETF Online</a:t>
+              <a:t>MPLS WG Interim, September 2020</a:t>
             </a:r>
           </a:p>
         </p:txBody>
@@ -10804,15 +10742,7 @@
           <a:p>
             <a:r>
               <a:rPr lang="en-CA" dirty="0"/>
-              <a:t>108</a:t>
-            </a:r>
-            <a:r>
-              <a:rPr lang="en-CA" baseline="30000" dirty="0"/>
-              <a:t>th</a:t>
-            </a:r>
-            <a:r>
-              <a:rPr lang="en-CA" dirty="0"/>
-              <a:t> IETF Online</a:t>
+              <a:t>MPLS WG Interim, September 2020</a:t>
             </a:r>
           </a:p>
         </p:txBody>
@@ -10861,7 +10791,7 @@
             </a:pPr>
             <a:r>
               <a:rPr lang="en-US" sz="2000" dirty="0"/>
-              <a:t>Liveness failure (loss of heart beats) is notified when consecutive N number of return probe messages are not received at the sender</a:t>
+              <a:t>Liveness failure (bring-down - loss of heart beats) is notified when consecutive N number of return probe messages are not received at the sender</a:t>
             </a:r>
           </a:p>
           <a:p>
@@ -10875,7 +10805,7 @@
             </a:pPr>
             <a:r>
               <a:rPr lang="en-US" sz="2000" dirty="0"/>
-              <a:t>Liveness success (bring up of heart beats) is notified as soon as one or more return probe messages are received at the sender</a:t>
+              <a:t>Liveness success (bring-up - success of heart beats) is notified as soon as one or more return probe messages are received at the sender</a:t>
             </a:r>
             <a:endParaRPr lang="en-CA" sz="2000" dirty="0"/>
           </a:p>
@@ -10974,8 +10904,8 @@
         </p:nvSpPr>
         <p:spPr>
           <a:xfrm>
-            <a:off x="152400" y="-19050"/>
-            <a:ext cx="8686800" cy="731027"/>
+            <a:off x="0" y="-19050"/>
+            <a:ext cx="9144000" cy="731027"/>
           </a:xfrm>
         </p:spPr>
         <p:txBody>
@@ -10983,7 +10913,7 @@
           <a:lstStyle/>
           <a:p>
             <a:r>
-              <a:rPr lang="en-US" sz="2800" dirty="0">
+              <a:rPr lang="en-US" sz="3000" dirty="0">
                 <a:solidFill>
                   <a:srgbClr val="0070C0"/>
                 </a:solidFill>
@@ -11571,7 +11501,7 @@
             <a:pPr lvl="1"/>
             <a:r>
               <a:rPr lang="en-US" sz="1200" dirty="0"/>
-              <a:t>E.g. offset-byte 16 from the start of the payload</a:t>
+              <a:t>E.g. offset-byte 16 from the start of the TWAMP payload</a:t>
             </a:r>
           </a:p>
         </p:txBody>
@@ -11598,15 +11528,7 @@
           <a:p>
             <a:r>
               <a:rPr lang="en-CA" dirty="0"/>
-              <a:t>108</a:t>
-            </a:r>
-            <a:r>
-              <a:rPr lang="en-CA" baseline="30000" dirty="0"/>
-              <a:t>th</a:t>
-            </a:r>
-            <a:r>
-              <a:rPr lang="en-CA" dirty="0"/>
-              <a:t> IETF Online</a:t>
+              <a:t>MPLS WG Interim, September 2020</a:t>
             </a:r>
           </a:p>
         </p:txBody>
@@ -12066,7 +11988,7 @@
           <a:lstStyle/>
           <a:p>
             <a:r>
-              <a:rPr lang="en-US" sz="3000" dirty="0">
+              <a:rPr lang="en-US" sz="3200" dirty="0">
                 <a:solidFill>
                   <a:srgbClr val="0070C0"/>
                 </a:solidFill>
@@ -12100,15 +12022,7 @@
           <a:p>
             <a:r>
               <a:rPr lang="en-CA" dirty="0"/>
-              <a:t>108</a:t>
-            </a:r>
-            <a:r>
-              <a:rPr lang="en-CA" baseline="30000" dirty="0"/>
-              <a:t>th</a:t>
-            </a:r>
-            <a:r>
-              <a:rPr lang="en-CA" dirty="0"/>
-              <a:t> IETF Online</a:t>
+              <a:t>MPLS WG Interim, September 2020</a:t>
             </a:r>
           </a:p>
         </p:txBody>
@@ -12157,7 +12071,7 @@
         <p:spPr>
           <a:xfrm>
             <a:off x="332214" y="658832"/>
-            <a:ext cx="4696986" cy="3970318"/>
+            <a:ext cx="4696986" cy="4108817"/>
           </a:xfrm>
           <a:prstGeom prst="rect">
             <a:avLst/>
@@ -12179,7 +12093,7 @@
               <a:rPr lang="en-CA" sz="900" dirty="0">
                 <a:latin typeface="Courier" pitchFamily="2" charset="0"/>
               </a:rPr>
-              <a:t>0 1 2 3 4 5 6 7 8 9 0 1 2 3 4 5 6 7 8 9 0 1 2 3 4 5 6 7 8 9 0 1   +-+-+-+-+-+-+-+-+-+-+-+-+-+-+-+-+-+-+-+-+-+-+-+-+-+-+-+-+-+-+-+-+ |            Label(1)                   | TC  |S|      TTL      | +-+-+-+-+-+-+-+-+-+-+-+-+-+-+-+-+-+-+-+-+-+-+-+-+-+-+-+-+-+-+-+-+ .                                                               . .                                                               . .                                                               . +-+-+-+-+-+-+-+-+-+-+-+-+-+-+-+-+-+-+-+-+-+-+-+-+-+-+-+-+-+-+-+-+ |            Label(n)                   | TC  |S|      TTL      | +-+-+-+-+-+-+-+-+-+-+-+-+-+-+-+-+-+-+-+-+-+-+-+-+-+-+-+-+-+-+-+-+ |            </a:t>
+              <a:t>0 1 2 3 4 5 6 7 8 9 0 1 2 3 4 5 6 7 8 9 0 1 2 3 4 5 6 7 8 9 0 1   +-+-+-+-+-+-+-+-+-+-+-+-+-+-+-+-+-+-+-+-+-+-+-+-+-+-+-+-+-+-+-+-+ |            Label(1)                   | TC  |S|      TTL      | +-+-+-+-+-+-+-+-+-+-+-+-+-+-+-+-+-+-+-+-+-+-+-+-+-+-+-+-+-+-+-+-+ .                                                               . .                                                               . .                                                               . +-+-+-+-+-+-+-+-+-+-+-+-+-+-+-+-+-+-+-+-+-+-+-+-+-+-+-+-+-+-+-+-+ |            Label(n)                   | TC  |S|      TTL      | +-+-+-+-+-+-+-+-+-+-+-+-+-+-+-+-+-+-+-+-+-+-+-+-+-+-+-+-+-+-+-+-+ |            Extension Label (15)       | TC  |S|      TTL      | +-+-+-+-+-+-+-+-+-+-+-+-+-+-+-+-+-+-+-+-+-+-+-+-+-+-+-+-+-+-+-+-+ |            </a:t>
             </a:r>
             <a:r>
               <a:rPr lang="en-CA" sz="900" b="1" dirty="0">
@@ -12303,7 +12217,7 @@
           <a:p>
             <a:r>
               <a:rPr lang="en-US" sz="1600" dirty="0"/>
-              <a:t>Source and Destination Addresses are swapped to represent the Reverse direction path</a:t>
+              <a:t>Source and Destination Addresses are swapped that represent the Reverse direction path</a:t>
             </a:r>
           </a:p>
           <a:p>
